--- a/Chapter 03 - Creating Docker Images.pptx
+++ b/Chapter 03 - Creating Docker Images.pptx
@@ -44,18 +44,19 @@
     <p:sldId id="306" r:id="rId38"/>
     <p:sldId id="326" r:id="rId39"/>
     <p:sldId id="307" r:id="rId40"/>
-    <p:sldId id="327" r:id="rId41"/>
-    <p:sldId id="308" r:id="rId42"/>
-    <p:sldId id="328" r:id="rId43"/>
-    <p:sldId id="309" r:id="rId44"/>
-    <p:sldId id="310" r:id="rId45"/>
-    <p:sldId id="311" r:id="rId46"/>
-    <p:sldId id="312" r:id="rId47"/>
-    <p:sldId id="329" r:id="rId48"/>
-    <p:sldId id="330" r:id="rId49"/>
-    <p:sldId id="331" r:id="rId50"/>
-    <p:sldId id="284" r:id="rId51"/>
-    <p:sldId id="285" r:id="rId52"/>
+    <p:sldId id="332" r:id="rId41"/>
+    <p:sldId id="327" r:id="rId42"/>
+    <p:sldId id="308" r:id="rId43"/>
+    <p:sldId id="328" r:id="rId44"/>
+    <p:sldId id="309" r:id="rId45"/>
+    <p:sldId id="310" r:id="rId46"/>
+    <p:sldId id="311" r:id="rId47"/>
+    <p:sldId id="312" r:id="rId48"/>
+    <p:sldId id="329" r:id="rId49"/>
+    <p:sldId id="330" r:id="rId50"/>
+    <p:sldId id="331" r:id="rId51"/>
+    <p:sldId id="284" r:id="rId52"/>
+    <p:sldId id="285" r:id="rId53"/>
   </p:sldIdLst>
   <p:sldSz cx="12192000" cy="6858000"/>
   <p:notesSz cx="6858000" cy="9144000"/>
@@ -219,7 +220,7 @@
           <a:noFill/>
           <a:extLst>
             <a:ext uri="{909E8E84-426E-40dd-AFC4-6F175D3DCCD1}">
-              <a14:hiddenFill xmlns="" xmlns:a14="http://schemas.microsoft.com/office/drawing/2010/main">
+              <a14:hiddenFill xmlns:a14="http://schemas.microsoft.com/office/drawing/2010/main" xmlns="">
                 <a:solidFill>
                   <a:srgbClr val="FFFFFF"/>
                 </a:solidFill>
@@ -278,7 +279,7 @@
             </a:ln>
             <a:extLst>
               <a:ext uri="{91240B29-F687-4f45-9708-019B960494DF}">
-                <a14:hiddenLine xmlns="" xmlns:a14="http://schemas.microsoft.com/office/drawing/2010/main" w="9525">
+                <a14:hiddenLine xmlns:a14="http://schemas.microsoft.com/office/drawing/2010/main" xmlns="" w="9525">
                   <a:solidFill>
                     <a:srgbClr val="000000"/>
                   </a:solidFill>
@@ -368,7 +369,7 @@
             </a:ln>
             <a:extLst>
               <a:ext uri="{91240B29-F687-4f45-9708-019B960494DF}">
-                <a14:hiddenLine xmlns="" xmlns:a14="http://schemas.microsoft.com/office/drawing/2010/main" w="9525">
+                <a14:hiddenLine xmlns:a14="http://schemas.microsoft.com/office/drawing/2010/main" xmlns="" w="9525">
                   <a:solidFill>
                     <a:srgbClr val="000000"/>
                   </a:solidFill>
@@ -458,7 +459,7 @@
             </a:ln>
             <a:extLst>
               <a:ext uri="{91240B29-F687-4f45-9708-019B960494DF}">
-                <a14:hiddenLine xmlns="" xmlns:a14="http://schemas.microsoft.com/office/drawing/2010/main" w="9525">
+                <a14:hiddenLine xmlns:a14="http://schemas.microsoft.com/office/drawing/2010/main" xmlns="" w="9525">
                   <a:solidFill>
                     <a:srgbClr val="000000"/>
                   </a:solidFill>
@@ -492,7 +493,7 @@
             </a:ln>
             <a:extLst>
               <a:ext uri="{91240B29-F687-4f45-9708-019B960494DF}">
-                <a14:hiddenLine xmlns="" xmlns:a14="http://schemas.microsoft.com/office/drawing/2010/main" w="9525">
+                <a14:hiddenLine xmlns:a14="http://schemas.microsoft.com/office/drawing/2010/main" xmlns="" w="9525">
                   <a:solidFill>
                     <a:srgbClr val="000000"/>
                   </a:solidFill>
@@ -582,7 +583,7 @@
             </a:ln>
             <a:extLst>
               <a:ext uri="{91240B29-F687-4f45-9708-019B960494DF}">
-                <a14:hiddenLine xmlns="" xmlns:a14="http://schemas.microsoft.com/office/drawing/2010/main" w="9525">
+                <a14:hiddenLine xmlns:a14="http://schemas.microsoft.com/office/drawing/2010/main" xmlns="" w="9525">
                   <a:solidFill>
                     <a:srgbClr val="000000"/>
                   </a:solidFill>
@@ -644,7 +645,7 @@
             </a:ln>
             <a:extLst>
               <a:ext uri="{91240B29-F687-4f45-9708-019B960494DF}">
-                <a14:hiddenLine xmlns="" xmlns:a14="http://schemas.microsoft.com/office/drawing/2010/main" w="9525">
+                <a14:hiddenLine xmlns:a14="http://schemas.microsoft.com/office/drawing/2010/main" xmlns="" w="9525">
                   <a:solidFill>
                     <a:srgbClr val="000000"/>
                   </a:solidFill>
@@ -706,7 +707,7 @@
             </a:ln>
             <a:extLst>
               <a:ext uri="{91240B29-F687-4f45-9708-019B960494DF}">
-                <a14:hiddenLine xmlns="" xmlns:a14="http://schemas.microsoft.com/office/drawing/2010/main" w="9525">
+                <a14:hiddenLine xmlns:a14="http://schemas.microsoft.com/office/drawing/2010/main" xmlns="" w="9525">
                   <a:solidFill>
                     <a:srgbClr val="000000"/>
                   </a:solidFill>
@@ -796,7 +797,7 @@
             </a:ln>
             <a:extLst>
               <a:ext uri="{91240B29-F687-4f45-9708-019B960494DF}">
-                <a14:hiddenLine xmlns="" xmlns:a14="http://schemas.microsoft.com/office/drawing/2010/main" w="9525">
+                <a14:hiddenLine xmlns:a14="http://schemas.microsoft.com/office/drawing/2010/main" xmlns="" w="9525">
                   <a:solidFill>
                     <a:srgbClr val="000000"/>
                   </a:solidFill>
@@ -858,7 +859,7 @@
             </a:ln>
             <a:extLst>
               <a:ext uri="{91240B29-F687-4f45-9708-019B960494DF}">
-                <a14:hiddenLine xmlns="" xmlns:a14="http://schemas.microsoft.com/office/drawing/2010/main" w="9525">
+                <a14:hiddenLine xmlns:a14="http://schemas.microsoft.com/office/drawing/2010/main" xmlns="" w="9525">
                   <a:solidFill>
                     <a:srgbClr val="000000"/>
                   </a:solidFill>
@@ -920,7 +921,7 @@
             </a:ln>
             <a:extLst>
               <a:ext uri="{91240B29-F687-4f45-9708-019B960494DF}">
-                <a14:hiddenLine xmlns="" xmlns:a14="http://schemas.microsoft.com/office/drawing/2010/main" w="9525">
+                <a14:hiddenLine xmlns:a14="http://schemas.microsoft.com/office/drawing/2010/main" xmlns="" w="9525">
                   <a:solidFill>
                     <a:srgbClr val="000000"/>
                   </a:solidFill>
@@ -1010,7 +1011,7 @@
             </a:ln>
             <a:extLst>
               <a:ext uri="{91240B29-F687-4f45-9708-019B960494DF}">
-                <a14:hiddenLine xmlns="" xmlns:a14="http://schemas.microsoft.com/office/drawing/2010/main" w="9525">
+                <a14:hiddenLine xmlns:a14="http://schemas.microsoft.com/office/drawing/2010/main" xmlns="" w="9525">
                   <a:solidFill>
                     <a:srgbClr val="000000"/>
                   </a:solidFill>
@@ -1100,7 +1101,7 @@
             </a:ln>
             <a:extLst>
               <a:ext uri="{91240B29-F687-4f45-9708-019B960494DF}">
-                <a14:hiddenLine xmlns="" xmlns:a14="http://schemas.microsoft.com/office/drawing/2010/main" w="9525">
+                <a14:hiddenLine xmlns:a14="http://schemas.microsoft.com/office/drawing/2010/main" xmlns="" w="9525">
                   <a:solidFill>
                     <a:srgbClr val="000000"/>
                   </a:solidFill>
@@ -1162,7 +1163,7 @@
             </a:ln>
             <a:extLst>
               <a:ext uri="{91240B29-F687-4f45-9708-019B960494DF}">
-                <a14:hiddenLine xmlns="" xmlns:a14="http://schemas.microsoft.com/office/drawing/2010/main" w="9525">
+                <a14:hiddenLine xmlns:a14="http://schemas.microsoft.com/office/drawing/2010/main" xmlns="" w="9525">
                   <a:solidFill>
                     <a:srgbClr val="000000"/>
                   </a:solidFill>
@@ -1272,7 +1273,7 @@
             </a:ln>
             <a:extLst>
               <a:ext uri="{91240B29-F687-4f45-9708-019B960494DF}">
-                <a14:hiddenLine xmlns="" xmlns:a14="http://schemas.microsoft.com/office/drawing/2010/main" w="9525">
+                <a14:hiddenLine xmlns:a14="http://schemas.microsoft.com/office/drawing/2010/main" xmlns="" w="9525">
                   <a:solidFill>
                     <a:srgbClr val="000000"/>
                   </a:solidFill>
@@ -1334,7 +1335,7 @@
             </a:ln>
             <a:extLst>
               <a:ext uri="{91240B29-F687-4f45-9708-019B960494DF}">
-                <a14:hiddenLine xmlns="" xmlns:a14="http://schemas.microsoft.com/office/drawing/2010/main" w="9525">
+                <a14:hiddenLine xmlns:a14="http://schemas.microsoft.com/office/drawing/2010/main" xmlns="" w="9525">
                   <a:solidFill>
                     <a:srgbClr val="000000"/>
                   </a:solidFill>
@@ -1424,7 +1425,7 @@
             </a:ln>
             <a:extLst>
               <a:ext uri="{91240B29-F687-4f45-9708-019B960494DF}">
-                <a14:hiddenLine xmlns="" xmlns:a14="http://schemas.microsoft.com/office/drawing/2010/main" w="9525">
+                <a14:hiddenLine xmlns:a14="http://schemas.microsoft.com/office/drawing/2010/main" xmlns="" w="9525">
                   <a:solidFill>
                     <a:srgbClr val="000000"/>
                   </a:solidFill>
@@ -1514,7 +1515,7 @@
             </a:ln>
             <a:extLst>
               <a:ext uri="{91240B29-F687-4f45-9708-019B960494DF}">
-                <a14:hiddenLine xmlns="" xmlns:a14="http://schemas.microsoft.com/office/drawing/2010/main" w="9525">
+                <a14:hiddenLine xmlns:a14="http://schemas.microsoft.com/office/drawing/2010/main" xmlns="" w="9525">
                   <a:solidFill>
                     <a:srgbClr val="000000"/>
                   </a:solidFill>
@@ -1576,7 +1577,7 @@
             </a:ln>
             <a:extLst>
               <a:ext uri="{91240B29-F687-4f45-9708-019B960494DF}">
-                <a14:hiddenLine xmlns="" xmlns:a14="http://schemas.microsoft.com/office/drawing/2010/main" w="9525">
+                <a14:hiddenLine xmlns:a14="http://schemas.microsoft.com/office/drawing/2010/main" xmlns="" w="9525">
                   <a:solidFill>
                     <a:srgbClr val="000000"/>
                   </a:solidFill>
@@ -1666,7 +1667,7 @@
             </a:ln>
             <a:extLst>
               <a:ext uri="{91240B29-F687-4f45-9708-019B960494DF}">
-                <a14:hiddenLine xmlns="" xmlns:a14="http://schemas.microsoft.com/office/drawing/2010/main" w="9525">
+                <a14:hiddenLine xmlns:a14="http://schemas.microsoft.com/office/drawing/2010/main" xmlns="" w="9525">
                   <a:solidFill>
                     <a:srgbClr val="000000"/>
                   </a:solidFill>
@@ -1756,7 +1757,7 @@
             </a:ln>
             <a:extLst>
               <a:ext uri="{91240B29-F687-4f45-9708-019B960494DF}">
-                <a14:hiddenLine xmlns="" xmlns:a14="http://schemas.microsoft.com/office/drawing/2010/main" w="9525">
+                <a14:hiddenLine xmlns:a14="http://schemas.microsoft.com/office/drawing/2010/main" xmlns="" w="9525">
                   <a:solidFill>
                     <a:srgbClr val="000000"/>
                   </a:solidFill>
@@ -1812,7 +1813,7 @@
             </a:ln>
             <a:extLst>
               <a:ext uri="{91240B29-F687-4f45-9708-019B960494DF}">
-                <a14:hiddenLine xmlns="" xmlns:a14="http://schemas.microsoft.com/office/drawing/2010/main" w="9525">
+                <a14:hiddenLine xmlns:a14="http://schemas.microsoft.com/office/drawing/2010/main" xmlns="" w="9525">
                   <a:solidFill>
                     <a:srgbClr val="000000"/>
                   </a:solidFill>
@@ -1902,7 +1903,7 @@
             </a:ln>
             <a:extLst>
               <a:ext uri="{91240B29-F687-4f45-9708-019B960494DF}">
-                <a14:hiddenLine xmlns="" xmlns:a14="http://schemas.microsoft.com/office/drawing/2010/main" w="9525">
+                <a14:hiddenLine xmlns:a14="http://schemas.microsoft.com/office/drawing/2010/main" xmlns="" w="9525">
                   <a:solidFill>
                     <a:srgbClr val="000000"/>
                   </a:solidFill>
@@ -1958,7 +1959,7 @@
             </a:ln>
             <a:extLst>
               <a:ext uri="{91240B29-F687-4f45-9708-019B960494DF}">
-                <a14:hiddenLine xmlns="" xmlns:a14="http://schemas.microsoft.com/office/drawing/2010/main" w="9525">
+                <a14:hiddenLine xmlns:a14="http://schemas.microsoft.com/office/drawing/2010/main" xmlns="" w="9525">
                   <a:solidFill>
                     <a:srgbClr val="000000"/>
                   </a:solidFill>
@@ -2048,7 +2049,7 @@
             </a:ln>
             <a:extLst>
               <a:ext uri="{91240B29-F687-4f45-9708-019B960494DF}">
-                <a14:hiddenLine xmlns="" xmlns:a14="http://schemas.microsoft.com/office/drawing/2010/main" w="9525">
+                <a14:hiddenLine xmlns:a14="http://schemas.microsoft.com/office/drawing/2010/main" xmlns="" w="9525">
                   <a:solidFill>
                     <a:srgbClr val="000000"/>
                   </a:solidFill>
@@ -2116,7 +2117,7 @@
             </a:ln>
             <a:extLst>
               <a:ext uri="{91240B29-F687-4f45-9708-019B960494DF}">
-                <a14:hiddenLine xmlns="" xmlns:a14="http://schemas.microsoft.com/office/drawing/2010/main" w="9525">
+                <a14:hiddenLine xmlns:a14="http://schemas.microsoft.com/office/drawing/2010/main" xmlns="" w="9525">
                   <a:solidFill>
                     <a:srgbClr val="000000"/>
                   </a:solidFill>
@@ -2206,7 +2207,7 @@
             </a:ln>
             <a:extLst>
               <a:ext uri="{91240B29-F687-4f45-9708-019B960494DF}">
-                <a14:hiddenLine xmlns="" xmlns:a14="http://schemas.microsoft.com/office/drawing/2010/main" w="9525">
+                <a14:hiddenLine xmlns:a14="http://schemas.microsoft.com/office/drawing/2010/main" xmlns="" w="9525">
                   <a:solidFill>
                     <a:srgbClr val="000000"/>
                   </a:solidFill>
@@ -2274,7 +2275,7 @@
             </a:ln>
             <a:extLst>
               <a:ext uri="{91240B29-F687-4f45-9708-019B960494DF}">
-                <a14:hiddenLine xmlns="" xmlns:a14="http://schemas.microsoft.com/office/drawing/2010/main" w="9525">
+                <a14:hiddenLine xmlns:a14="http://schemas.microsoft.com/office/drawing/2010/main" xmlns="" w="9525">
                   <a:solidFill>
                     <a:srgbClr val="000000"/>
                   </a:solidFill>
@@ -2364,7 +2365,7 @@
             </a:ln>
             <a:extLst>
               <a:ext uri="{91240B29-F687-4f45-9708-019B960494DF}">
-                <a14:hiddenLine xmlns="" xmlns:a14="http://schemas.microsoft.com/office/drawing/2010/main" w="9525">
+                <a14:hiddenLine xmlns:a14="http://schemas.microsoft.com/office/drawing/2010/main" xmlns="" w="9525">
                   <a:solidFill>
                     <a:srgbClr val="000000"/>
                   </a:solidFill>
@@ -2398,7 +2399,7 @@
             </a:ln>
             <a:extLst>
               <a:ext uri="{91240B29-F687-4f45-9708-019B960494DF}">
-                <a14:hiddenLine xmlns="" xmlns:a14="http://schemas.microsoft.com/office/drawing/2010/main" w="9525">
+                <a14:hiddenLine xmlns:a14="http://schemas.microsoft.com/office/drawing/2010/main" xmlns="" w="9525">
                   <a:solidFill>
                     <a:srgbClr val="000000"/>
                   </a:solidFill>
@@ -2488,7 +2489,7 @@
             </a:ln>
             <a:extLst>
               <a:ext uri="{91240B29-F687-4f45-9708-019B960494DF}">
-                <a14:hiddenLine xmlns="" xmlns:a14="http://schemas.microsoft.com/office/drawing/2010/main" w="9525">
+                <a14:hiddenLine xmlns:a14="http://schemas.microsoft.com/office/drawing/2010/main" xmlns="" w="9525">
                   <a:solidFill>
                     <a:srgbClr val="000000"/>
                   </a:solidFill>
@@ -2550,7 +2551,7 @@
             </a:ln>
             <a:extLst>
               <a:ext uri="{91240B29-F687-4f45-9708-019B960494DF}">
-                <a14:hiddenLine xmlns="" xmlns:a14="http://schemas.microsoft.com/office/drawing/2010/main" w="9525">
+                <a14:hiddenLine xmlns:a14="http://schemas.microsoft.com/office/drawing/2010/main" xmlns="" w="9525">
                   <a:solidFill>
                     <a:srgbClr val="000000"/>
                   </a:solidFill>
@@ -2612,7 +2613,7 @@
             </a:ln>
             <a:extLst>
               <a:ext uri="{91240B29-F687-4f45-9708-019B960494DF}">
-                <a14:hiddenLine xmlns="" xmlns:a14="http://schemas.microsoft.com/office/drawing/2010/main" w="9525">
+                <a14:hiddenLine xmlns:a14="http://schemas.microsoft.com/office/drawing/2010/main" xmlns="" w="9525">
                   <a:solidFill>
                     <a:srgbClr val="000000"/>
                   </a:solidFill>
@@ -2702,7 +2703,7 @@
             </a:ln>
             <a:extLst>
               <a:ext uri="{91240B29-F687-4f45-9708-019B960494DF}">
-                <a14:hiddenLine xmlns="" xmlns:a14="http://schemas.microsoft.com/office/drawing/2010/main" w="9525">
+                <a14:hiddenLine xmlns:a14="http://schemas.microsoft.com/office/drawing/2010/main" xmlns="" w="9525">
                   <a:solidFill>
                     <a:srgbClr val="000000"/>
                   </a:solidFill>
@@ -2770,7 +2771,7 @@
             </a:ln>
             <a:extLst>
               <a:ext uri="{91240B29-F687-4f45-9708-019B960494DF}">
-                <a14:hiddenLine xmlns="" xmlns:a14="http://schemas.microsoft.com/office/drawing/2010/main" w="9525">
+                <a14:hiddenLine xmlns:a14="http://schemas.microsoft.com/office/drawing/2010/main" xmlns="" w="9525">
                   <a:solidFill>
                     <a:srgbClr val="000000"/>
                   </a:solidFill>
@@ -2832,7 +2833,7 @@
             </a:ln>
             <a:extLst>
               <a:ext uri="{91240B29-F687-4f45-9708-019B960494DF}">
-                <a14:hiddenLine xmlns="" xmlns:a14="http://schemas.microsoft.com/office/drawing/2010/main" w="9525">
+                <a14:hiddenLine xmlns:a14="http://schemas.microsoft.com/office/drawing/2010/main" xmlns="" w="9525">
                   <a:solidFill>
                     <a:srgbClr val="000000"/>
                   </a:solidFill>
@@ -2922,7 +2923,7 @@
             </a:ln>
             <a:extLst>
               <a:ext uri="{91240B29-F687-4f45-9708-019B960494DF}">
-                <a14:hiddenLine xmlns="" xmlns:a14="http://schemas.microsoft.com/office/drawing/2010/main" w="9525">
+                <a14:hiddenLine xmlns:a14="http://schemas.microsoft.com/office/drawing/2010/main" xmlns="" w="9525">
                   <a:solidFill>
                     <a:srgbClr val="000000"/>
                   </a:solidFill>
@@ -2984,7 +2985,7 @@
             </a:ln>
             <a:extLst>
               <a:ext uri="{91240B29-F687-4f45-9708-019B960494DF}">
-                <a14:hiddenLine xmlns="" xmlns:a14="http://schemas.microsoft.com/office/drawing/2010/main" w="9525">
+                <a14:hiddenLine xmlns:a14="http://schemas.microsoft.com/office/drawing/2010/main" xmlns="" w="9525">
                   <a:solidFill>
                     <a:srgbClr val="000000"/>
                   </a:solidFill>
@@ -3074,7 +3075,7 @@
             </a:ln>
             <a:extLst>
               <a:ext uri="{91240B29-F687-4f45-9708-019B960494DF}">
-                <a14:hiddenLine xmlns="" xmlns:a14="http://schemas.microsoft.com/office/drawing/2010/main" w="9525">
+                <a14:hiddenLine xmlns:a14="http://schemas.microsoft.com/office/drawing/2010/main" xmlns="" w="9525">
                   <a:solidFill>
                     <a:srgbClr val="000000"/>
                   </a:solidFill>
@@ -3136,7 +3137,7 @@
             </a:ln>
             <a:extLst>
               <a:ext uri="{91240B29-F687-4f45-9708-019B960494DF}">
-                <a14:hiddenLine xmlns="" xmlns:a14="http://schemas.microsoft.com/office/drawing/2010/main" w="9525">
+                <a14:hiddenLine xmlns:a14="http://schemas.microsoft.com/office/drawing/2010/main" xmlns="" w="9525">
                   <a:solidFill>
                     <a:srgbClr val="000000"/>
                   </a:solidFill>
@@ -3226,7 +3227,7 @@
             </a:ln>
             <a:extLst>
               <a:ext uri="{91240B29-F687-4f45-9708-019B960494DF}">
-                <a14:hiddenLine xmlns="" xmlns:a14="http://schemas.microsoft.com/office/drawing/2010/main" w="9525">
+                <a14:hiddenLine xmlns:a14="http://schemas.microsoft.com/office/drawing/2010/main" xmlns="" w="9525">
                   <a:solidFill>
                     <a:srgbClr val="000000"/>
                   </a:solidFill>
@@ -3260,7 +3261,7 @@
             </a:ln>
             <a:extLst>
               <a:ext uri="{91240B29-F687-4f45-9708-019B960494DF}">
-                <a14:hiddenLine xmlns="" xmlns:a14="http://schemas.microsoft.com/office/drawing/2010/main" w="9525">
+                <a14:hiddenLine xmlns:a14="http://schemas.microsoft.com/office/drawing/2010/main" xmlns="" w="9525">
                   <a:solidFill>
                     <a:srgbClr val="000000"/>
                   </a:solidFill>
@@ -3325,7 +3326,7 @@
             </a:ln>
             <a:extLst>
               <a:ext uri="{91240B29-F687-4f45-9708-019B960494DF}">
-                <a14:hiddenLine xmlns="" xmlns:a14="http://schemas.microsoft.com/office/drawing/2010/main" w="9525">
+                <a14:hiddenLine xmlns:a14="http://schemas.microsoft.com/office/drawing/2010/main" xmlns="" w="9525">
                   <a:solidFill>
                     <a:srgbClr val="000000"/>
                   </a:solidFill>
@@ -3415,7 +3416,7 @@
             </a:ln>
             <a:extLst>
               <a:ext uri="{91240B29-F687-4f45-9708-019B960494DF}">
-                <a14:hiddenLine xmlns="" xmlns:a14="http://schemas.microsoft.com/office/drawing/2010/main" w="9525">
+                <a14:hiddenLine xmlns:a14="http://schemas.microsoft.com/office/drawing/2010/main" xmlns="" w="9525">
                   <a:solidFill>
                     <a:srgbClr val="000000"/>
                   </a:solidFill>
@@ -3477,7 +3478,7 @@
             </a:ln>
             <a:extLst>
               <a:ext uri="{91240B29-F687-4f45-9708-019B960494DF}">
-                <a14:hiddenLine xmlns="" xmlns:a14="http://schemas.microsoft.com/office/drawing/2010/main" w="9525">
+                <a14:hiddenLine xmlns:a14="http://schemas.microsoft.com/office/drawing/2010/main" xmlns="" w="9525">
                   <a:solidFill>
                     <a:srgbClr val="000000"/>
                   </a:solidFill>
@@ -3567,7 +3568,7 @@
             </a:ln>
             <a:extLst>
               <a:ext uri="{91240B29-F687-4f45-9708-019B960494DF}">
-                <a14:hiddenLine xmlns="" xmlns:a14="http://schemas.microsoft.com/office/drawing/2010/main" w="9525">
+                <a14:hiddenLine xmlns:a14="http://schemas.microsoft.com/office/drawing/2010/main" xmlns="" w="9525">
                   <a:solidFill>
                     <a:srgbClr val="000000"/>
                   </a:solidFill>
@@ -3657,7 +3658,7 @@
             </a:ln>
             <a:extLst>
               <a:ext uri="{91240B29-F687-4f45-9708-019B960494DF}">
-                <a14:hiddenLine xmlns="" xmlns:a14="http://schemas.microsoft.com/office/drawing/2010/main" w="9525">
+                <a14:hiddenLine xmlns:a14="http://schemas.microsoft.com/office/drawing/2010/main" xmlns="" w="9525">
                   <a:solidFill>
                     <a:srgbClr val="000000"/>
                   </a:solidFill>
@@ -3722,7 +3723,7 @@
             </a:ln>
             <a:extLst>
               <a:ext uri="{91240B29-F687-4f45-9708-019B960494DF}">
-                <a14:hiddenLine xmlns="" xmlns:a14="http://schemas.microsoft.com/office/drawing/2010/main" w="9525">
+                <a14:hiddenLine xmlns:a14="http://schemas.microsoft.com/office/drawing/2010/main" xmlns="" w="9525">
                   <a:solidFill>
                     <a:srgbClr val="000000"/>
                   </a:solidFill>
@@ -3784,7 +3785,7 @@
             </a:ln>
             <a:extLst>
               <a:ext uri="{91240B29-F687-4f45-9708-019B960494DF}">
-                <a14:hiddenLine xmlns="" xmlns:a14="http://schemas.microsoft.com/office/drawing/2010/main" w="9525">
+                <a14:hiddenLine xmlns:a14="http://schemas.microsoft.com/office/drawing/2010/main" xmlns="" w="9525">
                   <a:solidFill>
                     <a:srgbClr val="000000"/>
                   </a:solidFill>
@@ -3874,7 +3875,7 @@
             </a:ln>
             <a:extLst>
               <a:ext uri="{91240B29-F687-4f45-9708-019B960494DF}">
-                <a14:hiddenLine xmlns="" xmlns:a14="http://schemas.microsoft.com/office/drawing/2010/main" w="9525">
+                <a14:hiddenLine xmlns:a14="http://schemas.microsoft.com/office/drawing/2010/main" xmlns="" w="9525">
                   <a:solidFill>
                     <a:srgbClr val="000000"/>
                   </a:solidFill>
@@ -3964,7 +3965,7 @@
             </a:ln>
             <a:extLst>
               <a:ext uri="{91240B29-F687-4f45-9708-019B960494DF}">
-                <a14:hiddenLine xmlns="" xmlns:a14="http://schemas.microsoft.com/office/drawing/2010/main" w="9525">
+                <a14:hiddenLine xmlns:a14="http://schemas.microsoft.com/office/drawing/2010/main" xmlns="" w="9525">
                   <a:solidFill>
                     <a:srgbClr val="000000"/>
                   </a:solidFill>
@@ -4026,7 +4027,7 @@
             </a:ln>
             <a:extLst>
               <a:ext uri="{91240B29-F687-4f45-9708-019B960494DF}">
-                <a14:hiddenLine xmlns="" xmlns:a14="http://schemas.microsoft.com/office/drawing/2010/main" w="9525">
+                <a14:hiddenLine xmlns:a14="http://schemas.microsoft.com/office/drawing/2010/main" xmlns="" w="9525">
                   <a:solidFill>
                     <a:srgbClr val="000000"/>
                   </a:solidFill>
@@ -4146,7 +4147,7 @@
             </a:ln>
             <a:extLst>
               <a:ext uri="{91240B29-F687-4f45-9708-019B960494DF}">
-                <a14:hiddenLine xmlns="" xmlns:a14="http://schemas.microsoft.com/office/drawing/2010/main" w="9525">
+                <a14:hiddenLine xmlns:a14="http://schemas.microsoft.com/office/drawing/2010/main" xmlns="" w="9525">
                   <a:solidFill>
                     <a:srgbClr val="000000"/>
                   </a:solidFill>
@@ -4214,7 +4215,7 @@
             </a:ln>
             <a:extLst>
               <a:ext uri="{91240B29-F687-4f45-9708-019B960494DF}">
-                <a14:hiddenLine xmlns="" xmlns:a14="http://schemas.microsoft.com/office/drawing/2010/main" w="9525">
+                <a14:hiddenLine xmlns:a14="http://schemas.microsoft.com/office/drawing/2010/main" xmlns="" w="9525">
                   <a:solidFill>
                     <a:srgbClr val="000000"/>
                   </a:solidFill>
@@ -4304,7 +4305,7 @@
             </a:ln>
             <a:extLst>
               <a:ext uri="{91240B29-F687-4f45-9708-019B960494DF}">
-                <a14:hiddenLine xmlns="" xmlns:a14="http://schemas.microsoft.com/office/drawing/2010/main" w="9525">
+                <a14:hiddenLine xmlns:a14="http://schemas.microsoft.com/office/drawing/2010/main" xmlns="" w="9525">
                   <a:solidFill>
                     <a:srgbClr val="000000"/>
                   </a:solidFill>
@@ -4444,7 +4445,7 @@
           <a:p>
             <a:fld id="{48A87A34-81AB-432B-8DAE-1953F412C126}" type="datetimeFigureOut">
               <a:rPr lang="en-US" dirty="0"/>
-              <a:t>9/18/2021</a:t>
+              <a:t>9/23/2021</a:t>
             </a:fld>
             <a:endParaRPr lang="en-US" dirty="0"/>
           </a:p>
@@ -4706,7 +4707,7 @@
           <a:p>
             <a:fld id="{48A87A34-81AB-432B-8DAE-1953F412C126}" type="datetimeFigureOut">
               <a:rPr lang="en-US" dirty="0"/>
-              <a:t>9/18/2021</a:t>
+              <a:t>9/23/2021</a:t>
             </a:fld>
             <a:endParaRPr lang="en-US" dirty="0"/>
           </a:p>
@@ -4897,7 +4898,7 @@
           <a:p>
             <a:fld id="{48A87A34-81AB-432B-8DAE-1953F412C126}" type="datetimeFigureOut">
               <a:rPr lang="en-US" dirty="0"/>
-              <a:t>9/18/2021</a:t>
+              <a:t>9/23/2021</a:t>
             </a:fld>
             <a:endParaRPr lang="en-US" dirty="0"/>
           </a:p>
@@ -5155,7 +5156,7 @@
           <a:p>
             <a:fld id="{48A87A34-81AB-432B-8DAE-1953F412C126}" type="datetimeFigureOut">
               <a:rPr lang="en-US" dirty="0"/>
-              <a:t>9/18/2021</a:t>
+              <a:t>9/23/2021</a:t>
             </a:fld>
             <a:endParaRPr lang="en-US" dirty="0"/>
           </a:p>
@@ -5584,7 +5585,7 @@
           <a:p>
             <a:fld id="{48A87A34-81AB-432B-8DAE-1953F412C126}" type="datetimeFigureOut">
               <a:rPr lang="en-US" dirty="0"/>
-              <a:t>9/18/2021</a:t>
+              <a:t>9/23/2021</a:t>
             </a:fld>
             <a:endParaRPr lang="en-US" dirty="0"/>
           </a:p>
@@ -6125,7 +6126,7 @@
           <a:p>
             <a:fld id="{48A87A34-81AB-432B-8DAE-1953F412C126}" type="datetimeFigureOut">
               <a:rPr lang="en-US" dirty="0"/>
-              <a:t>9/18/2021</a:t>
+              <a:t>9/23/2021</a:t>
             </a:fld>
             <a:endParaRPr lang="en-US" dirty="0"/>
           </a:p>
@@ -6840,7 +6841,7 @@
           <a:p>
             <a:fld id="{48A87A34-81AB-432B-8DAE-1953F412C126}" type="datetimeFigureOut">
               <a:rPr lang="en-US" dirty="0"/>
-              <a:t>9/18/2021</a:t>
+              <a:t>9/23/2021</a:t>
             </a:fld>
             <a:endParaRPr lang="en-US" dirty="0"/>
           </a:p>
@@ -7005,7 +7006,7 @@
           <a:p>
             <a:fld id="{48A87A34-81AB-432B-8DAE-1953F412C126}" type="datetimeFigureOut">
               <a:rPr lang="en-US" dirty="0"/>
-              <a:t>9/18/2021</a:t>
+              <a:t>9/23/2021</a:t>
             </a:fld>
             <a:endParaRPr lang="en-US" dirty="0"/>
           </a:p>
@@ -7180,7 +7181,7 @@
           <a:p>
             <a:fld id="{48A87A34-81AB-432B-8DAE-1953F412C126}" type="datetimeFigureOut">
               <a:rPr lang="en-US" dirty="0"/>
-              <a:t>9/18/2021</a:t>
+              <a:t>9/23/2021</a:t>
             </a:fld>
             <a:endParaRPr lang="en-US" dirty="0"/>
           </a:p>
@@ -7345,7 +7346,7 @@
           <a:p>
             <a:fld id="{48A87A34-81AB-432B-8DAE-1953F412C126}" type="datetimeFigureOut">
               <a:rPr lang="en-US" dirty="0"/>
-              <a:t>9/18/2021</a:t>
+              <a:t>9/23/2021</a:t>
             </a:fld>
             <a:endParaRPr lang="en-US" dirty="0"/>
           </a:p>
@@ -7590,7 +7591,7 @@
           <a:p>
             <a:fld id="{48A87A34-81AB-432B-8DAE-1953F412C126}" type="datetimeFigureOut">
               <a:rPr lang="en-US" dirty="0"/>
-              <a:t>9/18/2021</a:t>
+              <a:t>9/23/2021</a:t>
             </a:fld>
             <a:endParaRPr lang="en-US" dirty="0"/>
           </a:p>
@@ -7817,7 +7818,7 @@
           <a:p>
             <a:fld id="{48A87A34-81AB-432B-8DAE-1953F412C126}" type="datetimeFigureOut">
               <a:rPr lang="en-US" dirty="0"/>
-              <a:t>9/18/2021</a:t>
+              <a:t>9/23/2021</a:t>
             </a:fld>
             <a:endParaRPr lang="en-US" dirty="0"/>
           </a:p>
@@ -8193,7 +8194,7 @@
           <a:p>
             <a:fld id="{48A87A34-81AB-432B-8DAE-1953F412C126}" type="datetimeFigureOut">
               <a:rPr lang="en-US" dirty="0"/>
-              <a:t>9/18/2021</a:t>
+              <a:t>9/23/2021</a:t>
             </a:fld>
             <a:endParaRPr lang="en-US" dirty="0"/>
           </a:p>
@@ -8306,7 +8307,7 @@
           <a:p>
             <a:fld id="{48A87A34-81AB-432B-8DAE-1953F412C126}" type="datetimeFigureOut">
               <a:rPr lang="en-US" dirty="0"/>
-              <a:t>9/18/2021</a:t>
+              <a:t>9/23/2021</a:t>
             </a:fld>
             <a:endParaRPr lang="en-US" dirty="0"/>
           </a:p>
@@ -8396,7 +8397,7 @@
           <a:p>
             <a:fld id="{48A87A34-81AB-432B-8DAE-1953F412C126}" type="datetimeFigureOut">
               <a:rPr lang="en-US" dirty="0"/>
-              <a:t>9/18/2021</a:t>
+              <a:t>9/23/2021</a:t>
             </a:fld>
             <a:endParaRPr lang="en-US" dirty="0"/>
           </a:p>
@@ -8640,7 +8641,7 @@
           <a:p>
             <a:fld id="{48A87A34-81AB-432B-8DAE-1953F412C126}" type="datetimeFigureOut">
               <a:rPr lang="en-US" dirty="0"/>
-              <a:t>9/18/2021</a:t>
+              <a:t>9/23/2021</a:t>
             </a:fld>
             <a:endParaRPr lang="en-US" dirty="0"/>
           </a:p>
@@ -8915,7 +8916,7 @@
           <a:p>
             <a:fld id="{48A87A34-81AB-432B-8DAE-1953F412C126}" type="datetimeFigureOut">
               <a:rPr lang="en-US" dirty="0"/>
-              <a:t>9/18/2021</a:t>
+              <a:t>9/23/2021</a:t>
             </a:fld>
             <a:endParaRPr lang="en-US" dirty="0"/>
           </a:p>
@@ -9033,7 +9034,7 @@
           <a:noFill/>
           <a:extLst>
             <a:ext uri="{909E8E84-426E-40dd-AFC4-6F175D3DCCD1}">
-              <a14:hiddenFill xmlns="" xmlns:a14="http://schemas.microsoft.com/office/drawing/2010/main">
+              <a14:hiddenFill xmlns:a14="http://schemas.microsoft.com/office/drawing/2010/main" xmlns="">
                 <a:solidFill>
                   <a:srgbClr val="FFFFFF"/>
                 </a:solidFill>
@@ -9107,7 +9108,7 @@
               </a:ln>
               <a:extLst>
                 <a:ext uri="{91240B29-F687-4f45-9708-019B960494DF}">
-                  <a14:hiddenLine xmlns="" xmlns:a14="http://schemas.microsoft.com/office/drawing/2010/main" w="9525">
+                  <a14:hiddenLine xmlns:a14="http://schemas.microsoft.com/office/drawing/2010/main" xmlns="" w="9525">
                     <a:solidFill>
                       <a:srgbClr val="000000"/>
                     </a:solidFill>
@@ -9197,7 +9198,7 @@
               </a:ln>
               <a:extLst>
                 <a:ext uri="{91240B29-F687-4f45-9708-019B960494DF}">
-                  <a14:hiddenLine xmlns="" xmlns:a14="http://schemas.microsoft.com/office/drawing/2010/main" w="9525">
+                  <a14:hiddenLine xmlns:a14="http://schemas.microsoft.com/office/drawing/2010/main" xmlns="" w="9525">
                     <a:solidFill>
                       <a:srgbClr val="000000"/>
                     </a:solidFill>
@@ -9287,7 +9288,7 @@
               </a:ln>
               <a:extLst>
                 <a:ext uri="{91240B29-F687-4f45-9708-019B960494DF}">
-                  <a14:hiddenLine xmlns="" xmlns:a14="http://schemas.microsoft.com/office/drawing/2010/main" w="9525">
+                  <a14:hiddenLine xmlns:a14="http://schemas.microsoft.com/office/drawing/2010/main" xmlns="" w="9525">
                     <a:solidFill>
                       <a:srgbClr val="000000"/>
                     </a:solidFill>
@@ -9349,7 +9350,7 @@
               </a:ln>
               <a:extLst>
                 <a:ext uri="{91240B29-F687-4f45-9708-019B960494DF}">
-                  <a14:hiddenLine xmlns="" xmlns:a14="http://schemas.microsoft.com/office/drawing/2010/main" w="9525">
+                  <a14:hiddenLine xmlns:a14="http://schemas.microsoft.com/office/drawing/2010/main" xmlns="" w="9525">
                     <a:solidFill>
                       <a:srgbClr val="000000"/>
                     </a:solidFill>
@@ -9439,7 +9440,7 @@
               </a:ln>
               <a:extLst>
                 <a:ext uri="{91240B29-F687-4f45-9708-019B960494DF}">
-                  <a14:hiddenLine xmlns="" xmlns:a14="http://schemas.microsoft.com/office/drawing/2010/main" w="9525">
+                  <a14:hiddenLine xmlns:a14="http://schemas.microsoft.com/office/drawing/2010/main" xmlns="" w="9525">
                     <a:solidFill>
                       <a:srgbClr val="000000"/>
                     </a:solidFill>
@@ -9501,7 +9502,7 @@
               </a:ln>
               <a:extLst>
                 <a:ext uri="{91240B29-F687-4f45-9708-019B960494DF}">
-                  <a14:hiddenLine xmlns="" xmlns:a14="http://schemas.microsoft.com/office/drawing/2010/main" w="9525">
+                  <a14:hiddenLine xmlns:a14="http://schemas.microsoft.com/office/drawing/2010/main" xmlns="" w="9525">
                     <a:solidFill>
                       <a:srgbClr val="000000"/>
                     </a:solidFill>
@@ -9563,7 +9564,7 @@
               </a:ln>
               <a:extLst>
                 <a:ext uri="{91240B29-F687-4f45-9708-019B960494DF}">
-                  <a14:hiddenLine xmlns="" xmlns:a14="http://schemas.microsoft.com/office/drawing/2010/main" w="9525">
+                  <a14:hiddenLine xmlns:a14="http://schemas.microsoft.com/office/drawing/2010/main" xmlns="" w="9525">
                     <a:solidFill>
                       <a:srgbClr val="000000"/>
                     </a:solidFill>
@@ -9653,7 +9654,7 @@
               </a:ln>
               <a:extLst>
                 <a:ext uri="{91240B29-F687-4f45-9708-019B960494DF}">
-                  <a14:hiddenLine xmlns="" xmlns:a14="http://schemas.microsoft.com/office/drawing/2010/main" w="9525">
+                  <a14:hiddenLine xmlns:a14="http://schemas.microsoft.com/office/drawing/2010/main" xmlns="" w="9525">
                     <a:solidFill>
                       <a:srgbClr val="000000"/>
                     </a:solidFill>
@@ -9743,7 +9744,7 @@
               </a:ln>
               <a:extLst>
                 <a:ext uri="{91240B29-F687-4f45-9708-019B960494DF}">
-                  <a14:hiddenLine xmlns="" xmlns:a14="http://schemas.microsoft.com/office/drawing/2010/main" w="9525">
+                  <a14:hiddenLine xmlns:a14="http://schemas.microsoft.com/office/drawing/2010/main" xmlns="" w="9525">
                     <a:solidFill>
                       <a:srgbClr val="000000"/>
                     </a:solidFill>
@@ -9805,7 +9806,7 @@
               </a:ln>
               <a:extLst>
                 <a:ext uri="{91240B29-F687-4f45-9708-019B960494DF}">
-                  <a14:hiddenLine xmlns="" xmlns:a14="http://schemas.microsoft.com/office/drawing/2010/main" w="9525">
+                  <a14:hiddenLine xmlns:a14="http://schemas.microsoft.com/office/drawing/2010/main" xmlns="" w="9525">
                     <a:solidFill>
                       <a:srgbClr val="000000"/>
                     </a:solidFill>
@@ -9915,7 +9916,7 @@
               </a:ln>
               <a:extLst>
                 <a:ext uri="{91240B29-F687-4f45-9708-019B960494DF}">
-                  <a14:hiddenLine xmlns="" xmlns:a14="http://schemas.microsoft.com/office/drawing/2010/main" w="9525">
+                  <a14:hiddenLine xmlns:a14="http://schemas.microsoft.com/office/drawing/2010/main" xmlns="" w="9525">
                     <a:solidFill>
                       <a:srgbClr val="000000"/>
                     </a:solidFill>
@@ -9999,7 +10000,7 @@
               </a:ln>
               <a:extLst>
                 <a:ext uri="{91240B29-F687-4f45-9708-019B960494DF}">
-                  <a14:hiddenLine xmlns="" xmlns:a14="http://schemas.microsoft.com/office/drawing/2010/main" w="9525">
+                  <a14:hiddenLine xmlns:a14="http://schemas.microsoft.com/office/drawing/2010/main" xmlns="" w="9525">
                     <a:solidFill>
                       <a:srgbClr val="000000"/>
                     </a:solidFill>
@@ -10061,7 +10062,7 @@
               </a:ln>
               <a:extLst>
                 <a:ext uri="{91240B29-F687-4f45-9708-019B960494DF}">
-                  <a14:hiddenLine xmlns="" xmlns:a14="http://schemas.microsoft.com/office/drawing/2010/main" w="9525">
+                  <a14:hiddenLine xmlns:a14="http://schemas.microsoft.com/office/drawing/2010/main" xmlns="" w="9525">
                     <a:solidFill>
                       <a:srgbClr val="000000"/>
                     </a:solidFill>
@@ -10123,7 +10124,7 @@
               </a:ln>
               <a:extLst>
                 <a:ext uri="{91240B29-F687-4f45-9708-019B960494DF}">
-                  <a14:hiddenLine xmlns="" xmlns:a14="http://schemas.microsoft.com/office/drawing/2010/main" w="9525">
+                  <a14:hiddenLine xmlns:a14="http://schemas.microsoft.com/office/drawing/2010/main" xmlns="" w="9525">
                     <a:solidFill>
                       <a:srgbClr val="000000"/>
                     </a:solidFill>
@@ -10213,7 +10214,7 @@
               </a:ln>
               <a:extLst>
                 <a:ext uri="{91240B29-F687-4f45-9708-019B960494DF}">
-                  <a14:hiddenLine xmlns="" xmlns:a14="http://schemas.microsoft.com/office/drawing/2010/main" w="9525">
+                  <a14:hiddenLine xmlns:a14="http://schemas.microsoft.com/office/drawing/2010/main" xmlns="" w="9525">
                     <a:solidFill>
                       <a:srgbClr val="000000"/>
                     </a:solidFill>
@@ -10247,7 +10248,7 @@
               </a:ln>
               <a:extLst>
                 <a:ext uri="{91240B29-F687-4f45-9708-019B960494DF}">
-                  <a14:hiddenLine xmlns="" xmlns:a14="http://schemas.microsoft.com/office/drawing/2010/main" w="9525">
+                  <a14:hiddenLine xmlns:a14="http://schemas.microsoft.com/office/drawing/2010/main" xmlns="" w="9525">
                     <a:solidFill>
                       <a:srgbClr val="000000"/>
                     </a:solidFill>
@@ -10312,7 +10313,7 @@
               </a:ln>
               <a:extLst>
                 <a:ext uri="{91240B29-F687-4f45-9708-019B960494DF}">
-                  <a14:hiddenLine xmlns="" xmlns:a14="http://schemas.microsoft.com/office/drawing/2010/main" w="9525">
+                  <a14:hiddenLine xmlns:a14="http://schemas.microsoft.com/office/drawing/2010/main" xmlns="" w="9525">
                     <a:solidFill>
                       <a:srgbClr val="000000"/>
                     </a:solidFill>
@@ -10402,7 +10403,7 @@
               </a:ln>
               <a:extLst>
                 <a:ext uri="{91240B29-F687-4f45-9708-019B960494DF}">
-                  <a14:hiddenLine xmlns="" xmlns:a14="http://schemas.microsoft.com/office/drawing/2010/main" w="9525">
+                  <a14:hiddenLine xmlns:a14="http://schemas.microsoft.com/office/drawing/2010/main" xmlns="" w="9525">
                     <a:solidFill>
                       <a:srgbClr val="000000"/>
                     </a:solidFill>
@@ -10464,7 +10465,7 @@
               </a:ln>
               <a:extLst>
                 <a:ext uri="{91240B29-F687-4f45-9708-019B960494DF}">
-                  <a14:hiddenLine xmlns="" xmlns:a14="http://schemas.microsoft.com/office/drawing/2010/main" w="9525">
+                  <a14:hiddenLine xmlns:a14="http://schemas.microsoft.com/office/drawing/2010/main" xmlns="" w="9525">
                     <a:solidFill>
                       <a:srgbClr val="000000"/>
                     </a:solidFill>
@@ -10554,7 +10555,7 @@
               </a:ln>
               <a:extLst>
                 <a:ext uri="{91240B29-F687-4f45-9708-019B960494DF}">
-                  <a14:hiddenLine xmlns="" xmlns:a14="http://schemas.microsoft.com/office/drawing/2010/main" w="9525">
+                  <a14:hiddenLine xmlns:a14="http://schemas.microsoft.com/office/drawing/2010/main" xmlns="" w="9525">
                     <a:solidFill>
                       <a:srgbClr val="000000"/>
                     </a:solidFill>
@@ -10619,7 +10620,7 @@
               </a:ln>
               <a:extLst>
                 <a:ext uri="{91240B29-F687-4f45-9708-019B960494DF}">
-                  <a14:hiddenLine xmlns="" xmlns:a14="http://schemas.microsoft.com/office/drawing/2010/main" w="9525">
+                  <a14:hiddenLine xmlns:a14="http://schemas.microsoft.com/office/drawing/2010/main" xmlns="" w="9525">
                     <a:solidFill>
                       <a:srgbClr val="000000"/>
                     </a:solidFill>
@@ -10681,7 +10682,7 @@
               </a:ln>
               <a:extLst>
                 <a:ext uri="{91240B29-F687-4f45-9708-019B960494DF}">
-                  <a14:hiddenLine xmlns="" xmlns:a14="http://schemas.microsoft.com/office/drawing/2010/main" w="9525">
+                  <a14:hiddenLine xmlns:a14="http://schemas.microsoft.com/office/drawing/2010/main" xmlns="" w="9525">
                     <a:solidFill>
                       <a:srgbClr val="000000"/>
                     </a:solidFill>
@@ -10771,7 +10772,7 @@
               </a:ln>
               <a:extLst>
                 <a:ext uri="{91240B29-F687-4f45-9708-019B960494DF}">
-                  <a14:hiddenLine xmlns="" xmlns:a14="http://schemas.microsoft.com/office/drawing/2010/main" w="9525">
+                  <a14:hiddenLine xmlns:a14="http://schemas.microsoft.com/office/drawing/2010/main" xmlns="" w="9525">
                     <a:solidFill>
                       <a:srgbClr val="000000"/>
                     </a:solidFill>
@@ -10861,7 +10862,7 @@
               </a:ln>
               <a:extLst>
                 <a:ext uri="{91240B29-F687-4f45-9708-019B960494DF}">
-                  <a14:hiddenLine xmlns="" xmlns:a14="http://schemas.microsoft.com/office/drawing/2010/main" w="9525">
+                  <a14:hiddenLine xmlns:a14="http://schemas.microsoft.com/office/drawing/2010/main" xmlns="" w="9525">
                     <a:solidFill>
                       <a:srgbClr val="000000"/>
                     </a:solidFill>
@@ -10926,7 +10927,7 @@
               </a:ln>
               <a:extLst>
                 <a:ext uri="{91240B29-F687-4f45-9708-019B960494DF}">
-                  <a14:hiddenLine xmlns="" xmlns:a14="http://schemas.microsoft.com/office/drawing/2010/main" w="9525">
+                  <a14:hiddenLine xmlns:a14="http://schemas.microsoft.com/office/drawing/2010/main" xmlns="" w="9525">
                     <a:solidFill>
                       <a:srgbClr val="000000"/>
                     </a:solidFill>
@@ -11046,7 +11047,7 @@
               </a:ln>
               <a:extLst>
                 <a:ext uri="{91240B29-F687-4f45-9708-019B960494DF}">
-                  <a14:hiddenLine xmlns="" xmlns:a14="http://schemas.microsoft.com/office/drawing/2010/main" w="9525">
+                  <a14:hiddenLine xmlns:a14="http://schemas.microsoft.com/office/drawing/2010/main" xmlns="" w="9525">
                     <a:solidFill>
                       <a:srgbClr val="000000"/>
                     </a:solidFill>
@@ -11127,7 +11128,7 @@
               </a:ln>
               <a:extLst>
                 <a:ext uri="{91240B29-F687-4f45-9708-019B960494DF}">
-                  <a14:hiddenLine xmlns="" xmlns:a14="http://schemas.microsoft.com/office/drawing/2010/main" w="9525">
+                  <a14:hiddenLine xmlns:a14="http://schemas.microsoft.com/office/drawing/2010/main" xmlns="" w="9525">
                     <a:solidFill>
                       <a:srgbClr val="000000"/>
                     </a:solidFill>
@@ -11242,7 +11243,7 @@
               </a:ln>
               <a:extLst>
                 <a:ext uri="{91240B29-F687-4f45-9708-019B960494DF}">
-                  <a14:hiddenLine xmlns="" xmlns:a14="http://schemas.microsoft.com/office/drawing/2010/main" w="9525">
+                  <a14:hiddenLine xmlns:a14="http://schemas.microsoft.com/office/drawing/2010/main" xmlns="" w="9525">
                     <a:solidFill>
                       <a:srgbClr val="000000"/>
                     </a:solidFill>
@@ -11332,7 +11333,7 @@
               </a:ln>
               <a:extLst>
                 <a:ext uri="{91240B29-F687-4f45-9708-019B960494DF}">
-                  <a14:hiddenLine xmlns="" xmlns:a14="http://schemas.microsoft.com/office/drawing/2010/main" w="9525">
+                  <a14:hiddenLine xmlns:a14="http://schemas.microsoft.com/office/drawing/2010/main" xmlns="" w="9525">
                     <a:solidFill>
                       <a:srgbClr val="000000"/>
                     </a:solidFill>
@@ -11397,7 +11398,7 @@
               </a:ln>
               <a:extLst>
                 <a:ext uri="{91240B29-F687-4f45-9708-019B960494DF}">
-                  <a14:hiddenLine xmlns="" xmlns:a14="http://schemas.microsoft.com/office/drawing/2010/main" w="9525">
+                  <a14:hiddenLine xmlns:a14="http://schemas.microsoft.com/office/drawing/2010/main" xmlns="" w="9525">
                     <a:solidFill>
                       <a:srgbClr val="000000"/>
                     </a:solidFill>
@@ -11487,7 +11488,7 @@
               </a:ln>
               <a:extLst>
                 <a:ext uri="{91240B29-F687-4f45-9708-019B960494DF}">
-                  <a14:hiddenLine xmlns="" xmlns:a14="http://schemas.microsoft.com/office/drawing/2010/main" w="9525">
+                  <a14:hiddenLine xmlns:a14="http://schemas.microsoft.com/office/drawing/2010/main" xmlns="" w="9525">
                     <a:solidFill>
                       <a:srgbClr val="000000"/>
                     </a:solidFill>
@@ -11555,7 +11556,7 @@
               </a:ln>
               <a:extLst>
                 <a:ext uri="{91240B29-F687-4f45-9708-019B960494DF}">
-                  <a14:hiddenLine xmlns="" xmlns:a14="http://schemas.microsoft.com/office/drawing/2010/main" w="9525">
+                  <a14:hiddenLine xmlns:a14="http://schemas.microsoft.com/office/drawing/2010/main" xmlns="" w="9525">
                     <a:solidFill>
                       <a:srgbClr val="000000"/>
                     </a:solidFill>
@@ -11645,7 +11646,7 @@
               </a:ln>
               <a:extLst>
                 <a:ext uri="{91240B29-F687-4f45-9708-019B960494DF}">
-                  <a14:hiddenLine xmlns="" xmlns:a14="http://schemas.microsoft.com/office/drawing/2010/main" w="9525">
+                  <a14:hiddenLine xmlns:a14="http://schemas.microsoft.com/office/drawing/2010/main" xmlns="" w="9525">
                     <a:solidFill>
                       <a:srgbClr val="000000"/>
                     </a:solidFill>
@@ -11713,7 +11714,7 @@
               </a:ln>
               <a:extLst>
                 <a:ext uri="{91240B29-F687-4f45-9708-019B960494DF}">
-                  <a14:hiddenLine xmlns="" xmlns:a14="http://schemas.microsoft.com/office/drawing/2010/main" w="9525">
+                  <a14:hiddenLine xmlns:a14="http://schemas.microsoft.com/office/drawing/2010/main" xmlns="" w="9525">
                     <a:solidFill>
                       <a:srgbClr val="000000"/>
                     </a:solidFill>
@@ -11803,7 +11804,7 @@
               </a:ln>
               <a:extLst>
                 <a:ext uri="{91240B29-F687-4f45-9708-019B960494DF}">
-                  <a14:hiddenLine xmlns="" xmlns:a14="http://schemas.microsoft.com/office/drawing/2010/main" w="9525">
+                  <a14:hiddenLine xmlns:a14="http://schemas.microsoft.com/office/drawing/2010/main" xmlns="" w="9525">
                     <a:solidFill>
                       <a:srgbClr val="000000"/>
                     </a:solidFill>
@@ -11837,7 +11838,7 @@
               </a:ln>
               <a:extLst>
                 <a:ext uri="{91240B29-F687-4f45-9708-019B960494DF}">
-                  <a14:hiddenLine xmlns="" xmlns:a14="http://schemas.microsoft.com/office/drawing/2010/main" w="9525">
+                  <a14:hiddenLine xmlns:a14="http://schemas.microsoft.com/office/drawing/2010/main" xmlns="" w="9525">
                     <a:solidFill>
                       <a:srgbClr val="000000"/>
                     </a:solidFill>
@@ -11978,7 +11979,7 @@
             <a:fld id="{48A87A34-81AB-432B-8DAE-1953F412C126}" type="datetimeFigureOut">
               <a:rPr lang="en-US" dirty="0"/>
               <a:pPr/>
-              <a:t>9/18/2021</a:t>
+              <a:t>9/23/2021</a:t>
             </a:fld>
             <a:endParaRPr lang="en-US" dirty="0"/>
           </a:p>
@@ -13309,11 +13310,6 @@
               </a:rPr>
               <a:t>CMD ["/hello"]</a:t>
             </a:r>
-            <a:endParaRPr lang="en-US" b="1" dirty="0">
-              <a:solidFill>
-                <a:srgbClr val="00B0F0"/>
-              </a:solidFill>
-            </a:endParaRPr>
           </a:p>
         </p:txBody>
       </p:sp>
@@ -15158,7 +15154,15 @@
             </a:r>
             <a:r>
               <a:rPr lang="en-US" dirty="0"/>
-              <a:t>is not recommended, even by Docker.</a:t>
+              <a:t>is not </a:t>
+            </a:r>
+            <a:r>
+              <a:rPr lang="en-US" dirty="0" smtClean="0"/>
+              <a:t>recommended best practice, </a:t>
+            </a:r>
+            <a:r>
+              <a:rPr lang="en-US" dirty="0"/>
+              <a:t>even by Docker.</a:t>
             </a:r>
             <a:endParaRPr lang="en-US" b="1" dirty="0">
               <a:solidFill>
@@ -15687,11 +15691,6 @@
               </a:rPr>
               <a:t>'</a:t>
             </a:r>
-            <a:endParaRPr lang="en-US" b="1" dirty="0" smtClean="0">
-              <a:solidFill>
-                <a:srgbClr val="00B0F0"/>
-              </a:solidFill>
-            </a:endParaRPr>
           </a:p>
           <a:p>
             <a:pPr marL="0" indent="0">
@@ -16084,11 +16083,6 @@
               </a:rPr>
               <a:t>&gt;[=&lt;value&gt;] ...</a:t>
             </a:r>
-            <a:endParaRPr lang="en-US" b="1" dirty="0">
-              <a:solidFill>
-                <a:srgbClr val="00B0F0"/>
-              </a:solidFill>
-            </a:endParaRPr>
           </a:p>
         </p:txBody>
       </p:sp>
@@ -16669,20 +16663,48 @@
             </a:pPr>
             <a:r>
               <a:rPr lang="en-US" dirty="0"/>
-              <a:t># Build the image and look at the output from the echo commands</a:t>
-            </a:r>
-          </a:p>
-          <a:p>
-            <a:pPr marL="0" indent="0">
-              <a:buNone/>
-            </a:pPr>
+              <a:t># Build the image and look at the output from the echo </a:t>
+            </a:r>
+            <a:r>
+              <a:rPr lang="en-US" dirty="0" smtClean="0"/>
+              <a:t>commands</a:t>
+            </a:r>
+          </a:p>
+          <a:p>
+            <a:pPr marL="0" indent="0">
+              <a:buNone/>
+            </a:pPr>
+            <a:r>
+              <a:rPr lang="en-US" b="1" dirty="0" err="1" smtClean="0">
+                <a:solidFill>
+                  <a:srgbClr val="00B0F0"/>
+                </a:solidFill>
+              </a:rPr>
+              <a:t>docker</a:t>
+            </a:r>
+            <a:r>
+              <a:rPr lang="en-US" b="1" dirty="0" smtClean="0">
+                <a:solidFill>
+                  <a:srgbClr val="00B0F0"/>
+                </a:solidFill>
+              </a:rPr>
+              <a:t> </a:t>
+            </a:r>
+            <a:r>
+              <a:rPr lang="en-US" b="1" dirty="0">
+                <a:solidFill>
+                  <a:srgbClr val="00B0F0"/>
+                </a:solidFill>
+              </a:rPr>
+              <a:t>image build --</a:t>
+            </a:r>
             <a:r>
               <a:rPr lang="en-US" b="1" dirty="0" err="1">
                 <a:solidFill>
                   <a:srgbClr val="00B0F0"/>
                 </a:solidFill>
               </a:rPr>
-              <a:t>docker</a:t>
+              <a:t>rm</a:t>
             </a:r>
             <a:r>
               <a:rPr lang="en-US" b="1" dirty="0">
@@ -16690,7 +16712,20 @@
                   <a:srgbClr val="00B0F0"/>
                 </a:solidFill>
               </a:rPr>
-              <a:t> image build --</a:t>
+              <a:t> \</a:t>
+            </a:r>
+          </a:p>
+          <a:p>
+            <a:pPr marL="0" indent="0">
+              <a:buNone/>
+            </a:pPr>
+            <a:r>
+              <a:rPr lang="en-US" b="1" dirty="0">
+                <a:solidFill>
+                  <a:srgbClr val="00B0F0"/>
+                </a:solidFill>
+              </a:rPr>
+              <a:t>--build-</a:t>
             </a:r>
             <a:r>
               <a:rPr lang="en-US" b="1" dirty="0" err="1">
@@ -16698,7 +16733,7 @@
                   <a:srgbClr val="00B0F0"/>
                 </a:solidFill>
               </a:rPr>
-              <a:t>rm</a:t>
+              <a:t>arg</a:t>
             </a:r>
             <a:r>
               <a:rPr lang="en-US" b="1" dirty="0">
@@ -16706,19 +16741,35 @@
                   <a:srgbClr val="00B0F0"/>
                 </a:solidFill>
               </a:rPr>
-              <a:t> \</a:t>
-            </a:r>
-          </a:p>
-          <a:p>
-            <a:pPr marL="0" indent="0">
-              <a:buNone/>
-            </a:pPr>
+              <a:t> key1="</a:t>
+            </a:r>
+            <a:r>
+              <a:rPr lang="en-US" b="1" dirty="0" err="1">
+                <a:solidFill>
+                  <a:srgbClr val="00B0F0"/>
+                </a:solidFill>
+              </a:rPr>
+              <a:t>buildTimeValue</a:t>
+            </a:r>
             <a:r>
               <a:rPr lang="en-US" b="1" dirty="0">
                 <a:solidFill>
                   <a:srgbClr val="00B0F0"/>
                 </a:solidFill>
               </a:rPr>
+              <a:t>" \</a:t>
+            </a:r>
+          </a:p>
+          <a:p>
+            <a:pPr marL="0" indent="0">
+              <a:buNone/>
+            </a:pPr>
+            <a:r>
+              <a:rPr lang="en-US" b="1" dirty="0">
+                <a:solidFill>
+                  <a:srgbClr val="00B0F0"/>
+                </a:solidFill>
+              </a:rPr>
               <a:t>--build-</a:t>
             </a:r>
             <a:r>
@@ -16735,7 +16786,7 @@
                   <a:srgbClr val="00B0F0"/>
                 </a:solidFill>
               </a:rPr>
-              <a:t> key1="</a:t>
+              <a:t> key2="good till </a:t>
             </a:r>
             <a:r>
               <a:rPr lang="en-US" b="1" dirty="0" err="1">
@@ -16743,7 +16794,7 @@
                   <a:srgbClr val="00B0F0"/>
                 </a:solidFill>
               </a:rPr>
-              <a:t>buildTimeValue</a:t>
+              <a:t>env</a:t>
             </a:r>
             <a:r>
               <a:rPr lang="en-US" b="1" dirty="0">
@@ -16751,7 +16802,7 @@
                   <a:srgbClr val="00B0F0"/>
                 </a:solidFill>
               </a:rPr>
-              <a:t>" \</a:t>
+              <a:t> instruction" \</a:t>
             </a:r>
           </a:p>
           <a:p>
@@ -16764,58 +16815,8 @@
                   <a:srgbClr val="00B0F0"/>
                 </a:solidFill>
               </a:rPr>
-              <a:t>--build-</a:t>
-            </a:r>
-            <a:r>
-              <a:rPr lang="en-US" b="1" dirty="0" err="1">
-                <a:solidFill>
-                  <a:srgbClr val="00B0F0"/>
-                </a:solidFill>
-              </a:rPr>
-              <a:t>arg</a:t>
-            </a:r>
-            <a:r>
-              <a:rPr lang="en-US" b="1" dirty="0">
-                <a:solidFill>
-                  <a:srgbClr val="00B0F0"/>
-                </a:solidFill>
-              </a:rPr>
-              <a:t> key2="good till </a:t>
-            </a:r>
-            <a:r>
-              <a:rPr lang="en-US" b="1" dirty="0" err="1">
-                <a:solidFill>
-                  <a:srgbClr val="00B0F0"/>
-                </a:solidFill>
-              </a:rPr>
-              <a:t>env</a:t>
-            </a:r>
-            <a:r>
-              <a:rPr lang="en-US" b="1" dirty="0">
-                <a:solidFill>
-                  <a:srgbClr val="00B0F0"/>
-                </a:solidFill>
-              </a:rPr>
-              <a:t> instruction" \</a:t>
-            </a:r>
-          </a:p>
-          <a:p>
-            <a:pPr marL="0" indent="0">
-              <a:buNone/>
-            </a:pPr>
-            <a:r>
-              <a:rPr lang="en-US" b="1" dirty="0">
-                <a:solidFill>
-                  <a:srgbClr val="00B0F0"/>
-                </a:solidFill>
-              </a:rPr>
               <a:t>--tag arg-demo:2.0 .</a:t>
             </a:r>
-            <a:endParaRPr lang="en-US" b="1" dirty="0">
-              <a:solidFill>
-                <a:srgbClr val="00B0F0"/>
-              </a:solidFill>
-            </a:endParaRPr>
           </a:p>
         </p:txBody>
       </p:sp>
@@ -17104,11 +17105,6 @@
               </a:rPr>
               <a:t>--tag arg-demo:2.0 .</a:t>
             </a:r>
-            <a:endParaRPr lang="en-US" b="1" dirty="0">
-              <a:solidFill>
-                <a:srgbClr val="00B0F0"/>
-              </a:solidFill>
-            </a:endParaRPr>
           </a:p>
           <a:p>
             <a:pPr marL="0" indent="0">
@@ -17801,7 +17797,7 @@
         </p:spPr>
         <p:txBody>
           <a:bodyPr>
-            <a:normAutofit fontScale="85000" lnSpcReduction="20000"/>
+            <a:normAutofit fontScale="85000" lnSpcReduction="10000"/>
           </a:bodyPr>
           <a:lstStyle/>
           <a:p>
@@ -17891,25 +17887,20 @@
               <a:buNone/>
             </a:pPr>
             <a:r>
+              <a:rPr lang="en-US" b="1" dirty="0" smtClean="0">
+                <a:solidFill>
+                  <a:srgbClr val="00B0F0"/>
+                </a:solidFill>
+              </a:rPr>
+              <a:t>WORKDIR </a:t>
+            </a:r>
+            <a:r>
               <a:rPr lang="en-US" b="1" dirty="0">
                 <a:solidFill>
                   <a:srgbClr val="00B0F0"/>
                 </a:solidFill>
               </a:rPr>
-              <a:t>WORKDIR instruction syntax</a:t>
-            </a:r>
-          </a:p>
-          <a:p>
-            <a:pPr marL="0" indent="0">
-              <a:buNone/>
-            </a:pPr>
-            <a:r>
-              <a:rPr lang="en-US" b="1" dirty="0">
-                <a:solidFill>
-                  <a:srgbClr val="00B0F0"/>
-                </a:solidFill>
-              </a:rPr>
-              <a:t>WORKDIR /path/to/</a:t>
+              <a:t>/path/to/</a:t>
             </a:r>
             <a:r>
               <a:rPr lang="en-US" b="1" dirty="0" err="1">
@@ -18031,7 +18022,7 @@
         <p:spPr>
           <a:xfrm>
             <a:off x="1141412" y="1807029"/>
-            <a:ext cx="9905999" cy="4626428"/>
+            <a:ext cx="9979669" cy="4626428"/>
           </a:xfrm>
         </p:spPr>
         <p:txBody>
@@ -18115,7 +18106,11 @@
             </a:r>
             <a:r>
               <a:rPr lang="en-US" dirty="0" smtClean="0"/>
-              <a:t>Unified File </a:t>
+              <a:t>Union </a:t>
+            </a:r>
+            <a:r>
+              <a:rPr lang="en-US" dirty="0" smtClean="0"/>
+              <a:t>File </a:t>
             </a:r>
             <a:r>
               <a:rPr lang="en-US" dirty="0"/>
@@ -18152,7 +18147,21 @@
             </a:r>
             <a:r>
               <a:rPr lang="en-US" dirty="0"/>
-              <a:t>you want to share data between containers. Docker has an instruction to help </a:t>
+              <a:t>you want to share data between containers. </a:t>
+            </a:r>
+            <a:endParaRPr lang="en-US" dirty="0" smtClean="0"/>
+          </a:p>
+          <a:p>
+            <a:pPr marL="0" indent="0">
+              <a:buNone/>
+            </a:pPr>
+            <a:r>
+              <a:rPr lang="en-US" dirty="0" smtClean="0"/>
+              <a:t>Docker </a:t>
+            </a:r>
+            <a:r>
+              <a:rPr lang="en-US" dirty="0"/>
+              <a:t>has an instruction to help </a:t>
             </a:r>
             <a:r>
               <a:rPr lang="en-US" dirty="0" smtClean="0"/>
@@ -18160,7 +18169,19 @@
             </a:r>
             <a:r>
               <a:rPr lang="en-US" dirty="0"/>
-              <a:t>this issue, the VOLUME instruction.</a:t>
+              <a:t>this issue, the </a:t>
+            </a:r>
+            <a:r>
+              <a:rPr lang="en-US" dirty="0">
+                <a:solidFill>
+                  <a:srgbClr val="00B0F0"/>
+                </a:solidFill>
+              </a:rPr>
+              <a:t>VOLUME</a:t>
+            </a:r>
+            <a:r>
+              <a:rPr lang="en-US" dirty="0"/>
+              <a:t> instruction.</a:t>
             </a:r>
             <a:endParaRPr lang="en-US" b="1" dirty="0">
               <a:solidFill>
@@ -18840,11 +18861,6 @@
               </a:rPr>
               <a:t>RUN ["executable", "param1", "param2"]</a:t>
             </a:r>
-            <a:endParaRPr lang="en-US" b="1" dirty="0">
-              <a:solidFill>
-                <a:srgbClr val="00B0F0"/>
-              </a:solidFill>
-            </a:endParaRPr>
           </a:p>
         </p:txBody>
       </p:sp>
@@ -19259,11 +19275,6 @@
               </a:rPr>
               <a:t>CMD ["/bin/bash"]</a:t>
             </a:r>
-            <a:endParaRPr lang="en-US" b="1" dirty="0">
-              <a:solidFill>
-                <a:srgbClr val="00B0F0"/>
-              </a:solidFill>
-            </a:endParaRPr>
           </a:p>
         </p:txBody>
       </p:sp>
@@ -19679,11 +19690,6 @@
               </a:rPr>
               <a:t>CMD ["/bin/bash"]</a:t>
             </a:r>
-            <a:endParaRPr lang="en-US" b="1" dirty="0">
-              <a:solidFill>
-                <a:srgbClr val="00B0F0"/>
-              </a:solidFill>
-            </a:endParaRPr>
           </a:p>
         </p:txBody>
       </p:sp>
@@ -20584,16 +20590,8 @@
           <a:lstStyle/>
           <a:p>
             <a:r>
-              <a:rPr lang="en-US" b="1" dirty="0" err="1" smtClean="0"/>
-              <a:t>Cmd</a:t>
-            </a:r>
-            <a:r>
               <a:rPr lang="en-US" b="1" dirty="0" smtClean="0"/>
-              <a:t> versus </a:t>
-            </a:r>
-            <a:r>
-              <a:rPr lang="en-US" b="1" dirty="0" err="1" smtClean="0"/>
-              <a:t>entrypoint</a:t>
+              <a:t>Developing in a VM?</a:t>
             </a:r>
             <a:endParaRPr lang="en-US" dirty="0"/>
           </a:p>
@@ -20625,66 +20623,202 @@
               <a:buNone/>
             </a:pPr>
             <a:r>
-              <a:rPr lang="en-US" dirty="0"/>
-              <a:t>Here again, we have two instructions that on the surface seem to be very much the same. </a:t>
-            </a:r>
-            <a:r>
-              <a:rPr lang="en-US" dirty="0" smtClean="0"/>
-              <a:t>It is </a:t>
-            </a:r>
-            <a:r>
-              <a:rPr lang="en-US" dirty="0"/>
-              <a:t>true that there is some overlap of functionality between the two. Both </a:t>
-            </a:r>
-            <a:r>
-              <a:rPr lang="en-US" dirty="0" smtClean="0"/>
-              <a:t>instructions provide </a:t>
-            </a:r>
-            <a:r>
-              <a:rPr lang="en-US" dirty="0"/>
-              <a:t>a way to define a default application that is executed when containers are run.</a:t>
-            </a:r>
-          </a:p>
-          <a:p>
-            <a:pPr marL="0" indent="0">
-              <a:buNone/>
-            </a:pPr>
-            <a:r>
-              <a:rPr lang="en-US" dirty="0"/>
-              <a:t>However, they each serve their own unique purpose, and in some cases work together </a:t>
-            </a:r>
-            <a:r>
-              <a:rPr lang="en-US" dirty="0" smtClean="0"/>
-              <a:t>to provide </a:t>
-            </a:r>
-            <a:r>
-              <a:rPr lang="en-US" dirty="0"/>
-              <a:t>greater functionality than either instruction alone.</a:t>
-            </a:r>
-          </a:p>
-          <a:p>
-            <a:pPr marL="0" indent="0">
-              <a:buNone/>
-            </a:pPr>
-            <a:r>
-              <a:rPr lang="en-US" dirty="0"/>
-              <a:t>The best practice is to use the ENTRYPOINT instruction when you want a container </a:t>
-            </a:r>
-            <a:r>
-              <a:rPr lang="en-US" dirty="0" smtClean="0"/>
-              <a:t>to execute </a:t>
-            </a:r>
-            <a:r>
-              <a:rPr lang="en-US" dirty="0"/>
-              <a:t>as an application, providing a specific (developer) defined function, and to use </a:t>
-            </a:r>
-            <a:r>
-              <a:rPr lang="en-US" dirty="0" smtClean="0"/>
-              <a:t>CMD when </a:t>
-            </a:r>
-            <a:r>
-              <a:rPr lang="en-US" dirty="0"/>
-              <a:t>you want to give the user more flexibility in what function the container will serve.</a:t>
+              <a:rPr lang="en-US" b="1" dirty="0" smtClean="0"/>
+              <a:t>When you are using a VM for developing your Docker images, you may run into an issue with name resolution.</a:t>
+            </a:r>
+          </a:p>
+          <a:p>
+            <a:pPr marL="0" indent="0">
+              <a:buNone/>
+            </a:pPr>
+            <a:r>
+              <a:rPr lang="en-US" b="1" dirty="0" smtClean="0"/>
+              <a:t>If you do, the way to fix it is to update (or create) the file: </a:t>
+            </a:r>
+            <a:r>
+              <a:rPr lang="en-US" b="1" dirty="0" smtClean="0">
+                <a:solidFill>
+                  <a:srgbClr val="00B0F0"/>
+                </a:solidFill>
+              </a:rPr>
+              <a:t>/</a:t>
+            </a:r>
+            <a:r>
+              <a:rPr lang="en-US" b="1" dirty="0" err="1" smtClean="0">
+                <a:solidFill>
+                  <a:srgbClr val="00B0F0"/>
+                </a:solidFill>
+              </a:rPr>
+              <a:t>etc</a:t>
+            </a:r>
+            <a:r>
+              <a:rPr lang="en-US" b="1" dirty="0" smtClean="0">
+                <a:solidFill>
+                  <a:srgbClr val="00B0F0"/>
+                </a:solidFill>
+              </a:rPr>
+              <a:t>/</a:t>
+            </a:r>
+            <a:r>
+              <a:rPr lang="en-US" b="1" dirty="0" err="1" smtClean="0">
+                <a:solidFill>
+                  <a:srgbClr val="00B0F0"/>
+                </a:solidFill>
+              </a:rPr>
+              <a:t>docker</a:t>
+            </a:r>
+            <a:r>
+              <a:rPr lang="en-US" b="1" dirty="0" smtClean="0">
+                <a:solidFill>
+                  <a:srgbClr val="00B0F0"/>
+                </a:solidFill>
+              </a:rPr>
+              <a:t>/</a:t>
+            </a:r>
+            <a:r>
+              <a:rPr lang="en-US" b="1" dirty="0" err="1" smtClean="0">
+                <a:solidFill>
+                  <a:srgbClr val="00B0F0"/>
+                </a:solidFill>
+              </a:rPr>
+              <a:t>daemon.json</a:t>
+            </a:r>
+            <a:r>
+              <a:rPr lang="en-US" b="1" dirty="0" smtClean="0">
+                <a:solidFill>
+                  <a:srgbClr val="00B0F0"/>
+                </a:solidFill>
+              </a:rPr>
+              <a:t> </a:t>
+            </a:r>
+            <a:r>
+              <a:rPr lang="en-US" b="1" dirty="0" smtClean="0"/>
+              <a:t>in your VM.  You want to add the VM’s DNS address to the file.</a:t>
+            </a:r>
+          </a:p>
+          <a:p>
+            <a:pPr marL="0" indent="0">
+              <a:buNone/>
+            </a:pPr>
+            <a:r>
+              <a:rPr lang="en-US" b="1" dirty="0" smtClean="0"/>
+              <a:t>You can find the DNS address to use </a:t>
+            </a:r>
+            <a:r>
+              <a:rPr lang="en-US" b="1" dirty="0"/>
+              <a:t>with this command: </a:t>
+            </a:r>
+            <a:endParaRPr lang="en-US" b="1" dirty="0" smtClean="0"/>
+          </a:p>
+          <a:p>
+            <a:pPr marL="0" indent="0">
+              <a:buNone/>
+            </a:pPr>
+            <a:r>
+              <a:rPr lang="en-US" b="1" dirty="0" err="1" smtClean="0">
+                <a:solidFill>
+                  <a:srgbClr val="00B0F0"/>
+                </a:solidFill>
+              </a:rPr>
+              <a:t>nmcli</a:t>
+            </a:r>
+            <a:r>
+              <a:rPr lang="en-US" b="1" dirty="0" smtClean="0">
+                <a:solidFill>
+                  <a:srgbClr val="00B0F0"/>
+                </a:solidFill>
+              </a:rPr>
+              <a:t> </a:t>
+            </a:r>
+            <a:r>
+              <a:rPr lang="en-US" b="1" dirty="0">
+                <a:solidFill>
+                  <a:srgbClr val="00B0F0"/>
+                </a:solidFill>
+              </a:rPr>
+              <a:t>dev show | </a:t>
+            </a:r>
+            <a:r>
+              <a:rPr lang="en-US" b="1" dirty="0" err="1">
+                <a:solidFill>
+                  <a:srgbClr val="00B0F0"/>
+                </a:solidFill>
+              </a:rPr>
+              <a:t>grep</a:t>
+            </a:r>
+            <a:r>
+              <a:rPr lang="en-US" b="1" dirty="0">
+                <a:solidFill>
+                  <a:srgbClr val="00B0F0"/>
+                </a:solidFill>
+              </a:rPr>
+              <a:t> </a:t>
+            </a:r>
+            <a:r>
+              <a:rPr lang="en-US" b="1" dirty="0" smtClean="0">
+                <a:solidFill>
+                  <a:srgbClr val="00B0F0"/>
+                </a:solidFill>
+              </a:rPr>
+              <a:t>'IP4.DNS‘</a:t>
+            </a:r>
+          </a:p>
+          <a:p>
+            <a:pPr marL="0" indent="0">
+              <a:buNone/>
+            </a:pPr>
+            <a:r>
+              <a:rPr lang="en-US" b="1" dirty="0"/>
+              <a:t>The resulting </a:t>
+            </a:r>
+            <a:r>
+              <a:rPr lang="en-US" b="1" dirty="0" err="1"/>
+              <a:t>daemon.json</a:t>
+            </a:r>
+            <a:r>
+              <a:rPr lang="en-US" b="1" dirty="0"/>
+              <a:t> will look something like this</a:t>
+            </a:r>
+            <a:r>
+              <a:rPr lang="en-US" b="1" dirty="0" smtClean="0"/>
+              <a:t>:</a:t>
+            </a:r>
+          </a:p>
+          <a:p>
+            <a:pPr marL="0" indent="0">
+              <a:buNone/>
+            </a:pPr>
+            <a:r>
+              <a:rPr lang="en-US" b="1" dirty="0">
+                <a:solidFill>
+                  <a:srgbClr val="00B0F0"/>
+                </a:solidFill>
+              </a:rPr>
+              <a:t>{"</a:t>
+            </a:r>
+            <a:r>
+              <a:rPr lang="en-US" b="1" dirty="0" err="1">
+                <a:solidFill>
+                  <a:srgbClr val="00B0F0"/>
+                </a:solidFill>
+              </a:rPr>
+              <a:t>dns</a:t>
+            </a:r>
+            <a:r>
+              <a:rPr lang="en-US" b="1" dirty="0">
+                <a:solidFill>
+                  <a:srgbClr val="00B0F0"/>
+                </a:solidFill>
+              </a:rPr>
+              <a:t>": ["8.8.8.8", "192.168.92.2", "8.8.4.4"] </a:t>
+            </a:r>
+            <a:r>
+              <a:rPr lang="en-US" b="1" dirty="0" smtClean="0">
+                <a:solidFill>
+                  <a:srgbClr val="00B0F0"/>
+                </a:solidFill>
+              </a:rPr>
+              <a:t>}</a:t>
             </a:r>
             <a:endParaRPr lang="en-US" b="1" dirty="0">
               <a:solidFill>
@@ -20697,7 +20831,7 @@
     </p:spTree>
     <p:extLst>
       <p:ext uri="{BB962C8B-B14F-4D97-AF65-F5344CB8AC3E}">
-        <p14:creationId xmlns:p14="http://schemas.microsoft.com/office/powerpoint/2010/main" val="2617075091"/>
+        <p14:creationId xmlns:p14="http://schemas.microsoft.com/office/powerpoint/2010/main" val="135482389"/>
       </p:ext>
     </p:extLst>
   </p:cSld>
@@ -20740,16 +20874,16 @@
           <a:lstStyle/>
           <a:p>
             <a:r>
+              <a:rPr lang="en-US" b="1" dirty="0" err="1" smtClean="0"/>
+              <a:t>Cmd</a:t>
+            </a:r>
+            <a:r>
               <a:rPr lang="en-US" b="1" dirty="0" smtClean="0"/>
-              <a:t>The </a:t>
+              <a:t> versus </a:t>
             </a:r>
             <a:r>
               <a:rPr lang="en-US" b="1" dirty="0" err="1" smtClean="0"/>
-              <a:t>healthcheck</a:t>
-            </a:r>
-            <a:r>
-              <a:rPr lang="en-US" b="1" dirty="0" smtClean="0"/>
-              <a:t> instruction</a:t>
+              <a:t>entrypoint</a:t>
             </a:r>
             <a:endParaRPr lang="en-US" dirty="0"/>
           </a:p>
@@ -20773,7 +20907,7 @@
         </p:spPr>
         <p:txBody>
           <a:bodyPr>
-            <a:normAutofit fontScale="85000" lnSpcReduction="20000"/>
+            <a:normAutofit lnSpcReduction="10000"/>
           </a:bodyPr>
           <a:lstStyle/>
           <a:p>
@@ -20782,124 +20916,65 @@
             </a:pPr>
             <a:r>
               <a:rPr lang="en-US" dirty="0"/>
-              <a:t>The HEALTHCHECK instruction, which is a fairly new addition to the </a:t>
-            </a:r>
-            <a:r>
-              <a:rPr lang="en-US" dirty="0" err="1"/>
-              <a:t>Dockerfile</a:t>
-            </a:r>
-            <a:r>
-              <a:rPr lang="en-US" dirty="0"/>
-              <a:t>, is used </a:t>
-            </a:r>
-            <a:r>
-              <a:rPr lang="en-US" dirty="0" smtClean="0"/>
-              <a:t>to define </a:t>
-            </a:r>
-            <a:r>
-              <a:rPr lang="en-US" dirty="0"/>
-              <a:t>the command to run inside a container to test the container's application health.</a:t>
-            </a:r>
-          </a:p>
-          <a:p>
-            <a:pPr marL="0" indent="0">
-              <a:buNone/>
-            </a:pPr>
-            <a:r>
-              <a:rPr lang="en-US" dirty="0"/>
-              <a:t>When a container has a HEALTHCHECK, it gets a special status variable. Initially, </a:t>
-            </a:r>
-            <a:r>
-              <a:rPr lang="en-US" dirty="0" smtClean="0"/>
-              <a:t>that variable </a:t>
-            </a:r>
-            <a:r>
-              <a:rPr lang="en-US" dirty="0"/>
-              <a:t>will be set to starting. Any time a HEALTHCHECK is performed successfully, </a:t>
-            </a:r>
-            <a:r>
-              <a:rPr lang="en-US" dirty="0" smtClean="0"/>
-              <a:t>the status </a:t>
-            </a:r>
-            <a:r>
-              <a:rPr lang="en-US" dirty="0"/>
-              <a:t>will be set to healthy. When a HEALTHCHECK is performed and fails, the fail </a:t>
-            </a:r>
-            <a:r>
-              <a:rPr lang="en-US" dirty="0" smtClean="0"/>
-              <a:t>count value </a:t>
-            </a:r>
-            <a:r>
-              <a:rPr lang="en-US" dirty="0"/>
-              <a:t>will be incremented and then checked against a retries value. If the fail count </a:t>
-            </a:r>
-            <a:r>
-              <a:rPr lang="en-US" dirty="0" smtClean="0"/>
-              <a:t>equals or </a:t>
-            </a:r>
-            <a:r>
-              <a:rPr lang="en-US" dirty="0"/>
-              <a:t>exceeds the retries value, the status is set to unhealthy. The syntax of the HEALTHCHECK</a:t>
-            </a:r>
-          </a:p>
-          <a:p>
-            <a:pPr marL="0" indent="0">
-              <a:buNone/>
-            </a:pPr>
-            <a:r>
-              <a:rPr lang="en-US" dirty="0"/>
-              <a:t>instruction is as follows:</a:t>
-            </a:r>
-          </a:p>
-          <a:p>
-            <a:pPr marL="0" indent="0">
-              <a:buNone/>
-            </a:pPr>
-            <a:r>
-              <a:rPr lang="en-US" dirty="0"/>
-              <a:t># HEALTHCHECK instruction syntax</a:t>
-            </a:r>
-          </a:p>
-          <a:p>
-            <a:pPr marL="0" indent="0">
-              <a:buNone/>
-            </a:pPr>
-            <a:r>
-              <a:rPr lang="en-US" b="1" dirty="0">
-                <a:solidFill>
-                  <a:srgbClr val="00B0F0"/>
-                </a:solidFill>
-              </a:rPr>
-              <a:t>HEALTHCHECK [OPTIONS] CMD command </a:t>
-            </a:r>
-            <a:r>
-              <a:rPr lang="en-US" b="1" dirty="0"/>
-              <a:t>(check container health by running </a:t>
-            </a:r>
-            <a:r>
-              <a:rPr lang="en-US" b="1" dirty="0" smtClean="0"/>
-              <a:t>a command </a:t>
-            </a:r>
-            <a:r>
-              <a:rPr lang="en-US" b="1" dirty="0"/>
-              <a:t>inside the container)</a:t>
-            </a:r>
-          </a:p>
-          <a:p>
-            <a:pPr marL="0" indent="0">
-              <a:buNone/>
-            </a:pPr>
-            <a:r>
-              <a:rPr lang="en-US" b="1" dirty="0">
-                <a:solidFill>
-                  <a:srgbClr val="00B0F0"/>
-                </a:solidFill>
-              </a:rPr>
-              <a:t>HEALTHCHECK NONE </a:t>
-            </a:r>
-            <a:r>
-              <a:rPr lang="en-US" b="1" dirty="0"/>
-              <a:t>(disable any HEALTHCHECK inherited from the base image)</a:t>
+              <a:t>Here again, we have two instructions that on the surface seem to be very much the same. </a:t>
+            </a:r>
+            <a:r>
+              <a:rPr lang="en-US" dirty="0" smtClean="0"/>
+              <a:t>It is </a:t>
+            </a:r>
+            <a:r>
+              <a:rPr lang="en-US" dirty="0"/>
+              <a:t>true that there is some overlap of functionality between the two. Both </a:t>
+            </a:r>
+            <a:r>
+              <a:rPr lang="en-US" dirty="0" smtClean="0"/>
+              <a:t>instructions provide </a:t>
+            </a:r>
+            <a:r>
+              <a:rPr lang="en-US" dirty="0"/>
+              <a:t>a way to define a default application that is executed when containers are run.</a:t>
+            </a:r>
+          </a:p>
+          <a:p>
+            <a:pPr marL="0" indent="0">
+              <a:buNone/>
+            </a:pPr>
+            <a:r>
+              <a:rPr lang="en-US" dirty="0"/>
+              <a:t>However, they each serve their own unique purpose, and in some cases work together </a:t>
+            </a:r>
+            <a:r>
+              <a:rPr lang="en-US" dirty="0" smtClean="0"/>
+              <a:t>to provide </a:t>
+            </a:r>
+            <a:r>
+              <a:rPr lang="en-US" dirty="0"/>
+              <a:t>greater functionality than either instruction alone.</a:t>
+            </a:r>
+          </a:p>
+          <a:p>
+            <a:pPr marL="0" indent="0">
+              <a:buNone/>
+            </a:pPr>
+            <a:r>
+              <a:rPr lang="en-US" dirty="0"/>
+              <a:t>The best practice is to use the ENTRYPOINT instruction when you want a container </a:t>
+            </a:r>
+            <a:r>
+              <a:rPr lang="en-US" dirty="0" smtClean="0"/>
+              <a:t>to execute </a:t>
+            </a:r>
+            <a:r>
+              <a:rPr lang="en-US" dirty="0"/>
+              <a:t>as an application, providing a specific (developer) defined function, and to use </a:t>
+            </a:r>
+            <a:r>
+              <a:rPr lang="en-US" dirty="0" smtClean="0"/>
+              <a:t>CMD when </a:t>
+            </a:r>
+            <a:r>
+              <a:rPr lang="en-US" dirty="0"/>
+              <a:t>you want to give the user more flexibility in what function the container will serve.</a:t>
             </a:r>
             <a:endParaRPr lang="en-US" b="1" dirty="0">
               <a:solidFill>
@@ -20912,7 +20987,7 @@
     </p:spTree>
     <p:extLst>
       <p:ext uri="{BB962C8B-B14F-4D97-AF65-F5344CB8AC3E}">
-        <p14:creationId xmlns:p14="http://schemas.microsoft.com/office/powerpoint/2010/main" val="1431149633"/>
+        <p14:creationId xmlns:p14="http://schemas.microsoft.com/office/powerpoint/2010/main" val="2617075091"/>
       </p:ext>
     </p:extLst>
   </p:cSld>
@@ -20964,7 +21039,7 @@
             </a:r>
             <a:r>
               <a:rPr lang="en-US" b="1" dirty="0" smtClean="0"/>
-              <a:t> instruction - options</a:t>
+              <a:t> instruction</a:t>
             </a:r>
             <a:endParaRPr lang="en-US" dirty="0"/>
           </a:p>
@@ -20983,12 +21058,12 @@
         <p:spPr>
           <a:xfrm>
             <a:off x="1141412" y="1807029"/>
-            <a:ext cx="9485399" cy="4626428"/>
+            <a:ext cx="9905999" cy="4626428"/>
           </a:xfrm>
         </p:spPr>
         <p:txBody>
           <a:bodyPr>
-            <a:normAutofit fontScale="70000" lnSpcReduction="20000"/>
+            <a:normAutofit fontScale="85000" lnSpcReduction="20000"/>
           </a:bodyPr>
           <a:lstStyle/>
           <a:p>
@@ -20997,24 +21072,82 @@
             </a:pPr>
             <a:r>
               <a:rPr lang="en-US" dirty="0"/>
-              <a:t>There are four options that can be used when setting the HEALTHCHECK, and these </a:t>
-            </a:r>
-            <a:r>
-              <a:rPr lang="en-US" dirty="0" smtClean="0"/>
-              <a:t>options are </a:t>
-            </a:r>
-            <a:r>
-              <a:rPr lang="en-US" dirty="0"/>
-              <a:t>as follows:</a:t>
-            </a:r>
-          </a:p>
-          <a:p>
-            <a:pPr marL="0" indent="0">
-              <a:buNone/>
-            </a:pPr>
-            <a:r>
-              <a:rPr lang="en-US" dirty="0"/>
-              <a:t># HEALTHCHECK CMD options</a:t>
+              <a:t>The HEALTHCHECK instruction, which is a fairly new addition to the </a:t>
+            </a:r>
+            <a:r>
+              <a:rPr lang="en-US" dirty="0" err="1"/>
+              <a:t>Dockerfile</a:t>
+            </a:r>
+            <a:r>
+              <a:rPr lang="en-US" dirty="0"/>
+              <a:t>, is used </a:t>
+            </a:r>
+            <a:r>
+              <a:rPr lang="en-US" dirty="0" smtClean="0"/>
+              <a:t>to define </a:t>
+            </a:r>
+            <a:r>
+              <a:rPr lang="en-US" dirty="0"/>
+              <a:t>the command to run inside a container to test the container's application health.</a:t>
+            </a:r>
+          </a:p>
+          <a:p>
+            <a:pPr marL="0" indent="0">
+              <a:buNone/>
+            </a:pPr>
+            <a:r>
+              <a:rPr lang="en-US" dirty="0"/>
+              <a:t>When a container has a HEALTHCHECK, it gets a special status variable. Initially, </a:t>
+            </a:r>
+            <a:r>
+              <a:rPr lang="en-US" dirty="0" smtClean="0"/>
+              <a:t>that variable </a:t>
+            </a:r>
+            <a:r>
+              <a:rPr lang="en-US" dirty="0"/>
+              <a:t>will be set to starting. Any time a HEALTHCHECK is performed successfully, </a:t>
+            </a:r>
+            <a:r>
+              <a:rPr lang="en-US" dirty="0" smtClean="0"/>
+              <a:t>the status </a:t>
+            </a:r>
+            <a:r>
+              <a:rPr lang="en-US" dirty="0"/>
+              <a:t>will be set to healthy. When a HEALTHCHECK is performed and fails, the fail </a:t>
+            </a:r>
+            <a:r>
+              <a:rPr lang="en-US" dirty="0" smtClean="0"/>
+              <a:t>count value </a:t>
+            </a:r>
+            <a:r>
+              <a:rPr lang="en-US" dirty="0"/>
+              <a:t>will be incremented and then checked against a retries value. If the fail count </a:t>
+            </a:r>
+            <a:r>
+              <a:rPr lang="en-US" dirty="0" smtClean="0"/>
+              <a:t>equals or </a:t>
+            </a:r>
+            <a:r>
+              <a:rPr lang="en-US" dirty="0"/>
+              <a:t>exceeds the retries value, the status is set to unhealthy. The syntax of the HEALTHCHECK</a:t>
+            </a:r>
+          </a:p>
+          <a:p>
+            <a:pPr marL="0" indent="0">
+              <a:buNone/>
+            </a:pPr>
+            <a:r>
+              <a:rPr lang="en-US" dirty="0"/>
+              <a:t>instruction is as follows:</a:t>
+            </a:r>
+          </a:p>
+          <a:p>
+            <a:pPr marL="0" indent="0">
+              <a:buNone/>
+            </a:pPr>
+            <a:r>
+              <a:rPr lang="en-US" dirty="0"/>
+              <a:t># HEALTHCHECK instruction syntax</a:t>
             </a:r>
           </a:p>
           <a:p>
@@ -21027,11 +21160,19 @@
                   <a:srgbClr val="00B0F0"/>
                 </a:solidFill>
               </a:rPr>
-              <a:t>--interval=DURATION </a:t>
+              <a:t>HEALTHCHECK [OPTIONS] CMD command </a:t>
             </a:r>
             <a:r>
               <a:rPr lang="en-US" b="1" dirty="0"/>
-              <a:t>(default: 30s)</a:t>
+              <a:t>(check container health by running </a:t>
+            </a:r>
+            <a:r>
+              <a:rPr lang="en-US" b="1" dirty="0" smtClean="0"/>
+              <a:t>a command </a:t>
+            </a:r>
+            <a:r>
+              <a:rPr lang="en-US" b="1" dirty="0"/>
+              <a:t>inside the container)</a:t>
             </a:r>
           </a:p>
           <a:p>
@@ -21044,195 +21185,11 @@
                   <a:srgbClr val="00B0F0"/>
                 </a:solidFill>
               </a:rPr>
-              <a:t>--timeout=DURATION </a:t>
+              <a:t>HEALTHCHECK NONE </a:t>
             </a:r>
             <a:r>
               <a:rPr lang="en-US" b="1" dirty="0"/>
-              <a:t>(default: 30s)</a:t>
-            </a:r>
-          </a:p>
-          <a:p>
-            <a:pPr marL="0" indent="0">
-              <a:buNone/>
-            </a:pPr>
-            <a:r>
-              <a:rPr lang="en-US" b="1" dirty="0">
-                <a:solidFill>
-                  <a:srgbClr val="00B0F0"/>
-                </a:solidFill>
-              </a:rPr>
-              <a:t>--start-period=DURATION </a:t>
-            </a:r>
-            <a:r>
-              <a:rPr lang="en-US" b="1" dirty="0"/>
-              <a:t>(default: 0s)</a:t>
-            </a:r>
-          </a:p>
-          <a:p>
-            <a:pPr marL="0" indent="0">
-              <a:buNone/>
-            </a:pPr>
-            <a:r>
-              <a:rPr lang="en-US" b="1" dirty="0">
-                <a:solidFill>
-                  <a:srgbClr val="00B0F0"/>
-                </a:solidFill>
-              </a:rPr>
-              <a:t>--retries=N </a:t>
-            </a:r>
-            <a:r>
-              <a:rPr lang="en-US" b="1" dirty="0"/>
-              <a:t>(default: 3</a:t>
-            </a:r>
-            <a:r>
-              <a:rPr lang="en-US" b="1" dirty="0" smtClean="0"/>
-              <a:t>)</a:t>
-            </a:r>
-          </a:p>
-          <a:p>
-            <a:pPr marL="0" indent="0">
-              <a:buNone/>
-            </a:pPr>
-            <a:r>
-              <a:rPr lang="en-US" dirty="0"/>
-              <a:t>The </a:t>
-            </a:r>
-            <a:r>
-              <a:rPr lang="en-US" dirty="0">
-                <a:solidFill>
-                  <a:srgbClr val="00B0F0"/>
-                </a:solidFill>
-              </a:rPr>
-              <a:t>--interval </a:t>
-            </a:r>
-            <a:r>
-              <a:rPr lang="en-US" dirty="0"/>
-              <a:t>option allows you to define the amount of time between </a:t>
-            </a:r>
-            <a:r>
-              <a:rPr lang="en-US" dirty="0" smtClean="0"/>
-              <a:t>the HEALTHCHECK </a:t>
-            </a:r>
-            <a:r>
-              <a:rPr lang="en-US" dirty="0"/>
-              <a:t>tests</a:t>
-            </a:r>
-            <a:r>
-              <a:rPr lang="en-US" dirty="0" smtClean="0"/>
-              <a:t>.</a:t>
-            </a:r>
-          </a:p>
-          <a:p>
-            <a:pPr marL="0" indent="0">
-              <a:buNone/>
-            </a:pPr>
-            <a:r>
-              <a:rPr lang="en-US" dirty="0" smtClean="0"/>
-              <a:t>The </a:t>
-            </a:r>
-            <a:r>
-              <a:rPr lang="en-US" dirty="0">
-                <a:solidFill>
-                  <a:srgbClr val="00B0F0"/>
-                </a:solidFill>
-              </a:rPr>
-              <a:t>--timeout </a:t>
-            </a:r>
-            <a:r>
-              <a:rPr lang="en-US" dirty="0"/>
-              <a:t>option allows you to define the amount of time that </a:t>
-            </a:r>
-            <a:r>
-              <a:rPr lang="en-US" dirty="0" smtClean="0"/>
-              <a:t>is considered </a:t>
-            </a:r>
-            <a:r>
-              <a:rPr lang="en-US" dirty="0"/>
-              <a:t>too long for a HEALTHCHECK test. If the timeout is exceeded, the test </a:t>
-            </a:r>
-            <a:r>
-              <a:rPr lang="en-US" dirty="0" smtClean="0"/>
-              <a:t>is automatically </a:t>
-            </a:r>
-            <a:r>
-              <a:rPr lang="en-US" dirty="0"/>
-              <a:t>considered a failure. </a:t>
-            </a:r>
-            <a:endParaRPr lang="en-US" dirty="0" smtClean="0"/>
-          </a:p>
-          <a:p>
-            <a:pPr marL="0" indent="0">
-              <a:buNone/>
-            </a:pPr>
-            <a:r>
-              <a:rPr lang="en-US" dirty="0" smtClean="0"/>
-              <a:t>The </a:t>
-            </a:r>
-            <a:r>
-              <a:rPr lang="en-US" dirty="0">
-                <a:solidFill>
-                  <a:srgbClr val="00B0F0"/>
-                </a:solidFill>
-              </a:rPr>
-              <a:t>--start-period </a:t>
-            </a:r>
-            <a:r>
-              <a:rPr lang="en-US" dirty="0"/>
-              <a:t>option allows for the </a:t>
-            </a:r>
-            <a:r>
-              <a:rPr lang="en-US" dirty="0" smtClean="0"/>
-              <a:t>definition of </a:t>
-            </a:r>
-            <a:r>
-              <a:rPr lang="en-US" dirty="0"/>
-              <a:t>a no-fail time period during the container startup. </a:t>
-            </a:r>
-            <a:endParaRPr lang="en-US" dirty="0" smtClean="0"/>
-          </a:p>
-          <a:p>
-            <a:pPr marL="0" indent="0">
-              <a:buNone/>
-            </a:pPr>
-            <a:r>
-              <a:rPr lang="en-US" dirty="0"/>
-              <a:t>F</a:t>
-            </a:r>
-            <a:r>
-              <a:rPr lang="en-US" dirty="0" smtClean="0"/>
-              <a:t>inally</a:t>
-            </a:r>
-            <a:r>
-              <a:rPr lang="en-US" dirty="0"/>
-              <a:t>, the </a:t>
-            </a:r>
-            <a:r>
-              <a:rPr lang="en-US" dirty="0">
-                <a:solidFill>
-                  <a:srgbClr val="00B0F0"/>
-                </a:solidFill>
-              </a:rPr>
-              <a:t>--retries </a:t>
-            </a:r>
-            <a:r>
-              <a:rPr lang="en-US" dirty="0"/>
-              <a:t>option </a:t>
-            </a:r>
-            <a:r>
-              <a:rPr lang="en-US" dirty="0" smtClean="0"/>
-              <a:t>allows you </a:t>
-            </a:r>
-            <a:r>
-              <a:rPr lang="en-US" dirty="0"/>
-              <a:t>to define how many consecutive failures it takes to update the HEALTHCHECK status </a:t>
-            </a:r>
-            <a:r>
-              <a:rPr lang="en-US" dirty="0" smtClean="0"/>
-              <a:t>to unhealthy</a:t>
-            </a:r>
-            <a:r>
-              <a:rPr lang="en-US" dirty="0"/>
-              <a:t>.</a:t>
+              <a:t>(disable any HEALTHCHECK inherited from the base image)</a:t>
             </a:r>
             <a:endParaRPr lang="en-US" b="1" dirty="0">
               <a:solidFill>
@@ -21245,7 +21202,7 @@
     </p:spTree>
     <p:extLst>
       <p:ext uri="{BB962C8B-B14F-4D97-AF65-F5344CB8AC3E}">
-        <p14:creationId xmlns:p14="http://schemas.microsoft.com/office/powerpoint/2010/main" val="3731789119"/>
+        <p14:creationId xmlns:p14="http://schemas.microsoft.com/office/powerpoint/2010/main" val="1431149633"/>
       </p:ext>
     </p:extLst>
   </p:cSld>
@@ -21293,11 +21250,11 @@
             </a:r>
             <a:r>
               <a:rPr lang="en-US" b="1" dirty="0" err="1" smtClean="0"/>
-              <a:t>onbuild</a:t>
+              <a:t>healthcheck</a:t>
             </a:r>
             <a:r>
               <a:rPr lang="en-US" b="1" dirty="0" smtClean="0"/>
-              <a:t> instruction</a:t>
+              <a:t> instruction - options</a:t>
             </a:r>
             <a:endParaRPr lang="en-US" dirty="0"/>
           </a:p>
@@ -21316,12 +21273,12 @@
         <p:spPr>
           <a:xfrm>
             <a:off x="1141412" y="1807029"/>
-            <a:ext cx="9905999" cy="4626428"/>
+            <a:ext cx="9485399" cy="4626428"/>
           </a:xfrm>
         </p:spPr>
         <p:txBody>
           <a:bodyPr>
-            <a:normAutofit fontScale="92500"/>
+            <a:normAutofit fontScale="70000" lnSpcReduction="20000"/>
           </a:bodyPr>
           <a:lstStyle/>
           <a:p>
@@ -21330,23 +21287,166 @@
             </a:pPr>
             <a:r>
               <a:rPr lang="en-US" dirty="0"/>
-              <a:t>The ONBUILD instruction is a tool used when creating images that will become </a:t>
-            </a:r>
-            <a:r>
-              <a:rPr lang="en-US" dirty="0" smtClean="0"/>
-              <a:t>the parameter </a:t>
-            </a:r>
-            <a:r>
-              <a:rPr lang="en-US" dirty="0"/>
-              <a:t>to the FROM instructions in another </a:t>
-            </a:r>
-            <a:r>
-              <a:rPr lang="en-US" dirty="0" err="1"/>
-              <a:t>Dockerfile</a:t>
-            </a:r>
-            <a:r>
-              <a:rPr lang="en-US" dirty="0"/>
-              <a:t>. </a:t>
+              <a:t>There are four options that can be used when setting the HEALTHCHECK, and these </a:t>
+            </a:r>
+            <a:r>
+              <a:rPr lang="en-US" dirty="0" smtClean="0"/>
+              <a:t>options are </a:t>
+            </a:r>
+            <a:r>
+              <a:rPr lang="en-US" dirty="0"/>
+              <a:t>as follows:</a:t>
+            </a:r>
+          </a:p>
+          <a:p>
+            <a:pPr marL="0" indent="0">
+              <a:buNone/>
+            </a:pPr>
+            <a:r>
+              <a:rPr lang="en-US" dirty="0"/>
+              <a:t># HEALTHCHECK CMD options</a:t>
+            </a:r>
+          </a:p>
+          <a:p>
+            <a:pPr marL="0" indent="0">
+              <a:buNone/>
+            </a:pPr>
+            <a:r>
+              <a:rPr lang="en-US" b="1" dirty="0">
+                <a:solidFill>
+                  <a:srgbClr val="00B0F0"/>
+                </a:solidFill>
+              </a:rPr>
+              <a:t>--interval=DURATION </a:t>
+            </a:r>
+            <a:r>
+              <a:rPr lang="en-US" b="1" dirty="0"/>
+              <a:t>(default: 30s)</a:t>
+            </a:r>
+          </a:p>
+          <a:p>
+            <a:pPr marL="0" indent="0">
+              <a:buNone/>
+            </a:pPr>
+            <a:r>
+              <a:rPr lang="en-US" b="1" dirty="0">
+                <a:solidFill>
+                  <a:srgbClr val="00B0F0"/>
+                </a:solidFill>
+              </a:rPr>
+              <a:t>--timeout=DURATION </a:t>
+            </a:r>
+            <a:r>
+              <a:rPr lang="en-US" b="1" dirty="0"/>
+              <a:t>(default: 30s)</a:t>
+            </a:r>
+          </a:p>
+          <a:p>
+            <a:pPr marL="0" indent="0">
+              <a:buNone/>
+            </a:pPr>
+            <a:r>
+              <a:rPr lang="en-US" b="1" dirty="0">
+                <a:solidFill>
+                  <a:srgbClr val="00B0F0"/>
+                </a:solidFill>
+              </a:rPr>
+              <a:t>--start-period=DURATION </a:t>
+            </a:r>
+            <a:r>
+              <a:rPr lang="en-US" b="1" dirty="0"/>
+              <a:t>(default: 0s)</a:t>
+            </a:r>
+          </a:p>
+          <a:p>
+            <a:pPr marL="0" indent="0">
+              <a:buNone/>
+            </a:pPr>
+            <a:r>
+              <a:rPr lang="en-US" b="1" dirty="0">
+                <a:solidFill>
+                  <a:srgbClr val="00B0F0"/>
+                </a:solidFill>
+              </a:rPr>
+              <a:t>--retries=N </a:t>
+            </a:r>
+            <a:r>
+              <a:rPr lang="en-US" b="1" dirty="0"/>
+              <a:t>(default: 3</a:t>
+            </a:r>
+            <a:r>
+              <a:rPr lang="en-US" b="1" dirty="0" smtClean="0"/>
+              <a:t>)</a:t>
+            </a:r>
+          </a:p>
+          <a:p>
+            <a:pPr marL="0" indent="0">
+              <a:buNone/>
+            </a:pPr>
+            <a:r>
+              <a:rPr lang="en-US" dirty="0"/>
+              <a:t>The </a:t>
+            </a:r>
+            <a:r>
+              <a:rPr lang="en-US" dirty="0">
+                <a:solidFill>
+                  <a:srgbClr val="00B0F0"/>
+                </a:solidFill>
+              </a:rPr>
+              <a:t>--interval </a:t>
+            </a:r>
+            <a:r>
+              <a:rPr lang="en-US" dirty="0"/>
+              <a:t>option allows you to define the amount of time between </a:t>
+            </a:r>
+            <a:r>
+              <a:rPr lang="en-US" dirty="0" smtClean="0"/>
+              <a:t>the HEALTHCHECK </a:t>
+            </a:r>
+            <a:r>
+              <a:rPr lang="en-US" dirty="0"/>
+              <a:t>tests</a:t>
+            </a:r>
+            <a:r>
+              <a:rPr lang="en-US" dirty="0" smtClean="0"/>
+              <a:t>.</a:t>
+            </a:r>
+          </a:p>
+          <a:p>
+            <a:pPr marL="0" indent="0">
+              <a:buNone/>
+            </a:pPr>
+            <a:r>
+              <a:rPr lang="en-US" dirty="0" smtClean="0"/>
+              <a:t>The </a:t>
+            </a:r>
+            <a:r>
+              <a:rPr lang="en-US" dirty="0">
+                <a:solidFill>
+                  <a:srgbClr val="00B0F0"/>
+                </a:solidFill>
+              </a:rPr>
+              <a:t>--timeout </a:t>
+            </a:r>
+            <a:r>
+              <a:rPr lang="en-US" dirty="0"/>
+              <a:t>option allows you to define the amount of time that </a:t>
+            </a:r>
+            <a:r>
+              <a:rPr lang="en-US" dirty="0" smtClean="0"/>
+              <a:t>is considered </a:t>
+            </a:r>
+            <a:r>
+              <a:rPr lang="en-US" dirty="0"/>
+              <a:t>too long for a HEALTHCHECK test. If the timeout is exceeded, the test </a:t>
+            </a:r>
+            <a:r>
+              <a:rPr lang="en-US" dirty="0" smtClean="0"/>
+              <a:t>is automatically </a:t>
+            </a:r>
+            <a:r>
+              <a:rPr lang="en-US" dirty="0"/>
+              <a:t>considered a failure. </a:t>
             </a:r>
             <a:endParaRPr lang="en-US" dirty="0" smtClean="0"/>
           </a:p>
@@ -21359,95 +21459,70 @@
               <a:t>The </a:t>
             </a:r>
             <a:r>
-              <a:rPr lang="en-US" dirty="0"/>
-              <a:t>ONBUILD instruction </a:t>
-            </a:r>
-            <a:r>
-              <a:rPr lang="en-US" dirty="0" smtClean="0"/>
-              <a:t>just adds </a:t>
-            </a:r>
-            <a:r>
-              <a:rPr lang="en-US" dirty="0"/>
-              <a:t>metadata to your image, specifically a trigger that is stored in the image and </a:t>
-            </a:r>
-            <a:r>
-              <a:rPr lang="en-US" dirty="0" smtClean="0"/>
-              <a:t>not otherwise </a:t>
-            </a:r>
-            <a:r>
-              <a:rPr lang="en-US" dirty="0"/>
-              <a:t>used. However, that metadata trigger does get used when your image </a:t>
-            </a:r>
-            <a:r>
-              <a:rPr lang="en-US" dirty="0" smtClean="0"/>
-              <a:t>is supplied </a:t>
-            </a:r>
-            <a:r>
-              <a:rPr lang="en-US" dirty="0"/>
-              <a:t>as the parameter in the FROM command of another </a:t>
-            </a:r>
-            <a:r>
-              <a:rPr lang="en-US" dirty="0" err="1"/>
-              <a:t>Dockerfile</a:t>
-            </a:r>
-            <a:r>
-              <a:rPr lang="en-US" dirty="0"/>
-              <a:t>. Here is </a:t>
-            </a:r>
-            <a:r>
-              <a:rPr lang="en-US" dirty="0" smtClean="0"/>
-              <a:t>the ONBUILD </a:t>
-            </a:r>
-            <a:r>
-              <a:rPr lang="en-US" dirty="0"/>
-              <a:t>instruction syntax:</a:t>
-            </a:r>
-          </a:p>
-          <a:p>
-            <a:pPr marL="0" indent="0">
-              <a:buNone/>
-            </a:pPr>
-            <a:r>
-              <a:rPr lang="en-US" dirty="0"/>
-              <a:t># ONBUILD instruction syntax</a:t>
-            </a:r>
-          </a:p>
-          <a:p>
-            <a:pPr marL="0" indent="0">
-              <a:buNone/>
-            </a:pPr>
-            <a:r>
-              <a:rPr lang="en-US" b="1" dirty="0">
-                <a:solidFill>
-                  <a:srgbClr val="00B0F0"/>
-                </a:solidFill>
-              </a:rPr>
-              <a:t>ONBUILD [INSTRUCTION</a:t>
-            </a:r>
-            <a:r>
-              <a:rPr lang="en-US" b="1" dirty="0" smtClean="0">
-                <a:solidFill>
-                  <a:srgbClr val="00B0F0"/>
-                </a:solidFill>
-              </a:rPr>
-              <a:t>]</a:t>
-            </a:r>
-          </a:p>
-          <a:p>
-            <a:pPr marL="0" indent="0">
-              <a:buNone/>
-            </a:pPr>
-            <a:r>
-              <a:rPr lang="en-US" dirty="0"/>
-              <a:t>The ONBUILD instruction is kind of like a Docker time machine used to send </a:t>
-            </a:r>
-            <a:r>
-              <a:rPr lang="en-US" dirty="0" smtClean="0"/>
-              <a:t>instructions into </a:t>
-            </a:r>
-            <a:r>
-              <a:rPr lang="en-US" dirty="0"/>
-              <a:t>the future. </a:t>
+              <a:rPr lang="en-US" dirty="0">
+                <a:solidFill>
+                  <a:srgbClr val="00B0F0"/>
+                </a:solidFill>
+              </a:rPr>
+              <a:t>--start-period </a:t>
+            </a:r>
+            <a:r>
+              <a:rPr lang="en-US" dirty="0"/>
+              <a:t>option allows for the </a:t>
+            </a:r>
+            <a:r>
+              <a:rPr lang="en-US" dirty="0" smtClean="0"/>
+              <a:t>definition of </a:t>
+            </a:r>
+            <a:r>
+              <a:rPr lang="en-US" dirty="0"/>
+              <a:t>a no-fail time period during the container startup. </a:t>
+            </a:r>
+            <a:endParaRPr lang="en-US" dirty="0" smtClean="0"/>
+          </a:p>
+          <a:p>
+            <a:pPr marL="0" indent="0">
+              <a:buNone/>
+            </a:pPr>
+            <a:r>
+              <a:rPr lang="en-US" dirty="0"/>
+              <a:t>F</a:t>
+            </a:r>
+            <a:r>
+              <a:rPr lang="en-US" dirty="0" smtClean="0"/>
+              <a:t>inally</a:t>
+            </a:r>
+            <a:r>
+              <a:rPr lang="en-US" dirty="0"/>
+              <a:t>, the </a:t>
+            </a:r>
+            <a:r>
+              <a:rPr lang="en-US" dirty="0">
+                <a:solidFill>
+                  <a:srgbClr val="00B0F0"/>
+                </a:solidFill>
+              </a:rPr>
+              <a:t>--retries </a:t>
+            </a:r>
+            <a:r>
+              <a:rPr lang="en-US" dirty="0"/>
+              <a:t>option </a:t>
+            </a:r>
+            <a:r>
+              <a:rPr lang="en-US" dirty="0" smtClean="0"/>
+              <a:t>allows you </a:t>
+            </a:r>
+            <a:r>
+              <a:rPr lang="en-US" dirty="0"/>
+              <a:t>to define how many consecutive failures it takes to update the HEALTHCHECK status </a:t>
+            </a:r>
+            <a:r>
+              <a:rPr lang="en-US" dirty="0" smtClean="0"/>
+              <a:t>to unhealthy</a:t>
+            </a:r>
+            <a:r>
+              <a:rPr lang="en-US" dirty="0"/>
+              <a:t>.</a:t>
             </a:r>
             <a:endParaRPr lang="en-US" b="1" dirty="0">
               <a:solidFill>
@@ -21460,7 +21535,7 @@
     </p:spTree>
     <p:extLst>
       <p:ext uri="{BB962C8B-B14F-4D97-AF65-F5344CB8AC3E}">
-        <p14:creationId xmlns:p14="http://schemas.microsoft.com/office/powerpoint/2010/main" val="398442219"/>
+        <p14:creationId xmlns:p14="http://schemas.microsoft.com/office/powerpoint/2010/main" val="3731789119"/>
       </p:ext>
     </p:extLst>
   </p:cSld>
@@ -21508,7 +21583,7 @@
             </a:r>
             <a:r>
               <a:rPr lang="en-US" b="1" dirty="0" err="1" smtClean="0"/>
-              <a:t>stopsignal</a:t>
+              <a:t>onbuild</a:t>
             </a:r>
             <a:r>
               <a:rPr lang="en-US" b="1" dirty="0" smtClean="0"/>
@@ -21536,7 +21611,7 @@
         </p:spPr>
         <p:txBody>
           <a:bodyPr>
-            <a:normAutofit fontScale="62500" lnSpcReduction="20000"/>
+            <a:normAutofit fontScale="92500"/>
           </a:bodyPr>
           <a:lstStyle/>
           <a:p>
@@ -21545,205 +21620,15 @@
             </a:pPr>
             <a:r>
               <a:rPr lang="en-US" dirty="0"/>
-              <a:t>The STOPSIGNAL instruction is used to set the system call signal that will be sent to </a:t>
-            </a:r>
-            <a:r>
-              <a:rPr lang="en-US" dirty="0" smtClean="0"/>
-              <a:t>the container </a:t>
-            </a:r>
-            <a:r>
-              <a:rPr lang="en-US" dirty="0"/>
-              <a:t>to tell it to exit. The parameter used in the instruction can be an </a:t>
-            </a:r>
-            <a:r>
-              <a:rPr lang="en-US" dirty="0" smtClean="0"/>
-              <a:t>unsigned number</a:t>
-            </a:r>
-            <a:r>
-              <a:rPr lang="en-US" dirty="0"/>
-              <a:t>, which equals a position in the kernel's </a:t>
-            </a:r>
-            <a:r>
-              <a:rPr lang="en-US" dirty="0" err="1"/>
-              <a:t>syscall</a:t>
-            </a:r>
-            <a:r>
-              <a:rPr lang="en-US" dirty="0"/>
-              <a:t> table, or it can be an actual </a:t>
-            </a:r>
-            <a:r>
-              <a:rPr lang="en-US" dirty="0" smtClean="0"/>
-              <a:t>signal name </a:t>
-            </a:r>
-            <a:r>
-              <a:rPr lang="en-US" dirty="0"/>
-              <a:t>in uppercase. Here is the syntax for the instruction:</a:t>
-            </a:r>
-          </a:p>
-          <a:p>
-            <a:pPr marL="0" indent="0">
-              <a:buNone/>
-            </a:pPr>
-            <a:r>
-              <a:rPr lang="en-US" dirty="0"/>
-              <a:t># STOPSIGNAL instruction syntax</a:t>
-            </a:r>
-          </a:p>
-          <a:p>
-            <a:pPr marL="0" indent="0">
-              <a:buNone/>
-            </a:pPr>
-            <a:r>
-              <a:rPr lang="en-US" b="1" dirty="0">
-                <a:solidFill>
-                  <a:srgbClr val="00B0F0"/>
-                </a:solidFill>
-              </a:rPr>
-              <a:t>STOPSIGNAL signal</a:t>
-            </a:r>
-          </a:p>
-          <a:p>
-            <a:pPr marL="0" indent="0">
-              <a:buNone/>
-            </a:pPr>
-            <a:r>
-              <a:rPr lang="en-US" dirty="0"/>
-              <a:t>Examples of the STOPSIGNAL instruction include the following:</a:t>
-            </a:r>
-          </a:p>
-          <a:p>
-            <a:pPr marL="0" indent="0">
-              <a:buNone/>
-            </a:pPr>
-            <a:r>
-              <a:rPr lang="en-US" dirty="0"/>
-              <a:t># Sample STOPSIGNAL instruction using a position number in the </a:t>
-            </a:r>
-            <a:r>
-              <a:rPr lang="en-US" dirty="0" err="1" smtClean="0"/>
-              <a:t>syscall</a:t>
-            </a:r>
-            <a:r>
-              <a:rPr lang="en-US" dirty="0" smtClean="0"/>
-              <a:t> table</a:t>
-            </a:r>
-            <a:endParaRPr lang="en-US" dirty="0"/>
-          </a:p>
-          <a:p>
-            <a:pPr marL="0" indent="0">
-              <a:buNone/>
-            </a:pPr>
-            <a:r>
-              <a:rPr lang="en-US" b="1" dirty="0">
-                <a:solidFill>
-                  <a:srgbClr val="00B0F0"/>
-                </a:solidFill>
-              </a:rPr>
-              <a:t>STOPSIGNAL 9</a:t>
-            </a:r>
-          </a:p>
-          <a:p>
-            <a:pPr marL="0" indent="0">
-              <a:buNone/>
-            </a:pPr>
-            <a:r>
-              <a:rPr lang="en-US" dirty="0"/>
-              <a:t># or using a signal name</a:t>
-            </a:r>
-          </a:p>
-          <a:p>
-            <a:pPr marL="0" indent="0">
-              <a:buNone/>
-            </a:pPr>
-            <a:r>
-              <a:rPr lang="en-US" b="1" dirty="0">
-                <a:solidFill>
-                  <a:srgbClr val="00B0F0"/>
-                </a:solidFill>
-              </a:rPr>
-              <a:t>STOPSIGNAL </a:t>
-            </a:r>
-            <a:r>
-              <a:rPr lang="en-US" b="1" dirty="0" smtClean="0">
-                <a:solidFill>
-                  <a:srgbClr val="00B0F0"/>
-                </a:solidFill>
-              </a:rPr>
-              <a:t>SIGQUIT</a:t>
-            </a:r>
-          </a:p>
-          <a:p>
-            <a:pPr marL="0" indent="0">
-              <a:buNone/>
-            </a:pPr>
-            <a:endParaRPr lang="en-US" b="1" dirty="0" smtClean="0">
-              <a:solidFill>
-                <a:srgbClr val="00B0F0"/>
-              </a:solidFill>
-            </a:endParaRPr>
-          </a:p>
-          <a:p>
-            <a:pPr marL="0" indent="0">
-              <a:buNone/>
-            </a:pPr>
-            <a:r>
-              <a:rPr lang="en-US" dirty="0"/>
-              <a:t>Here is a link to an excellent blog post on using signals </a:t>
-            </a:r>
-            <a:r>
-              <a:rPr lang="en-US" dirty="0" smtClean="0"/>
-              <a:t>with </a:t>
-            </a:r>
-            <a:r>
-              <a:rPr lang="sv-SE" dirty="0" smtClean="0"/>
-              <a:t>Docker</a:t>
-            </a:r>
-            <a:r>
-              <a:rPr lang="sv-SE" dirty="0"/>
-              <a:t>: </a:t>
-            </a:r>
-            <a:r>
-              <a:rPr lang="sv-SE" dirty="0">
-                <a:hlinkClick r:id="rId2"/>
-              </a:rPr>
-              <a:t>https</a:t>
-            </a:r>
-            <a:r>
-              <a:rPr lang="sv-SE" dirty="0" smtClean="0">
-                <a:hlinkClick r:id="rId2"/>
-              </a:rPr>
-              <a:t>://medium.com/@gchudnov/trapping-signals-in-docker-containers-</a:t>
-            </a:r>
-            <a:r>
-              <a:rPr lang="en-US" dirty="0" smtClean="0">
-                <a:hlinkClick r:id="rId2"/>
-              </a:rPr>
-              <a:t>7a57fdda7d86</a:t>
-            </a:r>
-            <a:r>
-              <a:rPr lang="en-US" dirty="0" smtClean="0"/>
-              <a:t> . </a:t>
-            </a:r>
-          </a:p>
-          <a:p>
-            <a:pPr marL="0" indent="0">
-              <a:buNone/>
-            </a:pPr>
-            <a:r>
-              <a:rPr lang="en-US" dirty="0" smtClean="0"/>
-              <a:t>The </a:t>
-            </a:r>
-            <a:r>
-              <a:rPr lang="en-US" dirty="0"/>
-              <a:t>article provides an excellent example of using a node.js app to </a:t>
-            </a:r>
-            <a:r>
-              <a:rPr lang="en-US" dirty="0" smtClean="0"/>
-              <a:t>handle the </a:t>
-            </a:r>
-            <a:r>
-              <a:rPr lang="en-US" dirty="0"/>
-              <a:t>signals, complete with code and </a:t>
+              <a:t>The ONBUILD instruction is a tool used when creating images that will become </a:t>
+            </a:r>
+            <a:r>
+              <a:rPr lang="en-US" dirty="0" smtClean="0"/>
+              <a:t>the parameter </a:t>
+            </a:r>
+            <a:r>
+              <a:rPr lang="en-US" dirty="0"/>
+              <a:t>to the FROM instructions in another </a:t>
             </a:r>
             <a:r>
               <a:rPr lang="en-US" dirty="0" err="1"/>
@@ -21751,7 +21636,108 @@
             </a:r>
             <a:r>
               <a:rPr lang="en-US" dirty="0"/>
-              <a:t>.</a:t>
+              <a:t>. </a:t>
+            </a:r>
+            <a:endParaRPr lang="en-US" dirty="0" smtClean="0"/>
+          </a:p>
+          <a:p>
+            <a:pPr marL="0" indent="0">
+              <a:buNone/>
+            </a:pPr>
+            <a:r>
+              <a:rPr lang="en-US" dirty="0" smtClean="0"/>
+              <a:t>The </a:t>
+            </a:r>
+            <a:r>
+              <a:rPr lang="en-US" dirty="0"/>
+              <a:t>ONBUILD instruction </a:t>
+            </a:r>
+            <a:r>
+              <a:rPr lang="en-US" dirty="0" smtClean="0"/>
+              <a:t>just adds </a:t>
+            </a:r>
+            <a:r>
+              <a:rPr lang="en-US" dirty="0"/>
+              <a:t>metadata to your image, specifically a trigger that is stored in the image and </a:t>
+            </a:r>
+            <a:r>
+              <a:rPr lang="en-US" dirty="0" smtClean="0"/>
+              <a:t>not otherwise </a:t>
+            </a:r>
+            <a:r>
+              <a:rPr lang="en-US" dirty="0"/>
+              <a:t>used. However, that metadata trigger does get used when your image </a:t>
+            </a:r>
+            <a:r>
+              <a:rPr lang="en-US" dirty="0" smtClean="0"/>
+              <a:t>is supplied </a:t>
+            </a:r>
+            <a:r>
+              <a:rPr lang="en-US" dirty="0"/>
+              <a:t>as the parameter in the FROM command of another </a:t>
+            </a:r>
+            <a:r>
+              <a:rPr lang="en-US" dirty="0" err="1"/>
+              <a:t>Dockerfile</a:t>
+            </a:r>
+            <a:r>
+              <a:rPr lang="en-US" dirty="0"/>
+              <a:t>. Here is </a:t>
+            </a:r>
+            <a:r>
+              <a:rPr lang="en-US" dirty="0" smtClean="0"/>
+              <a:t>the ONBUILD </a:t>
+            </a:r>
+            <a:r>
+              <a:rPr lang="en-US" dirty="0"/>
+              <a:t>instruction syntax:</a:t>
+            </a:r>
+          </a:p>
+          <a:p>
+            <a:pPr marL="0" indent="0">
+              <a:buNone/>
+            </a:pPr>
+            <a:r>
+              <a:rPr lang="en-US" dirty="0"/>
+              <a:t># ONBUILD instruction syntax</a:t>
+            </a:r>
+          </a:p>
+          <a:p>
+            <a:pPr marL="0" indent="0">
+              <a:buNone/>
+            </a:pPr>
+            <a:r>
+              <a:rPr lang="en-US" b="1" dirty="0">
+                <a:solidFill>
+                  <a:srgbClr val="00B0F0"/>
+                </a:solidFill>
+              </a:rPr>
+              <a:t>ONBUILD [INSTRUCTION</a:t>
+            </a:r>
+            <a:r>
+              <a:rPr lang="en-US" b="1" dirty="0" smtClean="0">
+                <a:solidFill>
+                  <a:srgbClr val="00B0F0"/>
+                </a:solidFill>
+              </a:rPr>
+              <a:t>]</a:t>
+            </a:r>
+          </a:p>
+          <a:p>
+            <a:pPr marL="0" indent="0">
+              <a:buNone/>
+            </a:pPr>
+            <a:r>
+              <a:rPr lang="en-US" dirty="0"/>
+              <a:t>The ONBUILD instruction is kind of like a Docker time machine used to send </a:t>
+            </a:r>
+            <a:r>
+              <a:rPr lang="en-US" dirty="0" smtClean="0"/>
+              <a:t>instructions into </a:t>
+            </a:r>
+            <a:r>
+              <a:rPr lang="en-US" dirty="0"/>
+              <a:t>the future. </a:t>
             </a:r>
             <a:endParaRPr lang="en-US" b="1" dirty="0">
               <a:solidFill>
@@ -21764,7 +21750,7 @@
     </p:spTree>
     <p:extLst>
       <p:ext uri="{BB962C8B-B14F-4D97-AF65-F5344CB8AC3E}">
-        <p14:creationId xmlns:p14="http://schemas.microsoft.com/office/powerpoint/2010/main" val="3795038033"/>
+        <p14:creationId xmlns:p14="http://schemas.microsoft.com/office/powerpoint/2010/main" val="398442219"/>
       </p:ext>
     </p:extLst>
   </p:cSld>
@@ -21808,7 +21794,15 @@
           <a:p>
             <a:r>
               <a:rPr lang="en-US" b="1" dirty="0" smtClean="0"/>
-              <a:t>The shell instruction</a:t>
+              <a:t>The </a:t>
+            </a:r>
+            <a:r>
+              <a:rPr lang="en-US" b="1" dirty="0" err="1" smtClean="0"/>
+              <a:t>stopsignal</a:t>
+            </a:r>
+            <a:r>
+              <a:rPr lang="en-US" b="1" dirty="0" smtClean="0"/>
+              <a:t> instruction</a:t>
             </a:r>
             <a:endParaRPr lang="en-US" dirty="0"/>
           </a:p>
@@ -21832,7 +21826,7 @@
         </p:spPr>
         <p:txBody>
           <a:bodyPr>
-            <a:normAutofit fontScale="92500" lnSpcReduction="20000"/>
+            <a:normAutofit fontScale="62500" lnSpcReduction="20000"/>
           </a:bodyPr>
           <a:lstStyle/>
           <a:p>
@@ -21840,70 +21834,49 @@
               <a:buNone/>
             </a:pPr>
             <a:r>
-              <a:rPr lang="en-US" dirty="0" smtClean="0"/>
-              <a:t>There are </a:t>
-            </a:r>
-            <a:r>
-              <a:rPr lang="en-US" dirty="0"/>
-              <a:t>several </a:t>
-            </a:r>
-            <a:r>
-              <a:rPr lang="en-US" dirty="0" smtClean="0"/>
-              <a:t>instructions that </a:t>
-            </a:r>
-            <a:r>
-              <a:rPr lang="en-US" dirty="0"/>
-              <a:t>take two forms, the exec form or the shell form. As mentioned, the default used by </a:t>
-            </a:r>
-            <a:r>
-              <a:rPr lang="en-US" dirty="0" smtClean="0"/>
-              <a:t>all of </a:t>
-            </a:r>
-            <a:r>
-              <a:rPr lang="en-US" dirty="0"/>
-              <a:t>the shell forms is ["/bin/</a:t>
+              <a:rPr lang="en-US" dirty="0"/>
+              <a:t>The STOPSIGNAL instruction is used to set the system call signal that will be sent to </a:t>
+            </a:r>
+            <a:r>
+              <a:rPr lang="en-US" dirty="0" smtClean="0"/>
+              <a:t>the container </a:t>
+            </a:r>
+            <a:r>
+              <a:rPr lang="en-US" dirty="0"/>
+              <a:t>to tell it to exit. The parameter used in the instruction can be an </a:t>
+            </a:r>
+            <a:r>
+              <a:rPr lang="en-US" dirty="0" smtClean="0"/>
+              <a:t>unsigned number</a:t>
+            </a:r>
+            <a:r>
+              <a:rPr lang="en-US" dirty="0"/>
+              <a:t>, which equals a position in the kernel's </a:t>
             </a:r>
             <a:r>
               <a:rPr lang="en-US" dirty="0" err="1"/>
-              <a:t>sh</a:t>
-            </a:r>
-            <a:r>
-              <a:rPr lang="en-US" dirty="0"/>
-              <a:t>", "-c"] for Linux containers, and ["</a:t>
-            </a:r>
-            <a:r>
-              <a:rPr lang="en-US" dirty="0" err="1"/>
-              <a:t>cmd</a:t>
-            </a:r>
-            <a:r>
-              <a:rPr lang="en-US" dirty="0"/>
-              <a:t>", "/S</a:t>
-            </a:r>
-            <a:r>
-              <a:rPr lang="en-US" dirty="0" smtClean="0"/>
-              <a:t>", "/</a:t>
-            </a:r>
-            <a:r>
-              <a:rPr lang="en-US" dirty="0"/>
-              <a:t>C"] for Windows containers. The SHELL instruction allows you to change that default.</a:t>
-            </a:r>
-          </a:p>
-          <a:p>
-            <a:pPr marL="0" indent="0">
-              <a:buNone/>
-            </a:pPr>
-            <a:r>
-              <a:rPr lang="en-US" dirty="0"/>
-              <a:t>Here is the syntax for the SHELL instruction:</a:t>
-            </a:r>
-          </a:p>
-          <a:p>
-            <a:pPr marL="0" indent="0">
-              <a:buNone/>
-            </a:pPr>
-            <a:r>
-              <a:rPr lang="en-US" dirty="0"/>
-              <a:t># SHELL instruction syntax</a:t>
+              <a:t>syscall</a:t>
+            </a:r>
+            <a:r>
+              <a:rPr lang="en-US" dirty="0"/>
+              <a:t> table, or it can be an actual </a:t>
+            </a:r>
+            <a:r>
+              <a:rPr lang="en-US" dirty="0" smtClean="0"/>
+              <a:t>signal name </a:t>
+            </a:r>
+            <a:r>
+              <a:rPr lang="en-US" dirty="0"/>
+              <a:t>in uppercase. Here is the syntax for the instruction:</a:t>
+            </a:r>
+          </a:p>
+          <a:p>
+            <a:pPr marL="0" indent="0">
+              <a:buNone/>
+            </a:pPr>
+            <a:r>
+              <a:rPr lang="en-US" dirty="0"/>
+              <a:t># STOPSIGNAL instruction syntax</a:t>
             </a:r>
           </a:p>
           <a:p>
@@ -21916,16 +21889,151 @@
                   <a:srgbClr val="00B0F0"/>
                 </a:solidFill>
               </a:rPr>
-              <a:t>SHELL ["executable", "parameters"]</a:t>
-            </a:r>
-          </a:p>
-          <a:p>
-            <a:pPr marL="0" indent="0">
-              <a:buNone/>
-            </a:pPr>
-            <a:r>
-              <a:rPr lang="en-US" dirty="0"/>
-              <a:t>The SHELL instruction can be used more than once in a </a:t>
+              <a:t>STOPSIGNAL signal</a:t>
+            </a:r>
+          </a:p>
+          <a:p>
+            <a:pPr marL="0" indent="0">
+              <a:buNone/>
+            </a:pPr>
+            <a:r>
+              <a:rPr lang="en-US" dirty="0"/>
+              <a:t>Examples of the STOPSIGNAL instruction include the following:</a:t>
+            </a:r>
+          </a:p>
+          <a:p>
+            <a:pPr marL="0" indent="0">
+              <a:buNone/>
+            </a:pPr>
+            <a:r>
+              <a:rPr lang="en-US" dirty="0"/>
+              <a:t># Sample STOPSIGNAL instruction using a position number in the </a:t>
+            </a:r>
+            <a:r>
+              <a:rPr lang="en-US" dirty="0" err="1" smtClean="0"/>
+              <a:t>syscall</a:t>
+            </a:r>
+            <a:r>
+              <a:rPr lang="en-US" dirty="0" smtClean="0"/>
+              <a:t> table</a:t>
+            </a:r>
+            <a:endParaRPr lang="en-US" dirty="0"/>
+          </a:p>
+          <a:p>
+            <a:pPr marL="0" indent="0">
+              <a:buNone/>
+            </a:pPr>
+            <a:r>
+              <a:rPr lang="en-US" b="1" dirty="0">
+                <a:solidFill>
+                  <a:srgbClr val="00B0F0"/>
+                </a:solidFill>
+              </a:rPr>
+              <a:t>STOPSIGNAL 9</a:t>
+            </a:r>
+          </a:p>
+          <a:p>
+            <a:pPr marL="0" indent="0">
+              <a:buNone/>
+            </a:pPr>
+            <a:r>
+              <a:rPr lang="en-US" dirty="0"/>
+              <a:t># or using a signal name</a:t>
+            </a:r>
+          </a:p>
+          <a:p>
+            <a:pPr marL="0" indent="0">
+              <a:buNone/>
+            </a:pPr>
+            <a:r>
+              <a:rPr lang="en-US" b="1" dirty="0">
+                <a:solidFill>
+                  <a:srgbClr val="00B0F0"/>
+                </a:solidFill>
+              </a:rPr>
+              <a:t>STOPSIGNAL </a:t>
+            </a:r>
+            <a:r>
+              <a:rPr lang="en-US" b="1" dirty="0" smtClean="0">
+                <a:solidFill>
+                  <a:srgbClr val="00B0F0"/>
+                </a:solidFill>
+              </a:rPr>
+              <a:t>SIGQUIT</a:t>
+            </a:r>
+          </a:p>
+          <a:p>
+            <a:pPr marL="0" indent="0">
+              <a:buNone/>
+            </a:pPr>
+            <a:endParaRPr lang="en-US" b="1" dirty="0" smtClean="0">
+              <a:solidFill>
+                <a:srgbClr val="00B0F0"/>
+              </a:solidFill>
+            </a:endParaRPr>
+          </a:p>
+          <a:p>
+            <a:pPr marL="0" indent="0">
+              <a:buNone/>
+            </a:pPr>
+            <a:r>
+              <a:rPr lang="en-US" dirty="0"/>
+              <a:t>Here is a link to an excellent blog post on using signals </a:t>
+            </a:r>
+            <a:r>
+              <a:rPr lang="en-US" dirty="0" smtClean="0"/>
+              <a:t>with </a:t>
+            </a:r>
+            <a:r>
+              <a:rPr lang="sv-SE" dirty="0" smtClean="0"/>
+              <a:t>Docker</a:t>
+            </a:r>
+            <a:r>
+              <a:rPr lang="sv-SE" dirty="0"/>
+              <a:t>: </a:t>
+            </a:r>
+            <a:r>
+              <a:rPr lang="sv-SE" dirty="0">
+                <a:hlinkClick r:id="rId2"/>
+              </a:rPr>
+              <a:t>https</a:t>
+            </a:r>
+            <a:r>
+              <a:rPr lang="sv-SE" dirty="0" smtClean="0">
+                <a:hlinkClick r:id="rId2"/>
+              </a:rPr>
+              <a:t>://medium.com/@gchudnov/trapping-signals-in-docker-containers-</a:t>
+            </a:r>
+            <a:r>
+              <a:rPr lang="en-US" dirty="0" smtClean="0">
+                <a:hlinkClick r:id="rId2"/>
+              </a:rPr>
+              <a:t>7a57fdda7d86</a:t>
+            </a:r>
+            <a:r>
+              <a:rPr lang="en-US" dirty="0" smtClean="0"/>
+              <a:t> . </a:t>
+            </a:r>
+          </a:p>
+          <a:p>
+            <a:pPr marL="0" indent="0">
+              <a:buNone/>
+            </a:pPr>
+            <a:r>
+              <a:rPr lang="en-US" dirty="0" smtClean="0"/>
+              <a:t>The </a:t>
+            </a:r>
+            <a:r>
+              <a:rPr lang="en-US" dirty="0"/>
+              <a:t>article provides an excellent example of using a node.js app to </a:t>
+            </a:r>
+            <a:r>
+              <a:rPr lang="en-US" dirty="0" smtClean="0"/>
+              <a:t>handle the </a:t>
+            </a:r>
+            <a:r>
+              <a:rPr lang="en-US" dirty="0"/>
+              <a:t>signals, complete with code and </a:t>
             </a:r>
             <a:r>
               <a:rPr lang="en-US" dirty="0" err="1"/>
@@ -21933,47 +22041,7 @@
             </a:r>
             <a:r>
               <a:rPr lang="en-US" dirty="0"/>
-              <a:t>. All instructions that </a:t>
-            </a:r>
-            <a:r>
-              <a:rPr lang="en-US" dirty="0" smtClean="0"/>
-              <a:t>use a </a:t>
-            </a:r>
-            <a:r>
-              <a:rPr lang="en-US" dirty="0"/>
-              <a:t>shell, and that come after a SHELL instruction, will use the new shell. Thus, you </a:t>
-            </a:r>
-            <a:r>
-              <a:rPr lang="en-US" dirty="0" smtClean="0"/>
-              <a:t>can change </a:t>
-            </a:r>
-            <a:r>
-              <a:rPr lang="en-US" dirty="0"/>
-              <a:t>the shell multiple times in a single </a:t>
-            </a:r>
-            <a:r>
-              <a:rPr lang="en-US" dirty="0" err="1"/>
-              <a:t>Dockerfile</a:t>
-            </a:r>
-            <a:r>
-              <a:rPr lang="en-US" dirty="0"/>
-              <a:t> as needed. This can be </a:t>
-            </a:r>
-            <a:r>
-              <a:rPr lang="en-US" dirty="0" smtClean="0"/>
-              <a:t>especially powerful </a:t>
-            </a:r>
-            <a:r>
-              <a:rPr lang="en-US" dirty="0"/>
-              <a:t>when creating Windows containers since it allows you to switch back and </a:t>
-            </a:r>
-            <a:r>
-              <a:rPr lang="en-US" dirty="0" smtClean="0"/>
-              <a:t>forth between </a:t>
-            </a:r>
-            <a:r>
-              <a:rPr lang="en-US" dirty="0"/>
-              <a:t>using cmd.exe and powershell.exe.</a:t>
+              <a:t>.</a:t>
             </a:r>
             <a:endParaRPr lang="en-US" b="1" dirty="0">
               <a:solidFill>
@@ -21986,7 +22054,7 @@
     </p:spTree>
     <p:extLst>
       <p:ext uri="{BB962C8B-B14F-4D97-AF65-F5344CB8AC3E}">
-        <p14:creationId xmlns:p14="http://schemas.microsoft.com/office/powerpoint/2010/main" val="2339330554"/>
+        <p14:creationId xmlns:p14="http://schemas.microsoft.com/office/powerpoint/2010/main" val="3795038033"/>
       </p:ext>
     </p:extLst>
   </p:cSld>
@@ -22030,15 +22098,7 @@
           <a:p>
             <a:r>
               <a:rPr lang="en-US" b="1" dirty="0" smtClean="0"/>
-              <a:t>The </a:t>
-            </a:r>
-            <a:r>
-              <a:rPr lang="en-US" b="1" dirty="0" err="1" smtClean="0"/>
-              <a:t>docker</a:t>
-            </a:r>
-            <a:r>
-              <a:rPr lang="en-US" b="1" dirty="0" smtClean="0"/>
-              <a:t> image build command</a:t>
+              <a:t>The shell instruction</a:t>
             </a:r>
             <a:endParaRPr lang="en-US" dirty="0"/>
           </a:p>
@@ -22062,7 +22122,7 @@
         </p:spPr>
         <p:txBody>
           <a:bodyPr>
-            <a:normAutofit/>
+            <a:normAutofit fontScale="92500" lnSpcReduction="20000"/>
           </a:bodyPr>
           <a:lstStyle/>
           <a:p>
@@ -22070,8 +22130,92 @@
               <a:buNone/>
             </a:pPr>
             <a:r>
-              <a:rPr lang="en-US" dirty="0"/>
-              <a:t>OK, so the image build command is not a </a:t>
+              <a:rPr lang="en-US" dirty="0" smtClean="0"/>
+              <a:t>There are </a:t>
+            </a:r>
+            <a:r>
+              <a:rPr lang="en-US" dirty="0"/>
+              <a:t>several </a:t>
+            </a:r>
+            <a:r>
+              <a:rPr lang="en-US" dirty="0" smtClean="0"/>
+              <a:t>instructions that </a:t>
+            </a:r>
+            <a:r>
+              <a:rPr lang="en-US" dirty="0"/>
+              <a:t>take two forms, the exec form or the shell form. As mentioned, the default used by </a:t>
+            </a:r>
+            <a:r>
+              <a:rPr lang="en-US" dirty="0" smtClean="0"/>
+              <a:t>all of </a:t>
+            </a:r>
+            <a:r>
+              <a:rPr lang="en-US" dirty="0"/>
+              <a:t>the shell forms is ["/bin/</a:t>
+            </a:r>
+            <a:r>
+              <a:rPr lang="en-US" dirty="0" err="1"/>
+              <a:t>sh</a:t>
+            </a:r>
+            <a:r>
+              <a:rPr lang="en-US" dirty="0"/>
+              <a:t>", "-c"] for Linux containers, and ["</a:t>
+            </a:r>
+            <a:r>
+              <a:rPr lang="en-US" dirty="0" err="1"/>
+              <a:t>cmd</a:t>
+            </a:r>
+            <a:r>
+              <a:rPr lang="en-US" dirty="0"/>
+              <a:t>", "/S</a:t>
+            </a:r>
+            <a:r>
+              <a:rPr lang="en-US" dirty="0" smtClean="0"/>
+              <a:t>", "/</a:t>
+            </a:r>
+            <a:r>
+              <a:rPr lang="en-US" dirty="0"/>
+              <a:t>C"] for Windows containers. The SHELL instruction allows you to change that default.</a:t>
+            </a:r>
+          </a:p>
+          <a:p>
+            <a:pPr marL="0" indent="0">
+              <a:buNone/>
+            </a:pPr>
+            <a:r>
+              <a:rPr lang="en-US" dirty="0"/>
+              <a:t>Here is the syntax for the SHELL instruction:</a:t>
+            </a:r>
+          </a:p>
+          <a:p>
+            <a:pPr marL="0" indent="0">
+              <a:buNone/>
+            </a:pPr>
+            <a:r>
+              <a:rPr lang="en-US" dirty="0"/>
+              <a:t># SHELL instruction syntax</a:t>
+            </a:r>
+          </a:p>
+          <a:p>
+            <a:pPr marL="0" indent="0">
+              <a:buNone/>
+            </a:pPr>
+            <a:r>
+              <a:rPr lang="en-US" b="1" dirty="0">
+                <a:solidFill>
+                  <a:srgbClr val="00B0F0"/>
+                </a:solidFill>
+              </a:rPr>
+              <a:t>SHELL ["executable", "parameters"]</a:t>
+            </a:r>
+          </a:p>
+          <a:p>
+            <a:pPr marL="0" indent="0">
+              <a:buNone/>
+            </a:pPr>
+            <a:r>
+              <a:rPr lang="en-US" dirty="0"/>
+              <a:t>The SHELL instruction can be used more than once in a </a:t>
             </a:r>
             <a:r>
               <a:rPr lang="en-US" dirty="0" err="1"/>
@@ -22079,19 +22223,23 @@
             </a:r>
             <a:r>
               <a:rPr lang="en-US" dirty="0"/>
-              <a:t> instruction. Instead, it is the </a:t>
-            </a:r>
-            <a:r>
-              <a:rPr lang="en-US" dirty="0" err="1" smtClean="0"/>
-              <a:t>docker</a:t>
-            </a:r>
-            <a:r>
-              <a:rPr lang="en-US" dirty="0" smtClean="0"/>
-              <a:t> command </a:t>
-            </a:r>
-            <a:r>
-              <a:rPr lang="en-US" dirty="0"/>
-              <a:t>that is used to turn your </a:t>
+              <a:t>. All instructions that </a:t>
+            </a:r>
+            <a:r>
+              <a:rPr lang="en-US" dirty="0" smtClean="0"/>
+              <a:t>use a </a:t>
+            </a:r>
+            <a:r>
+              <a:rPr lang="en-US" dirty="0"/>
+              <a:t>shell, and that come after a SHELL instruction, will use the new shell. Thus, you </a:t>
+            </a:r>
+            <a:r>
+              <a:rPr lang="en-US" dirty="0" smtClean="0"/>
+              <a:t>can change </a:t>
+            </a:r>
+            <a:r>
+              <a:rPr lang="en-US" dirty="0"/>
+              <a:t>the shell multiple times in a single </a:t>
             </a:r>
             <a:r>
               <a:rPr lang="en-US" dirty="0" err="1"/>
@@ -22099,133 +22247,23 @@
             </a:r>
             <a:r>
               <a:rPr lang="en-US" dirty="0"/>
-              <a:t> into a </a:t>
-            </a:r>
-            <a:r>
-              <a:rPr lang="en-US" dirty="0" err="1"/>
-              <a:t>docker</a:t>
-            </a:r>
-            <a:r>
-              <a:rPr lang="en-US" dirty="0"/>
-              <a:t> image. The Docker image </a:t>
-            </a:r>
-            <a:r>
-              <a:rPr lang="en-US" dirty="0" smtClean="0"/>
-              <a:t>build command </a:t>
-            </a:r>
-            <a:r>
-              <a:rPr lang="en-US" dirty="0"/>
-              <a:t>sends the </a:t>
-            </a:r>
-            <a:r>
-              <a:rPr lang="en-US" dirty="0" err="1"/>
-              <a:t>docker</a:t>
-            </a:r>
-            <a:r>
-              <a:rPr lang="en-US" dirty="0"/>
-              <a:t> build context, including the </a:t>
-            </a:r>
-            <a:r>
-              <a:rPr lang="en-US" dirty="0" err="1"/>
-              <a:t>Dockerfile</a:t>
-            </a:r>
-            <a:r>
-              <a:rPr lang="en-US" dirty="0"/>
-              <a:t>, to the </a:t>
-            </a:r>
-            <a:r>
-              <a:rPr lang="en-US" dirty="0" err="1"/>
-              <a:t>docker</a:t>
-            </a:r>
-            <a:r>
-              <a:rPr lang="en-US" dirty="0"/>
-              <a:t> daemon</a:t>
-            </a:r>
-            <a:r>
-              <a:rPr lang="en-US" dirty="0" smtClean="0"/>
-              <a:t>, which </a:t>
-            </a:r>
-            <a:r>
-              <a:rPr lang="en-US" dirty="0"/>
-              <a:t>parses the </a:t>
-            </a:r>
-            <a:r>
-              <a:rPr lang="en-US" dirty="0" err="1"/>
-              <a:t>Dockerfile</a:t>
-            </a:r>
-            <a:r>
-              <a:rPr lang="en-US" dirty="0"/>
-              <a:t> and builds the image layer by layer. We will discuss the </a:t>
-            </a:r>
-            <a:r>
-              <a:rPr lang="en-US" dirty="0" smtClean="0"/>
-              <a:t>build context </a:t>
-            </a:r>
-            <a:r>
-              <a:rPr lang="en-US" dirty="0"/>
-              <a:t>shortly, but for now, consider it to be everything that is needed to build the </a:t>
-            </a:r>
-            <a:r>
-              <a:rPr lang="en-US" dirty="0" smtClean="0"/>
-              <a:t>Docker image </a:t>
-            </a:r>
-            <a:r>
-              <a:rPr lang="en-US" dirty="0"/>
-              <a:t>based on the content found in the </a:t>
-            </a:r>
-            <a:r>
-              <a:rPr lang="en-US" dirty="0" err="1"/>
-              <a:t>Dockerfile</a:t>
-            </a:r>
-            <a:r>
-              <a:rPr lang="en-US" dirty="0"/>
-              <a:t>. The build command syntax is </a:t>
-            </a:r>
-            <a:r>
-              <a:rPr lang="en-US" dirty="0" smtClean="0"/>
-              <a:t>as follows</a:t>
-            </a:r>
-            <a:r>
-              <a:rPr lang="en-US" dirty="0"/>
-              <a:t>:</a:t>
-            </a:r>
-          </a:p>
-          <a:p>
-            <a:pPr marL="0" indent="0">
-              <a:buNone/>
-            </a:pPr>
-            <a:r>
-              <a:rPr lang="en-US" dirty="0"/>
-              <a:t># Docker image build command syntax</a:t>
-            </a:r>
-          </a:p>
-          <a:p>
-            <a:pPr marL="0" indent="0">
-              <a:buNone/>
-            </a:pPr>
-            <a:r>
-              <a:rPr lang="en-US" b="1" dirty="0">
-                <a:solidFill>
-                  <a:srgbClr val="00B0F0"/>
-                </a:solidFill>
-              </a:rPr>
-              <a:t>Usage: </a:t>
-            </a:r>
-            <a:r>
-              <a:rPr lang="en-US" b="1" dirty="0" err="1">
-                <a:solidFill>
-                  <a:srgbClr val="00B0F0"/>
-                </a:solidFill>
-              </a:rPr>
-              <a:t>docker</a:t>
-            </a:r>
-            <a:r>
-              <a:rPr lang="en-US" b="1" dirty="0">
-                <a:solidFill>
-                  <a:srgbClr val="00B0F0"/>
-                </a:solidFill>
-              </a:rPr>
-              <a:t> image build [OPTIONS] PATH | URL | -</a:t>
+              <a:t> as needed. This can be </a:t>
+            </a:r>
+            <a:r>
+              <a:rPr lang="en-US" dirty="0" smtClean="0"/>
+              <a:t>especially powerful </a:t>
+            </a:r>
+            <a:r>
+              <a:rPr lang="en-US" dirty="0"/>
+              <a:t>when creating Windows containers since it allows you to switch back and </a:t>
+            </a:r>
+            <a:r>
+              <a:rPr lang="en-US" dirty="0" smtClean="0"/>
+              <a:t>forth between </a:t>
+            </a:r>
+            <a:r>
+              <a:rPr lang="en-US" dirty="0"/>
+              <a:t>using cmd.exe and powershell.exe.</a:t>
             </a:r>
             <a:endParaRPr lang="en-US" b="1" dirty="0">
               <a:solidFill>
@@ -22238,7 +22276,7 @@
     </p:spTree>
     <p:extLst>
       <p:ext uri="{BB962C8B-B14F-4D97-AF65-F5344CB8AC3E}">
-        <p14:creationId xmlns:p14="http://schemas.microsoft.com/office/powerpoint/2010/main" val="3929436222"/>
+        <p14:creationId xmlns:p14="http://schemas.microsoft.com/office/powerpoint/2010/main" val="2339330554"/>
       </p:ext>
     </p:extLst>
   </p:cSld>
@@ -22277,24 +22315,22 @@
         </p:nvSpPr>
         <p:spPr/>
         <p:txBody>
-          <a:bodyPr>
-            <a:normAutofit/>
-          </a:bodyPr>
+          <a:bodyPr/>
           <a:lstStyle/>
           <a:p>
             <a:r>
-              <a:rPr lang="en-US" sz="3200" b="1" dirty="0" smtClean="0"/>
+              <a:rPr lang="en-US" b="1" dirty="0" smtClean="0"/>
               <a:t>The </a:t>
             </a:r>
             <a:r>
-              <a:rPr lang="en-US" sz="3200" b="1" dirty="0" err="1" smtClean="0"/>
+              <a:rPr lang="en-US" b="1" dirty="0" err="1" smtClean="0"/>
               <a:t>docker</a:t>
             </a:r>
             <a:r>
-              <a:rPr lang="en-US" sz="3200" b="1" dirty="0" smtClean="0"/>
-              <a:t> image build command - options</a:t>
-            </a:r>
-            <a:endParaRPr lang="en-US" sz="3200" dirty="0"/>
+              <a:rPr lang="en-US" b="1" dirty="0" smtClean="0"/>
+              <a:t> image build command</a:t>
+            </a:r>
+            <a:endParaRPr lang="en-US" dirty="0"/>
           </a:p>
         </p:txBody>
       </p:sp>
@@ -22316,7 +22352,7 @@
         </p:spPr>
         <p:txBody>
           <a:bodyPr>
-            <a:normAutofit fontScale="85000" lnSpcReduction="20000"/>
+            <a:normAutofit/>
           </a:bodyPr>
           <a:lstStyle/>
           <a:p>
@@ -22325,132 +22361,7 @@
             </a:pPr>
             <a:r>
               <a:rPr lang="en-US" dirty="0"/>
-              <a:t>There are many options for the image build command. We will not be covering all of </a:t>
-            </a:r>
-            <a:r>
-              <a:rPr lang="en-US" dirty="0" smtClean="0"/>
-              <a:t>the options </a:t>
-            </a:r>
-            <a:r>
-              <a:rPr lang="en-US" dirty="0"/>
-              <a:t>now, but let's take a look at a few of the most common:</a:t>
-            </a:r>
-          </a:p>
-          <a:p>
-            <a:pPr marL="0" indent="0">
-              <a:buNone/>
-            </a:pPr>
-            <a:r>
-              <a:rPr lang="en-US" dirty="0"/>
-              <a:t># Common options used with the image build command</a:t>
-            </a:r>
-          </a:p>
-          <a:p>
-            <a:pPr marL="0" indent="0">
-              <a:buNone/>
-            </a:pPr>
-            <a:r>
-              <a:rPr lang="en-US" b="1" dirty="0">
-                <a:solidFill>
-                  <a:srgbClr val="00B0F0"/>
-                </a:solidFill>
-              </a:rPr>
-              <a:t>--</a:t>
-            </a:r>
-            <a:r>
-              <a:rPr lang="en-US" b="1" dirty="0" err="1">
-                <a:solidFill>
-                  <a:srgbClr val="00B0F0"/>
-                </a:solidFill>
-              </a:rPr>
-              <a:t>rm</a:t>
-            </a:r>
-            <a:r>
-              <a:rPr lang="en-US" b="1" dirty="0">
-                <a:solidFill>
-                  <a:srgbClr val="00B0F0"/>
-                </a:solidFill>
-              </a:rPr>
-              <a:t> </a:t>
-            </a:r>
-            <a:r>
-              <a:rPr lang="en-US" dirty="0"/>
-              <a:t>Remove intermediate containers after a successful build</a:t>
-            </a:r>
-          </a:p>
-          <a:p>
-            <a:pPr marL="0" indent="0">
-              <a:buNone/>
-            </a:pPr>
-            <a:r>
-              <a:rPr lang="en-US" b="1" dirty="0">
-                <a:solidFill>
-                  <a:srgbClr val="00B0F0"/>
-                </a:solidFill>
-              </a:rPr>
-              <a:t>--build-</a:t>
-            </a:r>
-            <a:r>
-              <a:rPr lang="en-US" b="1" dirty="0" err="1">
-                <a:solidFill>
-                  <a:srgbClr val="00B0F0"/>
-                </a:solidFill>
-              </a:rPr>
-              <a:t>arg</a:t>
-            </a:r>
-            <a:r>
-              <a:rPr lang="en-US" b="1" dirty="0">
-                <a:solidFill>
-                  <a:srgbClr val="00B0F0"/>
-                </a:solidFill>
-              </a:rPr>
-              <a:t> </a:t>
-            </a:r>
-            <a:r>
-              <a:rPr lang="en-US" dirty="0"/>
-              <a:t>Set build-time variables</a:t>
-            </a:r>
-          </a:p>
-          <a:p>
-            <a:pPr marL="0" indent="0">
-              <a:buNone/>
-            </a:pPr>
-            <a:r>
-              <a:rPr lang="en-US" b="1" dirty="0">
-                <a:solidFill>
-                  <a:srgbClr val="00B0F0"/>
-                </a:solidFill>
-              </a:rPr>
-              <a:t>--tag </a:t>
-            </a:r>
-            <a:r>
-              <a:rPr lang="en-US" dirty="0"/>
-              <a:t>Name and optionally a tag in the '</a:t>
-            </a:r>
-            <a:r>
-              <a:rPr lang="en-US" dirty="0" err="1"/>
-              <a:t>name:tag</a:t>
-            </a:r>
-            <a:r>
-              <a:rPr lang="en-US" dirty="0"/>
-              <a:t>' format</a:t>
-            </a:r>
-          </a:p>
-          <a:p>
-            <a:pPr marL="0" indent="0">
-              <a:buNone/>
-            </a:pPr>
-            <a:r>
-              <a:rPr lang="en-US" b="1" dirty="0">
-                <a:solidFill>
-                  <a:srgbClr val="00B0F0"/>
-                </a:solidFill>
-              </a:rPr>
-              <a:t>--file </a:t>
-            </a:r>
-            <a:r>
-              <a:rPr lang="en-US" dirty="0"/>
-              <a:t>Name of the </a:t>
+              <a:t>OK, so the image build command is not a </a:t>
             </a:r>
             <a:r>
               <a:rPr lang="en-US" dirty="0" err="1"/>
@@ -22458,39 +22369,138 @@
             </a:r>
             <a:r>
               <a:rPr lang="en-US" dirty="0"/>
-              <a:t> (Default is 'PATH/</a:t>
+              <a:t> instruction. Instead, it is the </a:t>
+            </a:r>
+            <a:r>
+              <a:rPr lang="en-US" dirty="0" err="1" smtClean="0"/>
+              <a:t>docker</a:t>
+            </a:r>
+            <a:r>
+              <a:rPr lang="en-US" dirty="0" smtClean="0"/>
+              <a:t> command </a:t>
+            </a:r>
+            <a:r>
+              <a:rPr lang="en-US" dirty="0"/>
+              <a:t>that is used to turn your </a:t>
             </a:r>
             <a:r>
               <a:rPr lang="en-US" dirty="0" err="1"/>
               <a:t>Dockerfile</a:t>
             </a:r>
             <a:r>
-              <a:rPr lang="en-US" dirty="0" smtClean="0"/>
-              <a:t>')</a:t>
-            </a:r>
-          </a:p>
-          <a:p>
-            <a:pPr marL="0" indent="0">
-              <a:buNone/>
-            </a:pPr>
-            <a:r>
-              <a:rPr lang="en-US" dirty="0"/>
-              <a:t>Here are some image build commands for reference:</a:t>
-            </a:r>
-          </a:p>
-          <a:p>
-            <a:pPr marL="0" indent="0">
-              <a:buNone/>
-            </a:pPr>
-            <a:r>
-              <a:rPr lang="en-US" dirty="0"/>
-              <a:t># build command samples</a:t>
-            </a:r>
-          </a:p>
-          <a:p>
-            <a:pPr marL="0" indent="0">
-              <a:buNone/>
-            </a:pPr>
+              <a:rPr lang="en-US" dirty="0"/>
+              <a:t> into a </a:t>
+            </a:r>
+            <a:r>
+              <a:rPr lang="en-US" dirty="0" err="1"/>
+              <a:t>docker</a:t>
+            </a:r>
+            <a:r>
+              <a:rPr lang="en-US" dirty="0"/>
+              <a:t> image. The Docker image </a:t>
+            </a:r>
+            <a:r>
+              <a:rPr lang="en-US" dirty="0" smtClean="0"/>
+              <a:t>build command </a:t>
+            </a:r>
+            <a:r>
+              <a:rPr lang="en-US" dirty="0"/>
+              <a:t>sends the </a:t>
+            </a:r>
+            <a:r>
+              <a:rPr lang="en-US" dirty="0" err="1"/>
+              <a:t>docker</a:t>
+            </a:r>
+            <a:r>
+              <a:rPr lang="en-US" dirty="0"/>
+              <a:t> build context, including the </a:t>
+            </a:r>
+            <a:r>
+              <a:rPr lang="en-US" dirty="0" err="1"/>
+              <a:t>Dockerfile</a:t>
+            </a:r>
+            <a:r>
+              <a:rPr lang="en-US" dirty="0"/>
+              <a:t>, to the </a:t>
+            </a:r>
+            <a:r>
+              <a:rPr lang="en-US" dirty="0" err="1"/>
+              <a:t>docker</a:t>
+            </a:r>
+            <a:r>
+              <a:rPr lang="en-US" dirty="0"/>
+              <a:t> daemon</a:t>
+            </a:r>
+            <a:r>
+              <a:rPr lang="en-US" dirty="0" smtClean="0"/>
+              <a:t>, which </a:t>
+            </a:r>
+            <a:r>
+              <a:rPr lang="en-US" dirty="0"/>
+              <a:t>parses the </a:t>
+            </a:r>
+            <a:r>
+              <a:rPr lang="en-US" dirty="0" err="1"/>
+              <a:t>Dockerfile</a:t>
+            </a:r>
+            <a:r>
+              <a:rPr lang="en-US" dirty="0"/>
+              <a:t> and builds the image layer by layer. We will discuss the </a:t>
+            </a:r>
+            <a:r>
+              <a:rPr lang="en-US" dirty="0" smtClean="0"/>
+              <a:t>build context </a:t>
+            </a:r>
+            <a:r>
+              <a:rPr lang="en-US" dirty="0"/>
+              <a:t>shortly, but for now, consider it to be everything that is needed to build the </a:t>
+            </a:r>
+            <a:r>
+              <a:rPr lang="en-US" dirty="0" smtClean="0"/>
+              <a:t>Docker image </a:t>
+            </a:r>
+            <a:r>
+              <a:rPr lang="en-US" dirty="0"/>
+              <a:t>based on the content found in the </a:t>
+            </a:r>
+            <a:r>
+              <a:rPr lang="en-US" dirty="0" err="1"/>
+              <a:t>Dockerfile</a:t>
+            </a:r>
+            <a:r>
+              <a:rPr lang="en-US" dirty="0"/>
+              <a:t>. The build command syntax is </a:t>
+            </a:r>
+            <a:r>
+              <a:rPr lang="en-US" dirty="0" smtClean="0"/>
+              <a:t>as follows</a:t>
+            </a:r>
+            <a:r>
+              <a:rPr lang="en-US" dirty="0"/>
+              <a:t>:</a:t>
+            </a:r>
+          </a:p>
+          <a:p>
+            <a:pPr marL="0" indent="0">
+              <a:buNone/>
+            </a:pPr>
+            <a:r>
+              <a:rPr lang="en-US" dirty="0"/>
+              <a:t># Docker image build command syntax</a:t>
+            </a:r>
+          </a:p>
+          <a:p>
+            <a:pPr marL="0" indent="0">
+              <a:buNone/>
+            </a:pPr>
+            <a:r>
+              <a:rPr lang="en-US" b="1" dirty="0">
+                <a:solidFill>
+                  <a:srgbClr val="00B0F0"/>
+                </a:solidFill>
+              </a:rPr>
+              <a:t>Usage: </a:t>
+            </a:r>
             <a:r>
               <a:rPr lang="en-US" b="1" dirty="0" err="1">
                 <a:solidFill>
@@ -22505,97 +22515,15 @@
                   <a:srgbClr val="00B0F0"/>
                 </a:solidFill>
               </a:rPr>
-              <a:t> image build --</a:t>
-            </a:r>
-            <a:r>
-              <a:rPr lang="en-US" b="1" dirty="0" err="1">
-                <a:solidFill>
-                  <a:srgbClr val="00B0F0"/>
-                </a:solidFill>
-              </a:rPr>
-              <a:t>rm</a:t>
-            </a:r>
-            <a:r>
-              <a:rPr lang="en-US" b="1" dirty="0">
-                <a:solidFill>
-                  <a:srgbClr val="00B0F0"/>
-                </a:solidFill>
-              </a:rPr>
-              <a:t> --build-</a:t>
-            </a:r>
-            <a:r>
-              <a:rPr lang="en-US" b="1" dirty="0" err="1">
-                <a:solidFill>
-                  <a:srgbClr val="00B0F0"/>
-                </a:solidFill>
-              </a:rPr>
-              <a:t>arg</a:t>
-            </a:r>
-            <a:r>
-              <a:rPr lang="en-US" b="1" dirty="0">
-                <a:solidFill>
-                  <a:srgbClr val="00B0F0"/>
-                </a:solidFill>
-              </a:rPr>
-              <a:t> username=35 --tag arg-demo:2.0 .</a:t>
-            </a:r>
-          </a:p>
-          <a:p>
-            <a:pPr marL="0" indent="0">
-              <a:buNone/>
-            </a:pPr>
-            <a:r>
-              <a:rPr lang="en-US" b="1" dirty="0" err="1">
-                <a:solidFill>
-                  <a:srgbClr val="00B0F0"/>
-                </a:solidFill>
-              </a:rPr>
-              <a:t>docker</a:t>
-            </a:r>
-            <a:r>
-              <a:rPr lang="en-US" b="1" dirty="0">
-                <a:solidFill>
-                  <a:srgbClr val="00B0F0"/>
-                </a:solidFill>
-              </a:rPr>
-              <a:t> image build --</a:t>
-            </a:r>
-            <a:r>
-              <a:rPr lang="en-US" b="1" dirty="0" err="1">
-                <a:solidFill>
-                  <a:srgbClr val="00B0F0"/>
-                </a:solidFill>
-              </a:rPr>
-              <a:t>rm</a:t>
-            </a:r>
-            <a:r>
-              <a:rPr lang="en-US" b="1" dirty="0">
-                <a:solidFill>
-                  <a:srgbClr val="00B0F0"/>
-                </a:solidFill>
-              </a:rPr>
-              <a:t> --tag user-demo:1.0 </a:t>
-            </a:r>
-            <a:r>
-              <a:rPr lang="en-US" b="1" dirty="0" smtClean="0">
-                <a:solidFill>
-                  <a:srgbClr val="00B0F0"/>
-                </a:solidFill>
-              </a:rPr>
-              <a:t>.</a:t>
-            </a:r>
-            <a:endParaRPr lang="en-US" b="1" dirty="0">
-              <a:solidFill>
-                <a:srgbClr val="00B0F0"/>
-              </a:solidFill>
-            </a:endParaRPr>
+              <a:t> image build [OPTIONS] PATH | URL | -</a:t>
+            </a:r>
           </a:p>
         </p:txBody>
       </p:sp>
     </p:spTree>
     <p:extLst>
       <p:ext uri="{BB962C8B-B14F-4D97-AF65-F5344CB8AC3E}">
-        <p14:creationId xmlns:p14="http://schemas.microsoft.com/office/powerpoint/2010/main" val="3824493011"/>
+        <p14:creationId xmlns:p14="http://schemas.microsoft.com/office/powerpoint/2010/main" val="3929436222"/>
       </p:ext>
     </p:extLst>
   </p:cSld>
@@ -22640,10 +22568,18 @@
           <a:lstStyle/>
           <a:p>
             <a:r>
-              <a:rPr lang="en-US" b="1" dirty="0" smtClean="0"/>
-              <a:t>The build context</a:t>
-            </a:r>
-            <a:endParaRPr lang="en-US" dirty="0"/>
+              <a:rPr lang="en-US" sz="3200" b="1" dirty="0" smtClean="0"/>
+              <a:t>The </a:t>
+            </a:r>
+            <a:r>
+              <a:rPr lang="en-US" sz="3200" b="1" dirty="0" err="1" smtClean="0"/>
+              <a:t>docker</a:t>
+            </a:r>
+            <a:r>
+              <a:rPr lang="en-US" sz="3200" b="1" dirty="0" smtClean="0"/>
+              <a:t> image build command - options</a:t>
+            </a:r>
+            <a:endParaRPr lang="en-US" sz="3200" dirty="0"/>
           </a:p>
         </p:txBody>
       </p:sp>
@@ -22665,7 +22601,7 @@
         </p:spPr>
         <p:txBody>
           <a:bodyPr>
-            <a:normAutofit lnSpcReduction="10000"/>
+            <a:normAutofit fontScale="85000" lnSpcReduction="20000"/>
           </a:bodyPr>
           <a:lstStyle/>
           <a:p>
@@ -22674,29 +22610,132 @@
             </a:pPr>
             <a:r>
               <a:rPr lang="en-US" dirty="0"/>
-              <a:t>The build context is everything that gets sent to the Docker daemon when using the </a:t>
-            </a:r>
-            <a:r>
-              <a:rPr lang="en-US" dirty="0" smtClean="0"/>
-              <a:t>build image </a:t>
-            </a:r>
-            <a:r>
-              <a:rPr lang="en-US" dirty="0"/>
-              <a:t>command. </a:t>
-            </a:r>
-            <a:endParaRPr lang="en-US" dirty="0" smtClean="0"/>
-          </a:p>
-          <a:p>
-            <a:pPr marL="0" indent="0">
-              <a:buNone/>
-            </a:pPr>
-            <a:r>
-              <a:rPr lang="en-US" dirty="0" smtClean="0"/>
-              <a:t>This </a:t>
-            </a:r>
-            <a:r>
-              <a:rPr lang="en-US" dirty="0"/>
-              <a:t>includes the </a:t>
+              <a:t>There are many options for the image build command. We will not be covering all of </a:t>
+            </a:r>
+            <a:r>
+              <a:rPr lang="en-US" dirty="0" smtClean="0"/>
+              <a:t>the options </a:t>
+            </a:r>
+            <a:r>
+              <a:rPr lang="en-US" dirty="0"/>
+              <a:t>now, but let's take a look at a few of the most common:</a:t>
+            </a:r>
+          </a:p>
+          <a:p>
+            <a:pPr marL="0" indent="0">
+              <a:buNone/>
+            </a:pPr>
+            <a:r>
+              <a:rPr lang="en-US" dirty="0"/>
+              <a:t># Common options used with the image build command</a:t>
+            </a:r>
+          </a:p>
+          <a:p>
+            <a:pPr marL="0" indent="0">
+              <a:buNone/>
+            </a:pPr>
+            <a:r>
+              <a:rPr lang="en-US" b="1" dirty="0">
+                <a:solidFill>
+                  <a:srgbClr val="00B0F0"/>
+                </a:solidFill>
+              </a:rPr>
+              <a:t>--</a:t>
+            </a:r>
+            <a:r>
+              <a:rPr lang="en-US" b="1" dirty="0" err="1">
+                <a:solidFill>
+                  <a:srgbClr val="00B0F0"/>
+                </a:solidFill>
+              </a:rPr>
+              <a:t>rm</a:t>
+            </a:r>
+            <a:r>
+              <a:rPr lang="en-US" b="1" dirty="0">
+                <a:solidFill>
+                  <a:srgbClr val="00B0F0"/>
+                </a:solidFill>
+              </a:rPr>
+              <a:t> </a:t>
+            </a:r>
+            <a:r>
+              <a:rPr lang="en-US" dirty="0"/>
+              <a:t>Remove intermediate containers after a successful build</a:t>
+            </a:r>
+          </a:p>
+          <a:p>
+            <a:pPr marL="0" indent="0">
+              <a:buNone/>
+            </a:pPr>
+            <a:r>
+              <a:rPr lang="en-US" b="1" dirty="0">
+                <a:solidFill>
+                  <a:srgbClr val="00B0F0"/>
+                </a:solidFill>
+              </a:rPr>
+              <a:t>--build-</a:t>
+            </a:r>
+            <a:r>
+              <a:rPr lang="en-US" b="1" dirty="0" err="1">
+                <a:solidFill>
+                  <a:srgbClr val="00B0F0"/>
+                </a:solidFill>
+              </a:rPr>
+              <a:t>arg</a:t>
+            </a:r>
+            <a:r>
+              <a:rPr lang="en-US" b="1" dirty="0">
+                <a:solidFill>
+                  <a:srgbClr val="00B0F0"/>
+                </a:solidFill>
+              </a:rPr>
+              <a:t> </a:t>
+            </a:r>
+            <a:r>
+              <a:rPr lang="en-US" dirty="0"/>
+              <a:t>Set build-time variables</a:t>
+            </a:r>
+          </a:p>
+          <a:p>
+            <a:pPr marL="0" indent="0">
+              <a:buNone/>
+            </a:pPr>
+            <a:r>
+              <a:rPr lang="en-US" b="1" dirty="0">
+                <a:solidFill>
+                  <a:srgbClr val="00B0F0"/>
+                </a:solidFill>
+              </a:rPr>
+              <a:t>--tag </a:t>
+            </a:r>
+            <a:r>
+              <a:rPr lang="en-US" dirty="0"/>
+              <a:t>Name and optionally a tag in the '</a:t>
+            </a:r>
+            <a:r>
+              <a:rPr lang="en-US" dirty="0" err="1"/>
+              <a:t>name:tag</a:t>
+            </a:r>
+            <a:r>
+              <a:rPr lang="en-US" dirty="0"/>
+              <a:t>' format</a:t>
+            </a:r>
+          </a:p>
+          <a:p>
+            <a:pPr marL="0" indent="0">
+              <a:buNone/>
+            </a:pPr>
+            <a:r>
+              <a:rPr lang="en-US" b="1" dirty="0">
+                <a:solidFill>
+                  <a:srgbClr val="00B0F0"/>
+                </a:solidFill>
+              </a:rPr>
+              <a:t>--file </a:t>
+            </a:r>
+            <a:r>
+              <a:rPr lang="en-US" dirty="0"/>
+              <a:t>Name of the </a:t>
             </a:r>
             <a:r>
               <a:rPr lang="en-US" dirty="0" err="1"/>
@@ -22704,99 +22743,131 @@
             </a:r>
             <a:r>
               <a:rPr lang="en-US" dirty="0"/>
-              <a:t> and the contents of the current </a:t>
-            </a:r>
-            <a:r>
-              <a:rPr lang="en-US" dirty="0" smtClean="0"/>
-              <a:t>working directory </a:t>
-            </a:r>
-            <a:r>
-              <a:rPr lang="en-US" dirty="0"/>
-              <a:t>when the build command is issued, including all subdirectories that the </a:t>
-            </a:r>
-            <a:r>
-              <a:rPr lang="en-US" dirty="0" smtClean="0"/>
-              <a:t>current working </a:t>
-            </a:r>
-            <a:r>
-              <a:rPr lang="en-US" dirty="0"/>
-              <a:t>directory may contain. </a:t>
-            </a:r>
-            <a:endParaRPr lang="en-US" dirty="0" smtClean="0"/>
-          </a:p>
-          <a:p>
-            <a:pPr marL="0" indent="0">
-              <a:buNone/>
-            </a:pPr>
-            <a:r>
-              <a:rPr lang="en-US" dirty="0" smtClean="0"/>
-              <a:t>It </a:t>
-            </a:r>
-            <a:r>
-              <a:rPr lang="en-US" dirty="0"/>
-              <a:t>is possible to have the </a:t>
+              <a:t> (Default is 'PATH/</a:t>
             </a:r>
             <a:r>
               <a:rPr lang="en-US" dirty="0" err="1"/>
               <a:t>Dockerfile</a:t>
             </a:r>
             <a:r>
-              <a:rPr lang="en-US" dirty="0"/>
-              <a:t> in a directory </a:t>
-            </a:r>
-            <a:r>
-              <a:rPr lang="en-US" dirty="0" smtClean="0"/>
-              <a:t>other than </a:t>
-            </a:r>
-            <a:r>
-              <a:rPr lang="en-US" dirty="0"/>
-              <a:t>the current working directory by using a -f or --file option, but the </a:t>
-            </a:r>
-            <a:r>
-              <a:rPr lang="en-US" dirty="0" err="1"/>
-              <a:t>Dockerfile</a:t>
-            </a:r>
-            <a:r>
-              <a:rPr lang="en-US" dirty="0"/>
-              <a:t> </a:t>
-            </a:r>
-            <a:r>
-              <a:rPr lang="en-US" dirty="0" smtClean="0"/>
-              <a:t>still gets </a:t>
-            </a:r>
-            <a:r>
-              <a:rPr lang="en-US" dirty="0"/>
-              <a:t>sent with the build context. </a:t>
-            </a:r>
-            <a:endParaRPr lang="en-US" dirty="0" smtClean="0"/>
-          </a:p>
-          <a:p>
-            <a:pPr marL="0" indent="0">
-              <a:buNone/>
-            </a:pPr>
-            <a:r>
-              <a:rPr lang="en-US" dirty="0" smtClean="0"/>
-              <a:t>Using </a:t>
-            </a:r>
-            <a:r>
-              <a:rPr lang="en-US" dirty="0"/>
-              <a:t>the .</a:t>
-            </a:r>
-            <a:r>
-              <a:rPr lang="en-US" dirty="0" err="1"/>
-              <a:t>dockerignore</a:t>
-            </a:r>
-            <a:r>
-              <a:rPr lang="en-US" dirty="0"/>
-              <a:t> file, you can exclude files </a:t>
-            </a:r>
-            <a:r>
-              <a:rPr lang="en-US" dirty="0" smtClean="0"/>
-              <a:t>and folders </a:t>
-            </a:r>
-            <a:r>
-              <a:rPr lang="en-US" dirty="0"/>
-              <a:t>from the build context when it gets sent to the Docker daemon.</a:t>
+              <a:rPr lang="en-US" dirty="0" smtClean="0"/>
+              <a:t>')</a:t>
+            </a:r>
+          </a:p>
+          <a:p>
+            <a:pPr marL="0" indent="0">
+              <a:buNone/>
+            </a:pPr>
+            <a:r>
+              <a:rPr lang="en-US" dirty="0"/>
+              <a:t>Here are some image build commands for reference:</a:t>
+            </a:r>
+          </a:p>
+          <a:p>
+            <a:pPr marL="0" indent="0">
+              <a:buNone/>
+            </a:pPr>
+            <a:r>
+              <a:rPr lang="en-US" dirty="0"/>
+              <a:t># build command samples</a:t>
+            </a:r>
+          </a:p>
+          <a:p>
+            <a:pPr marL="0" indent="0">
+              <a:buNone/>
+            </a:pPr>
+            <a:r>
+              <a:rPr lang="en-US" b="1" dirty="0" err="1">
+                <a:solidFill>
+                  <a:srgbClr val="00B0F0"/>
+                </a:solidFill>
+              </a:rPr>
+              <a:t>docker</a:t>
+            </a:r>
+            <a:r>
+              <a:rPr lang="en-US" b="1" dirty="0">
+                <a:solidFill>
+                  <a:srgbClr val="00B0F0"/>
+                </a:solidFill>
+              </a:rPr>
+              <a:t> image build --</a:t>
+            </a:r>
+            <a:r>
+              <a:rPr lang="en-US" b="1" dirty="0" err="1">
+                <a:solidFill>
+                  <a:srgbClr val="00B0F0"/>
+                </a:solidFill>
+              </a:rPr>
+              <a:t>rm</a:t>
+            </a:r>
+            <a:r>
+              <a:rPr lang="en-US" b="1" dirty="0">
+                <a:solidFill>
+                  <a:srgbClr val="00B0F0"/>
+                </a:solidFill>
+              </a:rPr>
+              <a:t> --build-</a:t>
+            </a:r>
+            <a:r>
+              <a:rPr lang="en-US" b="1" dirty="0" err="1">
+                <a:solidFill>
+                  <a:srgbClr val="00B0F0"/>
+                </a:solidFill>
+              </a:rPr>
+              <a:t>arg</a:t>
+            </a:r>
+            <a:r>
+              <a:rPr lang="en-US" b="1" dirty="0">
+                <a:solidFill>
+                  <a:srgbClr val="00B0F0"/>
+                </a:solidFill>
+              </a:rPr>
+              <a:t> username=35 --tag arg-demo:2.0 .</a:t>
+            </a:r>
+          </a:p>
+          <a:p>
+            <a:pPr marL="0" indent="0">
+              <a:buNone/>
+            </a:pPr>
+            <a:r>
+              <a:rPr lang="en-US" b="1" dirty="0" err="1">
+                <a:solidFill>
+                  <a:srgbClr val="00B0F0"/>
+                </a:solidFill>
+              </a:rPr>
+              <a:t>docker</a:t>
+            </a:r>
+            <a:r>
+              <a:rPr lang="en-US" b="1" dirty="0">
+                <a:solidFill>
+                  <a:srgbClr val="00B0F0"/>
+                </a:solidFill>
+              </a:rPr>
+              <a:t> image build --</a:t>
+            </a:r>
+            <a:r>
+              <a:rPr lang="en-US" b="1" dirty="0" err="1">
+                <a:solidFill>
+                  <a:srgbClr val="00B0F0"/>
+                </a:solidFill>
+              </a:rPr>
+              <a:t>rm</a:t>
+            </a:r>
+            <a:r>
+              <a:rPr lang="en-US" b="1" dirty="0">
+                <a:solidFill>
+                  <a:srgbClr val="00B0F0"/>
+                </a:solidFill>
+              </a:rPr>
+              <a:t> --tag user-demo:1.0 </a:t>
+            </a:r>
+            <a:r>
+              <a:rPr lang="en-US" b="1" dirty="0" smtClean="0">
+                <a:solidFill>
+                  <a:srgbClr val="00B0F0"/>
+                </a:solidFill>
+              </a:rPr>
+              <a:t>.</a:t>
             </a:r>
             <a:endParaRPr lang="en-US" b="1" dirty="0">
               <a:solidFill>
@@ -22809,7 +22880,7 @@
     </p:spTree>
     <p:extLst>
       <p:ext uri="{BB962C8B-B14F-4D97-AF65-F5344CB8AC3E}">
-        <p14:creationId xmlns:p14="http://schemas.microsoft.com/office/powerpoint/2010/main" val="2035797264"/>
+        <p14:creationId xmlns:p14="http://schemas.microsoft.com/office/powerpoint/2010/main" val="3824493011"/>
       </p:ext>
     </p:extLst>
   </p:cSld>
@@ -22855,7 +22926,7 @@
           <a:p>
             <a:r>
               <a:rPr lang="en-US" b="1" dirty="0" smtClean="0"/>
-              <a:t>The build context – size matters</a:t>
+              <a:t>The build context</a:t>
             </a:r>
             <a:endParaRPr lang="en-US" dirty="0"/>
           </a:p>
@@ -22879,7 +22950,7 @@
         </p:spPr>
         <p:txBody>
           <a:bodyPr>
-            <a:normAutofit/>
+            <a:normAutofit lnSpcReduction="10000"/>
           </a:bodyPr>
           <a:lstStyle/>
           <a:p>
@@ -22887,58 +22958,132 @@
               <a:buNone/>
             </a:pPr>
             <a:r>
-              <a:rPr lang="en-US" sz="2800" dirty="0"/>
-              <a:t>When building Docker images, it is very important to keep the build context as small </a:t>
-            </a:r>
-            <a:r>
-              <a:rPr lang="en-US" sz="2800" dirty="0" smtClean="0"/>
-              <a:t>as possible</a:t>
-            </a:r>
-            <a:r>
-              <a:rPr lang="en-US" sz="2800" dirty="0"/>
-              <a:t>. This is because the entire build context is sent to the Docker daemon for </a:t>
-            </a:r>
-            <a:r>
-              <a:rPr lang="en-US" sz="2800" dirty="0" smtClean="0"/>
-              <a:t>building the </a:t>
-            </a:r>
-            <a:r>
-              <a:rPr lang="en-US" sz="2800" dirty="0"/>
-              <a:t>image. If you have unnecessary files and folders in the build context, then it will </a:t>
-            </a:r>
-            <a:r>
-              <a:rPr lang="en-US" sz="2800" dirty="0" smtClean="0"/>
-              <a:t>slow the </a:t>
-            </a:r>
-            <a:r>
-              <a:rPr lang="en-US" sz="2800" dirty="0"/>
-              <a:t>build process, and depending on the contents of the </a:t>
-            </a:r>
-            <a:r>
-              <a:rPr lang="en-US" sz="2800" dirty="0" err="1"/>
+              <a:rPr lang="en-US" dirty="0"/>
+              <a:t>The build context is everything that gets sent to the Docker daemon when using the </a:t>
+            </a:r>
+            <a:r>
+              <a:rPr lang="en-US" dirty="0" smtClean="0"/>
+              <a:t>build image </a:t>
+            </a:r>
+            <a:r>
+              <a:rPr lang="en-US" dirty="0"/>
+              <a:t>command. </a:t>
+            </a:r>
+            <a:endParaRPr lang="en-US" dirty="0" smtClean="0"/>
+          </a:p>
+          <a:p>
+            <a:pPr marL="0" indent="0">
+              <a:buNone/>
+            </a:pPr>
+            <a:r>
+              <a:rPr lang="en-US" dirty="0" smtClean="0"/>
+              <a:t>This </a:t>
+            </a:r>
+            <a:r>
+              <a:rPr lang="en-US" dirty="0"/>
+              <a:t>includes the </a:t>
+            </a:r>
+            <a:r>
+              <a:rPr lang="en-US" dirty="0" err="1"/>
               <a:t>Dockerfile</a:t>
             </a:r>
             <a:r>
-              <a:rPr lang="en-US" sz="2800" dirty="0"/>
-              <a:t>, can result in </a:t>
-            </a:r>
-            <a:r>
-              <a:rPr lang="en-US" sz="2800" dirty="0" smtClean="0"/>
-              <a:t>bloated images</a:t>
-            </a:r>
-            <a:r>
-              <a:rPr lang="en-US" sz="2800" dirty="0"/>
-              <a:t>. This is such an important consideration, that every image build command </a:t>
-            </a:r>
-            <a:r>
-              <a:rPr lang="en-US" sz="2800" dirty="0" smtClean="0"/>
-              <a:t>displays the </a:t>
-            </a:r>
-            <a:r>
-              <a:rPr lang="en-US" sz="2800" dirty="0"/>
-              <a:t>size of the build context as the first line of the command's output.</a:t>
-            </a:r>
-            <a:endParaRPr lang="en-US" sz="2800" b="1" dirty="0">
+              <a:rPr lang="en-US" dirty="0"/>
+              <a:t> and the contents of the current </a:t>
+            </a:r>
+            <a:r>
+              <a:rPr lang="en-US" dirty="0" smtClean="0"/>
+              <a:t>working directory </a:t>
+            </a:r>
+            <a:r>
+              <a:rPr lang="en-US" dirty="0"/>
+              <a:t>when the build command is issued, including all subdirectories that the </a:t>
+            </a:r>
+            <a:r>
+              <a:rPr lang="en-US" dirty="0" smtClean="0"/>
+              <a:t>current working </a:t>
+            </a:r>
+            <a:r>
+              <a:rPr lang="en-US" dirty="0"/>
+              <a:t>directory may contain. </a:t>
+            </a:r>
+            <a:endParaRPr lang="en-US" dirty="0" smtClean="0"/>
+          </a:p>
+          <a:p>
+            <a:pPr marL="0" indent="0">
+              <a:buNone/>
+            </a:pPr>
+            <a:r>
+              <a:rPr lang="en-US" dirty="0" smtClean="0"/>
+              <a:t>It </a:t>
+            </a:r>
+            <a:r>
+              <a:rPr lang="en-US" dirty="0"/>
+              <a:t>is possible to have the </a:t>
+            </a:r>
+            <a:r>
+              <a:rPr lang="en-US" dirty="0" err="1"/>
+              <a:t>Dockerfile</a:t>
+            </a:r>
+            <a:r>
+              <a:rPr lang="en-US" dirty="0"/>
+              <a:t> in a directory </a:t>
+            </a:r>
+            <a:r>
+              <a:rPr lang="en-US" dirty="0" smtClean="0"/>
+              <a:t>other than </a:t>
+            </a:r>
+            <a:r>
+              <a:rPr lang="en-US" dirty="0"/>
+              <a:t>the current working directory by using a -f or --file option, but the </a:t>
+            </a:r>
+            <a:r>
+              <a:rPr lang="en-US" dirty="0" err="1"/>
+              <a:t>Dockerfile</a:t>
+            </a:r>
+            <a:r>
+              <a:rPr lang="en-US" dirty="0"/>
+              <a:t> </a:t>
+            </a:r>
+            <a:r>
+              <a:rPr lang="en-US" dirty="0" smtClean="0"/>
+              <a:t>still gets </a:t>
+            </a:r>
+            <a:r>
+              <a:rPr lang="en-US" dirty="0"/>
+              <a:t>sent with the build context. </a:t>
+            </a:r>
+            <a:endParaRPr lang="en-US" dirty="0" smtClean="0"/>
+          </a:p>
+          <a:p>
+            <a:pPr marL="0" indent="0">
+              <a:buNone/>
+            </a:pPr>
+            <a:r>
+              <a:rPr lang="en-US" dirty="0" smtClean="0"/>
+              <a:t>Using </a:t>
+            </a:r>
+            <a:r>
+              <a:rPr lang="en-US" dirty="0"/>
+              <a:t>the .</a:t>
+            </a:r>
+            <a:r>
+              <a:rPr lang="en-US" dirty="0" err="1"/>
+              <a:t>dockerignore</a:t>
+            </a:r>
+            <a:r>
+              <a:rPr lang="en-US" dirty="0"/>
+              <a:t> file, you can exclude files </a:t>
+            </a:r>
+            <a:r>
+              <a:rPr lang="en-US" dirty="0" smtClean="0"/>
+              <a:t>and folders </a:t>
+            </a:r>
+            <a:r>
+              <a:rPr lang="en-US" dirty="0"/>
+              <a:t>from the build context when it gets sent to the Docker daemon.</a:t>
+            </a:r>
+            <a:endParaRPr lang="en-US" b="1" dirty="0">
               <a:solidFill>
                 <a:srgbClr val="00B0F0"/>
               </a:solidFill>
@@ -22949,7 +23094,7 @@
     </p:spTree>
     <p:extLst>
       <p:ext uri="{BB962C8B-B14F-4D97-AF65-F5344CB8AC3E}">
-        <p14:creationId xmlns:p14="http://schemas.microsoft.com/office/powerpoint/2010/main" val="3905530207"/>
+        <p14:creationId xmlns:p14="http://schemas.microsoft.com/office/powerpoint/2010/main" val="2035797264"/>
       </p:ext>
     </p:extLst>
   </p:cSld>
@@ -23117,6 +23262,146 @@
         </p:nvSpPr>
         <p:spPr/>
         <p:txBody>
+          <a:bodyPr>
+            <a:normAutofit/>
+          </a:bodyPr>
+          <a:lstStyle/>
+          <a:p>
+            <a:r>
+              <a:rPr lang="en-US" b="1" dirty="0" smtClean="0"/>
+              <a:t>The build context – size matters</a:t>
+            </a:r>
+            <a:endParaRPr lang="en-US" dirty="0"/>
+          </a:p>
+        </p:txBody>
+      </p:sp>
+      <p:sp>
+        <p:nvSpPr>
+          <p:cNvPr id="3" name="Content Placeholder 2"/>
+          <p:cNvSpPr>
+            <a:spLocks noGrp="1"/>
+          </p:cNvSpPr>
+          <p:nvPr>
+            <p:ph idx="1"/>
+          </p:nvPr>
+        </p:nvSpPr>
+        <p:spPr>
+          <a:xfrm>
+            <a:off x="1141412" y="1807029"/>
+            <a:ext cx="9905999" cy="4626428"/>
+          </a:xfrm>
+        </p:spPr>
+        <p:txBody>
+          <a:bodyPr>
+            <a:normAutofit/>
+          </a:bodyPr>
+          <a:lstStyle/>
+          <a:p>
+            <a:pPr marL="0" indent="0">
+              <a:buNone/>
+            </a:pPr>
+            <a:r>
+              <a:rPr lang="en-US" sz="2800" dirty="0"/>
+              <a:t>When building Docker images, it is very important to keep the build context as small </a:t>
+            </a:r>
+            <a:r>
+              <a:rPr lang="en-US" sz="2800" dirty="0" smtClean="0"/>
+              <a:t>as possible</a:t>
+            </a:r>
+            <a:r>
+              <a:rPr lang="en-US" sz="2800" dirty="0"/>
+              <a:t>. This is because the entire build context is sent to the Docker daemon for </a:t>
+            </a:r>
+            <a:r>
+              <a:rPr lang="en-US" sz="2800" dirty="0" smtClean="0"/>
+              <a:t>building the </a:t>
+            </a:r>
+            <a:r>
+              <a:rPr lang="en-US" sz="2800" dirty="0"/>
+              <a:t>image. If you have unnecessary files and folders in the build context, then it will </a:t>
+            </a:r>
+            <a:r>
+              <a:rPr lang="en-US" sz="2800" dirty="0" smtClean="0"/>
+              <a:t>slow the </a:t>
+            </a:r>
+            <a:r>
+              <a:rPr lang="en-US" sz="2800" dirty="0"/>
+              <a:t>build process, and depending on the contents of the </a:t>
+            </a:r>
+            <a:r>
+              <a:rPr lang="en-US" sz="2800" dirty="0" err="1"/>
+              <a:t>Dockerfile</a:t>
+            </a:r>
+            <a:r>
+              <a:rPr lang="en-US" sz="2800" dirty="0"/>
+              <a:t>, can result in </a:t>
+            </a:r>
+            <a:r>
+              <a:rPr lang="en-US" sz="2800" dirty="0" smtClean="0"/>
+              <a:t>bloated images</a:t>
+            </a:r>
+            <a:r>
+              <a:rPr lang="en-US" sz="2800" dirty="0"/>
+              <a:t>. This is such an important consideration, that every image build command </a:t>
+            </a:r>
+            <a:r>
+              <a:rPr lang="en-US" sz="2800" dirty="0" smtClean="0"/>
+              <a:t>displays the </a:t>
+            </a:r>
+            <a:r>
+              <a:rPr lang="en-US" sz="2800" dirty="0"/>
+              <a:t>size of the build context as the first line of the command's output.</a:t>
+            </a:r>
+            <a:endParaRPr lang="en-US" sz="2800" b="1" dirty="0">
+              <a:solidFill>
+                <a:srgbClr val="00B0F0"/>
+              </a:solidFill>
+            </a:endParaRPr>
+          </a:p>
+        </p:txBody>
+      </p:sp>
+    </p:spTree>
+    <p:extLst>
+      <p:ext uri="{BB962C8B-B14F-4D97-AF65-F5344CB8AC3E}">
+        <p14:creationId xmlns:p14="http://schemas.microsoft.com/office/powerpoint/2010/main" val="3905530207"/>
+      </p:ext>
+    </p:extLst>
+  </p:cSld>
+  <p:clrMapOvr>
+    <a:masterClrMapping/>
+  </p:clrMapOvr>
+</p:sld>
+</file>
+
+<file path=ppt/slides/slide51.xml><?xml version="1.0" encoding="utf-8"?>
+<p:sld xmlns:a="http://schemas.openxmlformats.org/drawingml/2006/main" xmlns:r="http://schemas.openxmlformats.org/officeDocument/2006/relationships" xmlns:p="http://schemas.openxmlformats.org/presentationml/2006/main">
+  <p:cSld>
+    <p:spTree>
+      <p:nvGrpSpPr>
+        <p:cNvPr id="1" name=""/>
+        <p:cNvGrpSpPr/>
+        <p:nvPr/>
+      </p:nvGrpSpPr>
+      <p:grpSpPr>
+        <a:xfrm>
+          <a:off x="0" y="0"/>
+          <a:ext cx="0" cy="0"/>
+          <a:chOff x="0" y="0"/>
+          <a:chExt cx="0" cy="0"/>
+        </a:xfrm>
+      </p:grpSpPr>
+      <p:sp>
+        <p:nvSpPr>
+          <p:cNvPr id="2" name="Title 1"/>
+          <p:cNvSpPr>
+            <a:spLocks noGrp="1"/>
+          </p:cNvSpPr>
+          <p:nvPr>
+            <p:ph type="title"/>
+          </p:nvPr>
+        </p:nvSpPr>
+        <p:spPr/>
+        <p:txBody>
           <a:bodyPr/>
           <a:lstStyle/>
           <a:p>
@@ -23230,7 +23515,6 @@
               <a:rPr lang="en-US" sz="2800" dirty="0"/>
               <a:t>images.</a:t>
             </a:r>
-            <a:endParaRPr lang="en-US" sz="2800" dirty="0"/>
           </a:p>
         </p:txBody>
       </p:sp>
@@ -23247,7 +23531,7 @@
 </p:sld>
 </file>
 
-<file path=ppt/slides/slide51.xml><?xml version="1.0" encoding="utf-8"?>
+<file path=ppt/slides/slide52.xml><?xml version="1.0" encoding="utf-8"?>
 <p:sld xmlns:a="http://schemas.openxmlformats.org/drawingml/2006/main" xmlns:r="http://schemas.openxmlformats.org/officeDocument/2006/relationships" xmlns:p="http://schemas.openxmlformats.org/presentationml/2006/main">
   <p:cSld>
     <p:spTree>
@@ -23477,7 +23761,6 @@
               <a:rPr lang="en-US" dirty="0" smtClean="0"/>
               <a:t> </a:t>
             </a:r>
-            <a:endParaRPr lang="en-US" dirty="0" smtClean="0"/>
           </a:p>
           <a:p>
             <a:pPr marL="0" indent="0">

--- a/Chapter 03 - Creating Docker Images.pptx
+++ b/Chapter 03 - Creating Docker Images.pptx
@@ -220,7 +220,7 @@
           <a:noFill/>
           <a:extLst>
             <a:ext uri="{909E8E84-426E-40dd-AFC4-6F175D3DCCD1}">
-              <a14:hiddenFill xmlns:a14="http://schemas.microsoft.com/office/drawing/2010/main" xmlns="">
+              <a14:hiddenFill xmlns="" xmlns:a14="http://schemas.microsoft.com/office/drawing/2010/main">
                 <a:solidFill>
                   <a:srgbClr val="FFFFFF"/>
                 </a:solidFill>
@@ -279,7 +279,7 @@
             </a:ln>
             <a:extLst>
               <a:ext uri="{91240B29-F687-4f45-9708-019B960494DF}">
-                <a14:hiddenLine xmlns:a14="http://schemas.microsoft.com/office/drawing/2010/main" xmlns="" w="9525">
+                <a14:hiddenLine xmlns="" xmlns:a14="http://schemas.microsoft.com/office/drawing/2010/main" w="9525">
                   <a:solidFill>
                     <a:srgbClr val="000000"/>
                   </a:solidFill>
@@ -369,7 +369,7 @@
             </a:ln>
             <a:extLst>
               <a:ext uri="{91240B29-F687-4f45-9708-019B960494DF}">
-                <a14:hiddenLine xmlns:a14="http://schemas.microsoft.com/office/drawing/2010/main" xmlns="" w="9525">
+                <a14:hiddenLine xmlns="" xmlns:a14="http://schemas.microsoft.com/office/drawing/2010/main" w="9525">
                   <a:solidFill>
                     <a:srgbClr val="000000"/>
                   </a:solidFill>
@@ -459,7 +459,7 @@
             </a:ln>
             <a:extLst>
               <a:ext uri="{91240B29-F687-4f45-9708-019B960494DF}">
-                <a14:hiddenLine xmlns:a14="http://schemas.microsoft.com/office/drawing/2010/main" xmlns="" w="9525">
+                <a14:hiddenLine xmlns="" xmlns:a14="http://schemas.microsoft.com/office/drawing/2010/main" w="9525">
                   <a:solidFill>
                     <a:srgbClr val="000000"/>
                   </a:solidFill>
@@ -493,7 +493,7 @@
             </a:ln>
             <a:extLst>
               <a:ext uri="{91240B29-F687-4f45-9708-019B960494DF}">
-                <a14:hiddenLine xmlns:a14="http://schemas.microsoft.com/office/drawing/2010/main" xmlns="" w="9525">
+                <a14:hiddenLine xmlns="" xmlns:a14="http://schemas.microsoft.com/office/drawing/2010/main" w="9525">
                   <a:solidFill>
                     <a:srgbClr val="000000"/>
                   </a:solidFill>
@@ -583,7 +583,7 @@
             </a:ln>
             <a:extLst>
               <a:ext uri="{91240B29-F687-4f45-9708-019B960494DF}">
-                <a14:hiddenLine xmlns:a14="http://schemas.microsoft.com/office/drawing/2010/main" xmlns="" w="9525">
+                <a14:hiddenLine xmlns="" xmlns:a14="http://schemas.microsoft.com/office/drawing/2010/main" w="9525">
                   <a:solidFill>
                     <a:srgbClr val="000000"/>
                   </a:solidFill>
@@ -645,7 +645,7 @@
             </a:ln>
             <a:extLst>
               <a:ext uri="{91240B29-F687-4f45-9708-019B960494DF}">
-                <a14:hiddenLine xmlns:a14="http://schemas.microsoft.com/office/drawing/2010/main" xmlns="" w="9525">
+                <a14:hiddenLine xmlns="" xmlns:a14="http://schemas.microsoft.com/office/drawing/2010/main" w="9525">
                   <a:solidFill>
                     <a:srgbClr val="000000"/>
                   </a:solidFill>
@@ -707,7 +707,7 @@
             </a:ln>
             <a:extLst>
               <a:ext uri="{91240B29-F687-4f45-9708-019B960494DF}">
-                <a14:hiddenLine xmlns:a14="http://schemas.microsoft.com/office/drawing/2010/main" xmlns="" w="9525">
+                <a14:hiddenLine xmlns="" xmlns:a14="http://schemas.microsoft.com/office/drawing/2010/main" w="9525">
                   <a:solidFill>
                     <a:srgbClr val="000000"/>
                   </a:solidFill>
@@ -797,7 +797,7 @@
             </a:ln>
             <a:extLst>
               <a:ext uri="{91240B29-F687-4f45-9708-019B960494DF}">
-                <a14:hiddenLine xmlns:a14="http://schemas.microsoft.com/office/drawing/2010/main" xmlns="" w="9525">
+                <a14:hiddenLine xmlns="" xmlns:a14="http://schemas.microsoft.com/office/drawing/2010/main" w="9525">
                   <a:solidFill>
                     <a:srgbClr val="000000"/>
                   </a:solidFill>
@@ -859,7 +859,7 @@
             </a:ln>
             <a:extLst>
               <a:ext uri="{91240B29-F687-4f45-9708-019B960494DF}">
-                <a14:hiddenLine xmlns:a14="http://schemas.microsoft.com/office/drawing/2010/main" xmlns="" w="9525">
+                <a14:hiddenLine xmlns="" xmlns:a14="http://schemas.microsoft.com/office/drawing/2010/main" w="9525">
                   <a:solidFill>
                     <a:srgbClr val="000000"/>
                   </a:solidFill>
@@ -921,7 +921,7 @@
             </a:ln>
             <a:extLst>
               <a:ext uri="{91240B29-F687-4f45-9708-019B960494DF}">
-                <a14:hiddenLine xmlns:a14="http://schemas.microsoft.com/office/drawing/2010/main" xmlns="" w="9525">
+                <a14:hiddenLine xmlns="" xmlns:a14="http://schemas.microsoft.com/office/drawing/2010/main" w="9525">
                   <a:solidFill>
                     <a:srgbClr val="000000"/>
                   </a:solidFill>
@@ -1011,7 +1011,7 @@
             </a:ln>
             <a:extLst>
               <a:ext uri="{91240B29-F687-4f45-9708-019B960494DF}">
-                <a14:hiddenLine xmlns:a14="http://schemas.microsoft.com/office/drawing/2010/main" xmlns="" w="9525">
+                <a14:hiddenLine xmlns="" xmlns:a14="http://schemas.microsoft.com/office/drawing/2010/main" w="9525">
                   <a:solidFill>
                     <a:srgbClr val="000000"/>
                   </a:solidFill>
@@ -1101,7 +1101,7 @@
             </a:ln>
             <a:extLst>
               <a:ext uri="{91240B29-F687-4f45-9708-019B960494DF}">
-                <a14:hiddenLine xmlns:a14="http://schemas.microsoft.com/office/drawing/2010/main" xmlns="" w="9525">
+                <a14:hiddenLine xmlns="" xmlns:a14="http://schemas.microsoft.com/office/drawing/2010/main" w="9525">
                   <a:solidFill>
                     <a:srgbClr val="000000"/>
                   </a:solidFill>
@@ -1163,7 +1163,7 @@
             </a:ln>
             <a:extLst>
               <a:ext uri="{91240B29-F687-4f45-9708-019B960494DF}">
-                <a14:hiddenLine xmlns:a14="http://schemas.microsoft.com/office/drawing/2010/main" xmlns="" w="9525">
+                <a14:hiddenLine xmlns="" xmlns:a14="http://schemas.microsoft.com/office/drawing/2010/main" w="9525">
                   <a:solidFill>
                     <a:srgbClr val="000000"/>
                   </a:solidFill>
@@ -1273,7 +1273,7 @@
             </a:ln>
             <a:extLst>
               <a:ext uri="{91240B29-F687-4f45-9708-019B960494DF}">
-                <a14:hiddenLine xmlns:a14="http://schemas.microsoft.com/office/drawing/2010/main" xmlns="" w="9525">
+                <a14:hiddenLine xmlns="" xmlns:a14="http://schemas.microsoft.com/office/drawing/2010/main" w="9525">
                   <a:solidFill>
                     <a:srgbClr val="000000"/>
                   </a:solidFill>
@@ -1335,7 +1335,7 @@
             </a:ln>
             <a:extLst>
               <a:ext uri="{91240B29-F687-4f45-9708-019B960494DF}">
-                <a14:hiddenLine xmlns:a14="http://schemas.microsoft.com/office/drawing/2010/main" xmlns="" w="9525">
+                <a14:hiddenLine xmlns="" xmlns:a14="http://schemas.microsoft.com/office/drawing/2010/main" w="9525">
                   <a:solidFill>
                     <a:srgbClr val="000000"/>
                   </a:solidFill>
@@ -1425,7 +1425,7 @@
             </a:ln>
             <a:extLst>
               <a:ext uri="{91240B29-F687-4f45-9708-019B960494DF}">
-                <a14:hiddenLine xmlns:a14="http://schemas.microsoft.com/office/drawing/2010/main" xmlns="" w="9525">
+                <a14:hiddenLine xmlns="" xmlns:a14="http://schemas.microsoft.com/office/drawing/2010/main" w="9525">
                   <a:solidFill>
                     <a:srgbClr val="000000"/>
                   </a:solidFill>
@@ -1515,7 +1515,7 @@
             </a:ln>
             <a:extLst>
               <a:ext uri="{91240B29-F687-4f45-9708-019B960494DF}">
-                <a14:hiddenLine xmlns:a14="http://schemas.microsoft.com/office/drawing/2010/main" xmlns="" w="9525">
+                <a14:hiddenLine xmlns="" xmlns:a14="http://schemas.microsoft.com/office/drawing/2010/main" w="9525">
                   <a:solidFill>
                     <a:srgbClr val="000000"/>
                   </a:solidFill>
@@ -1577,7 +1577,7 @@
             </a:ln>
             <a:extLst>
               <a:ext uri="{91240B29-F687-4f45-9708-019B960494DF}">
-                <a14:hiddenLine xmlns:a14="http://schemas.microsoft.com/office/drawing/2010/main" xmlns="" w="9525">
+                <a14:hiddenLine xmlns="" xmlns:a14="http://schemas.microsoft.com/office/drawing/2010/main" w="9525">
                   <a:solidFill>
                     <a:srgbClr val="000000"/>
                   </a:solidFill>
@@ -1667,7 +1667,7 @@
             </a:ln>
             <a:extLst>
               <a:ext uri="{91240B29-F687-4f45-9708-019B960494DF}">
-                <a14:hiddenLine xmlns:a14="http://schemas.microsoft.com/office/drawing/2010/main" xmlns="" w="9525">
+                <a14:hiddenLine xmlns="" xmlns:a14="http://schemas.microsoft.com/office/drawing/2010/main" w="9525">
                   <a:solidFill>
                     <a:srgbClr val="000000"/>
                   </a:solidFill>
@@ -1757,7 +1757,7 @@
             </a:ln>
             <a:extLst>
               <a:ext uri="{91240B29-F687-4f45-9708-019B960494DF}">
-                <a14:hiddenLine xmlns:a14="http://schemas.microsoft.com/office/drawing/2010/main" xmlns="" w="9525">
+                <a14:hiddenLine xmlns="" xmlns:a14="http://schemas.microsoft.com/office/drawing/2010/main" w="9525">
                   <a:solidFill>
                     <a:srgbClr val="000000"/>
                   </a:solidFill>
@@ -1813,7 +1813,7 @@
             </a:ln>
             <a:extLst>
               <a:ext uri="{91240B29-F687-4f45-9708-019B960494DF}">
-                <a14:hiddenLine xmlns:a14="http://schemas.microsoft.com/office/drawing/2010/main" xmlns="" w="9525">
+                <a14:hiddenLine xmlns="" xmlns:a14="http://schemas.microsoft.com/office/drawing/2010/main" w="9525">
                   <a:solidFill>
                     <a:srgbClr val="000000"/>
                   </a:solidFill>
@@ -1903,7 +1903,7 @@
             </a:ln>
             <a:extLst>
               <a:ext uri="{91240B29-F687-4f45-9708-019B960494DF}">
-                <a14:hiddenLine xmlns:a14="http://schemas.microsoft.com/office/drawing/2010/main" xmlns="" w="9525">
+                <a14:hiddenLine xmlns="" xmlns:a14="http://schemas.microsoft.com/office/drawing/2010/main" w="9525">
                   <a:solidFill>
                     <a:srgbClr val="000000"/>
                   </a:solidFill>
@@ -1959,7 +1959,7 @@
             </a:ln>
             <a:extLst>
               <a:ext uri="{91240B29-F687-4f45-9708-019B960494DF}">
-                <a14:hiddenLine xmlns:a14="http://schemas.microsoft.com/office/drawing/2010/main" xmlns="" w="9525">
+                <a14:hiddenLine xmlns="" xmlns:a14="http://schemas.microsoft.com/office/drawing/2010/main" w="9525">
                   <a:solidFill>
                     <a:srgbClr val="000000"/>
                   </a:solidFill>
@@ -2049,7 +2049,7 @@
             </a:ln>
             <a:extLst>
               <a:ext uri="{91240B29-F687-4f45-9708-019B960494DF}">
-                <a14:hiddenLine xmlns:a14="http://schemas.microsoft.com/office/drawing/2010/main" xmlns="" w="9525">
+                <a14:hiddenLine xmlns="" xmlns:a14="http://schemas.microsoft.com/office/drawing/2010/main" w="9525">
                   <a:solidFill>
                     <a:srgbClr val="000000"/>
                   </a:solidFill>
@@ -2117,7 +2117,7 @@
             </a:ln>
             <a:extLst>
               <a:ext uri="{91240B29-F687-4f45-9708-019B960494DF}">
-                <a14:hiddenLine xmlns:a14="http://schemas.microsoft.com/office/drawing/2010/main" xmlns="" w="9525">
+                <a14:hiddenLine xmlns="" xmlns:a14="http://schemas.microsoft.com/office/drawing/2010/main" w="9525">
                   <a:solidFill>
                     <a:srgbClr val="000000"/>
                   </a:solidFill>
@@ -2207,7 +2207,7 @@
             </a:ln>
             <a:extLst>
               <a:ext uri="{91240B29-F687-4f45-9708-019B960494DF}">
-                <a14:hiddenLine xmlns:a14="http://schemas.microsoft.com/office/drawing/2010/main" xmlns="" w="9525">
+                <a14:hiddenLine xmlns="" xmlns:a14="http://schemas.microsoft.com/office/drawing/2010/main" w="9525">
                   <a:solidFill>
                     <a:srgbClr val="000000"/>
                   </a:solidFill>
@@ -2275,7 +2275,7 @@
             </a:ln>
             <a:extLst>
               <a:ext uri="{91240B29-F687-4f45-9708-019B960494DF}">
-                <a14:hiddenLine xmlns:a14="http://schemas.microsoft.com/office/drawing/2010/main" xmlns="" w="9525">
+                <a14:hiddenLine xmlns="" xmlns:a14="http://schemas.microsoft.com/office/drawing/2010/main" w="9525">
                   <a:solidFill>
                     <a:srgbClr val="000000"/>
                   </a:solidFill>
@@ -2365,7 +2365,7 @@
             </a:ln>
             <a:extLst>
               <a:ext uri="{91240B29-F687-4f45-9708-019B960494DF}">
-                <a14:hiddenLine xmlns:a14="http://schemas.microsoft.com/office/drawing/2010/main" xmlns="" w="9525">
+                <a14:hiddenLine xmlns="" xmlns:a14="http://schemas.microsoft.com/office/drawing/2010/main" w="9525">
                   <a:solidFill>
                     <a:srgbClr val="000000"/>
                   </a:solidFill>
@@ -2399,7 +2399,7 @@
             </a:ln>
             <a:extLst>
               <a:ext uri="{91240B29-F687-4f45-9708-019B960494DF}">
-                <a14:hiddenLine xmlns:a14="http://schemas.microsoft.com/office/drawing/2010/main" xmlns="" w="9525">
+                <a14:hiddenLine xmlns="" xmlns:a14="http://schemas.microsoft.com/office/drawing/2010/main" w="9525">
                   <a:solidFill>
                     <a:srgbClr val="000000"/>
                   </a:solidFill>
@@ -2489,7 +2489,7 @@
             </a:ln>
             <a:extLst>
               <a:ext uri="{91240B29-F687-4f45-9708-019B960494DF}">
-                <a14:hiddenLine xmlns:a14="http://schemas.microsoft.com/office/drawing/2010/main" xmlns="" w="9525">
+                <a14:hiddenLine xmlns="" xmlns:a14="http://schemas.microsoft.com/office/drawing/2010/main" w="9525">
                   <a:solidFill>
                     <a:srgbClr val="000000"/>
                   </a:solidFill>
@@ -2551,7 +2551,7 @@
             </a:ln>
             <a:extLst>
               <a:ext uri="{91240B29-F687-4f45-9708-019B960494DF}">
-                <a14:hiddenLine xmlns:a14="http://schemas.microsoft.com/office/drawing/2010/main" xmlns="" w="9525">
+                <a14:hiddenLine xmlns="" xmlns:a14="http://schemas.microsoft.com/office/drawing/2010/main" w="9525">
                   <a:solidFill>
                     <a:srgbClr val="000000"/>
                   </a:solidFill>
@@ -2613,7 +2613,7 @@
             </a:ln>
             <a:extLst>
               <a:ext uri="{91240B29-F687-4f45-9708-019B960494DF}">
-                <a14:hiddenLine xmlns:a14="http://schemas.microsoft.com/office/drawing/2010/main" xmlns="" w="9525">
+                <a14:hiddenLine xmlns="" xmlns:a14="http://schemas.microsoft.com/office/drawing/2010/main" w="9525">
                   <a:solidFill>
                     <a:srgbClr val="000000"/>
                   </a:solidFill>
@@ -2703,7 +2703,7 @@
             </a:ln>
             <a:extLst>
               <a:ext uri="{91240B29-F687-4f45-9708-019B960494DF}">
-                <a14:hiddenLine xmlns:a14="http://schemas.microsoft.com/office/drawing/2010/main" xmlns="" w="9525">
+                <a14:hiddenLine xmlns="" xmlns:a14="http://schemas.microsoft.com/office/drawing/2010/main" w="9525">
                   <a:solidFill>
                     <a:srgbClr val="000000"/>
                   </a:solidFill>
@@ -2771,7 +2771,7 @@
             </a:ln>
             <a:extLst>
               <a:ext uri="{91240B29-F687-4f45-9708-019B960494DF}">
-                <a14:hiddenLine xmlns:a14="http://schemas.microsoft.com/office/drawing/2010/main" xmlns="" w="9525">
+                <a14:hiddenLine xmlns="" xmlns:a14="http://schemas.microsoft.com/office/drawing/2010/main" w="9525">
                   <a:solidFill>
                     <a:srgbClr val="000000"/>
                   </a:solidFill>
@@ -2833,7 +2833,7 @@
             </a:ln>
             <a:extLst>
               <a:ext uri="{91240B29-F687-4f45-9708-019B960494DF}">
-                <a14:hiddenLine xmlns:a14="http://schemas.microsoft.com/office/drawing/2010/main" xmlns="" w="9525">
+                <a14:hiddenLine xmlns="" xmlns:a14="http://schemas.microsoft.com/office/drawing/2010/main" w="9525">
                   <a:solidFill>
                     <a:srgbClr val="000000"/>
                   </a:solidFill>
@@ -2923,7 +2923,7 @@
             </a:ln>
             <a:extLst>
               <a:ext uri="{91240B29-F687-4f45-9708-019B960494DF}">
-                <a14:hiddenLine xmlns:a14="http://schemas.microsoft.com/office/drawing/2010/main" xmlns="" w="9525">
+                <a14:hiddenLine xmlns="" xmlns:a14="http://schemas.microsoft.com/office/drawing/2010/main" w="9525">
                   <a:solidFill>
                     <a:srgbClr val="000000"/>
                   </a:solidFill>
@@ -2985,7 +2985,7 @@
             </a:ln>
             <a:extLst>
               <a:ext uri="{91240B29-F687-4f45-9708-019B960494DF}">
-                <a14:hiddenLine xmlns:a14="http://schemas.microsoft.com/office/drawing/2010/main" xmlns="" w="9525">
+                <a14:hiddenLine xmlns="" xmlns:a14="http://schemas.microsoft.com/office/drawing/2010/main" w="9525">
                   <a:solidFill>
                     <a:srgbClr val="000000"/>
                   </a:solidFill>
@@ -3075,7 +3075,7 @@
             </a:ln>
             <a:extLst>
               <a:ext uri="{91240B29-F687-4f45-9708-019B960494DF}">
-                <a14:hiddenLine xmlns:a14="http://schemas.microsoft.com/office/drawing/2010/main" xmlns="" w="9525">
+                <a14:hiddenLine xmlns="" xmlns:a14="http://schemas.microsoft.com/office/drawing/2010/main" w="9525">
                   <a:solidFill>
                     <a:srgbClr val="000000"/>
                   </a:solidFill>
@@ -3137,7 +3137,7 @@
             </a:ln>
             <a:extLst>
               <a:ext uri="{91240B29-F687-4f45-9708-019B960494DF}">
-                <a14:hiddenLine xmlns:a14="http://schemas.microsoft.com/office/drawing/2010/main" xmlns="" w="9525">
+                <a14:hiddenLine xmlns="" xmlns:a14="http://schemas.microsoft.com/office/drawing/2010/main" w="9525">
                   <a:solidFill>
                     <a:srgbClr val="000000"/>
                   </a:solidFill>
@@ -3227,7 +3227,7 @@
             </a:ln>
             <a:extLst>
               <a:ext uri="{91240B29-F687-4f45-9708-019B960494DF}">
-                <a14:hiddenLine xmlns:a14="http://schemas.microsoft.com/office/drawing/2010/main" xmlns="" w="9525">
+                <a14:hiddenLine xmlns="" xmlns:a14="http://schemas.microsoft.com/office/drawing/2010/main" w="9525">
                   <a:solidFill>
                     <a:srgbClr val="000000"/>
                   </a:solidFill>
@@ -3261,7 +3261,7 @@
             </a:ln>
             <a:extLst>
               <a:ext uri="{91240B29-F687-4f45-9708-019B960494DF}">
-                <a14:hiddenLine xmlns:a14="http://schemas.microsoft.com/office/drawing/2010/main" xmlns="" w="9525">
+                <a14:hiddenLine xmlns="" xmlns:a14="http://schemas.microsoft.com/office/drawing/2010/main" w="9525">
                   <a:solidFill>
                     <a:srgbClr val="000000"/>
                   </a:solidFill>
@@ -3326,7 +3326,7 @@
             </a:ln>
             <a:extLst>
               <a:ext uri="{91240B29-F687-4f45-9708-019B960494DF}">
-                <a14:hiddenLine xmlns:a14="http://schemas.microsoft.com/office/drawing/2010/main" xmlns="" w="9525">
+                <a14:hiddenLine xmlns="" xmlns:a14="http://schemas.microsoft.com/office/drawing/2010/main" w="9525">
                   <a:solidFill>
                     <a:srgbClr val="000000"/>
                   </a:solidFill>
@@ -3416,7 +3416,7 @@
             </a:ln>
             <a:extLst>
               <a:ext uri="{91240B29-F687-4f45-9708-019B960494DF}">
-                <a14:hiddenLine xmlns:a14="http://schemas.microsoft.com/office/drawing/2010/main" xmlns="" w="9525">
+                <a14:hiddenLine xmlns="" xmlns:a14="http://schemas.microsoft.com/office/drawing/2010/main" w="9525">
                   <a:solidFill>
                     <a:srgbClr val="000000"/>
                   </a:solidFill>
@@ -3478,7 +3478,7 @@
             </a:ln>
             <a:extLst>
               <a:ext uri="{91240B29-F687-4f45-9708-019B960494DF}">
-                <a14:hiddenLine xmlns:a14="http://schemas.microsoft.com/office/drawing/2010/main" xmlns="" w="9525">
+                <a14:hiddenLine xmlns="" xmlns:a14="http://schemas.microsoft.com/office/drawing/2010/main" w="9525">
                   <a:solidFill>
                     <a:srgbClr val="000000"/>
                   </a:solidFill>
@@ -3568,7 +3568,7 @@
             </a:ln>
             <a:extLst>
               <a:ext uri="{91240B29-F687-4f45-9708-019B960494DF}">
-                <a14:hiddenLine xmlns:a14="http://schemas.microsoft.com/office/drawing/2010/main" xmlns="" w="9525">
+                <a14:hiddenLine xmlns="" xmlns:a14="http://schemas.microsoft.com/office/drawing/2010/main" w="9525">
                   <a:solidFill>
                     <a:srgbClr val="000000"/>
                   </a:solidFill>
@@ -3658,7 +3658,7 @@
             </a:ln>
             <a:extLst>
               <a:ext uri="{91240B29-F687-4f45-9708-019B960494DF}">
-                <a14:hiddenLine xmlns:a14="http://schemas.microsoft.com/office/drawing/2010/main" xmlns="" w="9525">
+                <a14:hiddenLine xmlns="" xmlns:a14="http://schemas.microsoft.com/office/drawing/2010/main" w="9525">
                   <a:solidFill>
                     <a:srgbClr val="000000"/>
                   </a:solidFill>
@@ -3723,7 +3723,7 @@
             </a:ln>
             <a:extLst>
               <a:ext uri="{91240B29-F687-4f45-9708-019B960494DF}">
-                <a14:hiddenLine xmlns:a14="http://schemas.microsoft.com/office/drawing/2010/main" xmlns="" w="9525">
+                <a14:hiddenLine xmlns="" xmlns:a14="http://schemas.microsoft.com/office/drawing/2010/main" w="9525">
                   <a:solidFill>
                     <a:srgbClr val="000000"/>
                   </a:solidFill>
@@ -3785,7 +3785,7 @@
             </a:ln>
             <a:extLst>
               <a:ext uri="{91240B29-F687-4f45-9708-019B960494DF}">
-                <a14:hiddenLine xmlns:a14="http://schemas.microsoft.com/office/drawing/2010/main" xmlns="" w="9525">
+                <a14:hiddenLine xmlns="" xmlns:a14="http://schemas.microsoft.com/office/drawing/2010/main" w="9525">
                   <a:solidFill>
                     <a:srgbClr val="000000"/>
                   </a:solidFill>
@@ -3875,7 +3875,7 @@
             </a:ln>
             <a:extLst>
               <a:ext uri="{91240B29-F687-4f45-9708-019B960494DF}">
-                <a14:hiddenLine xmlns:a14="http://schemas.microsoft.com/office/drawing/2010/main" xmlns="" w="9525">
+                <a14:hiddenLine xmlns="" xmlns:a14="http://schemas.microsoft.com/office/drawing/2010/main" w="9525">
                   <a:solidFill>
                     <a:srgbClr val="000000"/>
                   </a:solidFill>
@@ -3965,7 +3965,7 @@
             </a:ln>
             <a:extLst>
               <a:ext uri="{91240B29-F687-4f45-9708-019B960494DF}">
-                <a14:hiddenLine xmlns:a14="http://schemas.microsoft.com/office/drawing/2010/main" xmlns="" w="9525">
+                <a14:hiddenLine xmlns="" xmlns:a14="http://schemas.microsoft.com/office/drawing/2010/main" w="9525">
                   <a:solidFill>
                     <a:srgbClr val="000000"/>
                   </a:solidFill>
@@ -4027,7 +4027,7 @@
             </a:ln>
             <a:extLst>
               <a:ext uri="{91240B29-F687-4f45-9708-019B960494DF}">
-                <a14:hiddenLine xmlns:a14="http://schemas.microsoft.com/office/drawing/2010/main" xmlns="" w="9525">
+                <a14:hiddenLine xmlns="" xmlns:a14="http://schemas.microsoft.com/office/drawing/2010/main" w="9525">
                   <a:solidFill>
                     <a:srgbClr val="000000"/>
                   </a:solidFill>
@@ -4147,7 +4147,7 @@
             </a:ln>
             <a:extLst>
               <a:ext uri="{91240B29-F687-4f45-9708-019B960494DF}">
-                <a14:hiddenLine xmlns:a14="http://schemas.microsoft.com/office/drawing/2010/main" xmlns="" w="9525">
+                <a14:hiddenLine xmlns="" xmlns:a14="http://schemas.microsoft.com/office/drawing/2010/main" w="9525">
                   <a:solidFill>
                     <a:srgbClr val="000000"/>
                   </a:solidFill>
@@ -4215,7 +4215,7 @@
             </a:ln>
             <a:extLst>
               <a:ext uri="{91240B29-F687-4f45-9708-019B960494DF}">
-                <a14:hiddenLine xmlns:a14="http://schemas.microsoft.com/office/drawing/2010/main" xmlns="" w="9525">
+                <a14:hiddenLine xmlns="" xmlns:a14="http://schemas.microsoft.com/office/drawing/2010/main" w="9525">
                   <a:solidFill>
                     <a:srgbClr val="000000"/>
                   </a:solidFill>
@@ -4305,7 +4305,7 @@
             </a:ln>
             <a:extLst>
               <a:ext uri="{91240B29-F687-4f45-9708-019B960494DF}">
-                <a14:hiddenLine xmlns:a14="http://schemas.microsoft.com/office/drawing/2010/main" xmlns="" w="9525">
+                <a14:hiddenLine xmlns="" xmlns:a14="http://schemas.microsoft.com/office/drawing/2010/main" w="9525">
                   <a:solidFill>
                     <a:srgbClr val="000000"/>
                   </a:solidFill>
@@ -4445,7 +4445,7 @@
           <a:p>
             <a:fld id="{48A87A34-81AB-432B-8DAE-1953F412C126}" type="datetimeFigureOut">
               <a:rPr lang="en-US" dirty="0"/>
-              <a:t>9/23/2021</a:t>
+              <a:t>10/20/2021</a:t>
             </a:fld>
             <a:endParaRPr lang="en-US" dirty="0"/>
           </a:p>
@@ -4707,7 +4707,7 @@
           <a:p>
             <a:fld id="{48A87A34-81AB-432B-8DAE-1953F412C126}" type="datetimeFigureOut">
               <a:rPr lang="en-US" dirty="0"/>
-              <a:t>9/23/2021</a:t>
+              <a:t>10/20/2021</a:t>
             </a:fld>
             <a:endParaRPr lang="en-US" dirty="0"/>
           </a:p>
@@ -4898,7 +4898,7 @@
           <a:p>
             <a:fld id="{48A87A34-81AB-432B-8DAE-1953F412C126}" type="datetimeFigureOut">
               <a:rPr lang="en-US" dirty="0"/>
-              <a:t>9/23/2021</a:t>
+              <a:t>10/20/2021</a:t>
             </a:fld>
             <a:endParaRPr lang="en-US" dirty="0"/>
           </a:p>
@@ -5156,7 +5156,7 @@
           <a:p>
             <a:fld id="{48A87A34-81AB-432B-8DAE-1953F412C126}" type="datetimeFigureOut">
               <a:rPr lang="en-US" dirty="0"/>
-              <a:t>9/23/2021</a:t>
+              <a:t>10/20/2021</a:t>
             </a:fld>
             <a:endParaRPr lang="en-US" dirty="0"/>
           </a:p>
@@ -5585,7 +5585,7 @@
           <a:p>
             <a:fld id="{48A87A34-81AB-432B-8DAE-1953F412C126}" type="datetimeFigureOut">
               <a:rPr lang="en-US" dirty="0"/>
-              <a:t>9/23/2021</a:t>
+              <a:t>10/20/2021</a:t>
             </a:fld>
             <a:endParaRPr lang="en-US" dirty="0"/>
           </a:p>
@@ -6126,7 +6126,7 @@
           <a:p>
             <a:fld id="{48A87A34-81AB-432B-8DAE-1953F412C126}" type="datetimeFigureOut">
               <a:rPr lang="en-US" dirty="0"/>
-              <a:t>9/23/2021</a:t>
+              <a:t>10/20/2021</a:t>
             </a:fld>
             <a:endParaRPr lang="en-US" dirty="0"/>
           </a:p>
@@ -6841,7 +6841,7 @@
           <a:p>
             <a:fld id="{48A87A34-81AB-432B-8DAE-1953F412C126}" type="datetimeFigureOut">
               <a:rPr lang="en-US" dirty="0"/>
-              <a:t>9/23/2021</a:t>
+              <a:t>10/20/2021</a:t>
             </a:fld>
             <a:endParaRPr lang="en-US" dirty="0"/>
           </a:p>
@@ -7006,7 +7006,7 @@
           <a:p>
             <a:fld id="{48A87A34-81AB-432B-8DAE-1953F412C126}" type="datetimeFigureOut">
               <a:rPr lang="en-US" dirty="0"/>
-              <a:t>9/23/2021</a:t>
+              <a:t>10/20/2021</a:t>
             </a:fld>
             <a:endParaRPr lang="en-US" dirty="0"/>
           </a:p>
@@ -7181,7 +7181,7 @@
           <a:p>
             <a:fld id="{48A87A34-81AB-432B-8DAE-1953F412C126}" type="datetimeFigureOut">
               <a:rPr lang="en-US" dirty="0"/>
-              <a:t>9/23/2021</a:t>
+              <a:t>10/20/2021</a:t>
             </a:fld>
             <a:endParaRPr lang="en-US" dirty="0"/>
           </a:p>
@@ -7346,7 +7346,7 @@
           <a:p>
             <a:fld id="{48A87A34-81AB-432B-8DAE-1953F412C126}" type="datetimeFigureOut">
               <a:rPr lang="en-US" dirty="0"/>
-              <a:t>9/23/2021</a:t>
+              <a:t>10/20/2021</a:t>
             </a:fld>
             <a:endParaRPr lang="en-US" dirty="0"/>
           </a:p>
@@ -7591,7 +7591,7 @@
           <a:p>
             <a:fld id="{48A87A34-81AB-432B-8DAE-1953F412C126}" type="datetimeFigureOut">
               <a:rPr lang="en-US" dirty="0"/>
-              <a:t>9/23/2021</a:t>
+              <a:t>10/20/2021</a:t>
             </a:fld>
             <a:endParaRPr lang="en-US" dirty="0"/>
           </a:p>
@@ -7818,7 +7818,7 @@
           <a:p>
             <a:fld id="{48A87A34-81AB-432B-8DAE-1953F412C126}" type="datetimeFigureOut">
               <a:rPr lang="en-US" dirty="0"/>
-              <a:t>9/23/2021</a:t>
+              <a:t>10/20/2021</a:t>
             </a:fld>
             <a:endParaRPr lang="en-US" dirty="0"/>
           </a:p>
@@ -8194,7 +8194,7 @@
           <a:p>
             <a:fld id="{48A87A34-81AB-432B-8DAE-1953F412C126}" type="datetimeFigureOut">
               <a:rPr lang="en-US" dirty="0"/>
-              <a:t>9/23/2021</a:t>
+              <a:t>10/20/2021</a:t>
             </a:fld>
             <a:endParaRPr lang="en-US" dirty="0"/>
           </a:p>
@@ -8307,7 +8307,7 @@
           <a:p>
             <a:fld id="{48A87A34-81AB-432B-8DAE-1953F412C126}" type="datetimeFigureOut">
               <a:rPr lang="en-US" dirty="0"/>
-              <a:t>9/23/2021</a:t>
+              <a:t>10/20/2021</a:t>
             </a:fld>
             <a:endParaRPr lang="en-US" dirty="0"/>
           </a:p>
@@ -8397,7 +8397,7 @@
           <a:p>
             <a:fld id="{48A87A34-81AB-432B-8DAE-1953F412C126}" type="datetimeFigureOut">
               <a:rPr lang="en-US" dirty="0"/>
-              <a:t>9/23/2021</a:t>
+              <a:t>10/20/2021</a:t>
             </a:fld>
             <a:endParaRPr lang="en-US" dirty="0"/>
           </a:p>
@@ -8641,7 +8641,7 @@
           <a:p>
             <a:fld id="{48A87A34-81AB-432B-8DAE-1953F412C126}" type="datetimeFigureOut">
               <a:rPr lang="en-US" dirty="0"/>
-              <a:t>9/23/2021</a:t>
+              <a:t>10/20/2021</a:t>
             </a:fld>
             <a:endParaRPr lang="en-US" dirty="0"/>
           </a:p>
@@ -8916,7 +8916,7 @@
           <a:p>
             <a:fld id="{48A87A34-81AB-432B-8DAE-1953F412C126}" type="datetimeFigureOut">
               <a:rPr lang="en-US" dirty="0"/>
-              <a:t>9/23/2021</a:t>
+              <a:t>10/20/2021</a:t>
             </a:fld>
             <a:endParaRPr lang="en-US" dirty="0"/>
           </a:p>
@@ -9034,7 +9034,7 @@
           <a:noFill/>
           <a:extLst>
             <a:ext uri="{909E8E84-426E-40dd-AFC4-6F175D3DCCD1}">
-              <a14:hiddenFill xmlns:a14="http://schemas.microsoft.com/office/drawing/2010/main" xmlns="">
+              <a14:hiddenFill xmlns="" xmlns:a14="http://schemas.microsoft.com/office/drawing/2010/main">
                 <a:solidFill>
                   <a:srgbClr val="FFFFFF"/>
                 </a:solidFill>
@@ -9108,7 +9108,7 @@
               </a:ln>
               <a:extLst>
                 <a:ext uri="{91240B29-F687-4f45-9708-019B960494DF}">
-                  <a14:hiddenLine xmlns:a14="http://schemas.microsoft.com/office/drawing/2010/main" xmlns="" w="9525">
+                  <a14:hiddenLine xmlns="" xmlns:a14="http://schemas.microsoft.com/office/drawing/2010/main" w="9525">
                     <a:solidFill>
                       <a:srgbClr val="000000"/>
                     </a:solidFill>
@@ -9198,7 +9198,7 @@
               </a:ln>
               <a:extLst>
                 <a:ext uri="{91240B29-F687-4f45-9708-019B960494DF}">
-                  <a14:hiddenLine xmlns:a14="http://schemas.microsoft.com/office/drawing/2010/main" xmlns="" w="9525">
+                  <a14:hiddenLine xmlns="" xmlns:a14="http://schemas.microsoft.com/office/drawing/2010/main" w="9525">
                     <a:solidFill>
                       <a:srgbClr val="000000"/>
                     </a:solidFill>
@@ -9288,7 +9288,7 @@
               </a:ln>
               <a:extLst>
                 <a:ext uri="{91240B29-F687-4f45-9708-019B960494DF}">
-                  <a14:hiddenLine xmlns:a14="http://schemas.microsoft.com/office/drawing/2010/main" xmlns="" w="9525">
+                  <a14:hiddenLine xmlns="" xmlns:a14="http://schemas.microsoft.com/office/drawing/2010/main" w="9525">
                     <a:solidFill>
                       <a:srgbClr val="000000"/>
                     </a:solidFill>
@@ -9350,7 +9350,7 @@
               </a:ln>
               <a:extLst>
                 <a:ext uri="{91240B29-F687-4f45-9708-019B960494DF}">
-                  <a14:hiddenLine xmlns:a14="http://schemas.microsoft.com/office/drawing/2010/main" xmlns="" w="9525">
+                  <a14:hiddenLine xmlns="" xmlns:a14="http://schemas.microsoft.com/office/drawing/2010/main" w="9525">
                     <a:solidFill>
                       <a:srgbClr val="000000"/>
                     </a:solidFill>
@@ -9440,7 +9440,7 @@
               </a:ln>
               <a:extLst>
                 <a:ext uri="{91240B29-F687-4f45-9708-019B960494DF}">
-                  <a14:hiddenLine xmlns:a14="http://schemas.microsoft.com/office/drawing/2010/main" xmlns="" w="9525">
+                  <a14:hiddenLine xmlns="" xmlns:a14="http://schemas.microsoft.com/office/drawing/2010/main" w="9525">
                     <a:solidFill>
                       <a:srgbClr val="000000"/>
                     </a:solidFill>
@@ -9502,7 +9502,7 @@
               </a:ln>
               <a:extLst>
                 <a:ext uri="{91240B29-F687-4f45-9708-019B960494DF}">
-                  <a14:hiddenLine xmlns:a14="http://schemas.microsoft.com/office/drawing/2010/main" xmlns="" w="9525">
+                  <a14:hiddenLine xmlns="" xmlns:a14="http://schemas.microsoft.com/office/drawing/2010/main" w="9525">
                     <a:solidFill>
                       <a:srgbClr val="000000"/>
                     </a:solidFill>
@@ -9564,7 +9564,7 @@
               </a:ln>
               <a:extLst>
                 <a:ext uri="{91240B29-F687-4f45-9708-019B960494DF}">
-                  <a14:hiddenLine xmlns:a14="http://schemas.microsoft.com/office/drawing/2010/main" xmlns="" w="9525">
+                  <a14:hiddenLine xmlns="" xmlns:a14="http://schemas.microsoft.com/office/drawing/2010/main" w="9525">
                     <a:solidFill>
                       <a:srgbClr val="000000"/>
                     </a:solidFill>
@@ -9654,7 +9654,7 @@
               </a:ln>
               <a:extLst>
                 <a:ext uri="{91240B29-F687-4f45-9708-019B960494DF}">
-                  <a14:hiddenLine xmlns:a14="http://schemas.microsoft.com/office/drawing/2010/main" xmlns="" w="9525">
+                  <a14:hiddenLine xmlns="" xmlns:a14="http://schemas.microsoft.com/office/drawing/2010/main" w="9525">
                     <a:solidFill>
                       <a:srgbClr val="000000"/>
                     </a:solidFill>
@@ -9744,7 +9744,7 @@
               </a:ln>
               <a:extLst>
                 <a:ext uri="{91240B29-F687-4f45-9708-019B960494DF}">
-                  <a14:hiddenLine xmlns:a14="http://schemas.microsoft.com/office/drawing/2010/main" xmlns="" w="9525">
+                  <a14:hiddenLine xmlns="" xmlns:a14="http://schemas.microsoft.com/office/drawing/2010/main" w="9525">
                     <a:solidFill>
                       <a:srgbClr val="000000"/>
                     </a:solidFill>
@@ -9806,7 +9806,7 @@
               </a:ln>
               <a:extLst>
                 <a:ext uri="{91240B29-F687-4f45-9708-019B960494DF}">
-                  <a14:hiddenLine xmlns:a14="http://schemas.microsoft.com/office/drawing/2010/main" xmlns="" w="9525">
+                  <a14:hiddenLine xmlns="" xmlns:a14="http://schemas.microsoft.com/office/drawing/2010/main" w="9525">
                     <a:solidFill>
                       <a:srgbClr val="000000"/>
                     </a:solidFill>
@@ -9916,7 +9916,7 @@
               </a:ln>
               <a:extLst>
                 <a:ext uri="{91240B29-F687-4f45-9708-019B960494DF}">
-                  <a14:hiddenLine xmlns:a14="http://schemas.microsoft.com/office/drawing/2010/main" xmlns="" w="9525">
+                  <a14:hiddenLine xmlns="" xmlns:a14="http://schemas.microsoft.com/office/drawing/2010/main" w="9525">
                     <a:solidFill>
                       <a:srgbClr val="000000"/>
                     </a:solidFill>
@@ -10000,7 +10000,7 @@
               </a:ln>
               <a:extLst>
                 <a:ext uri="{91240B29-F687-4f45-9708-019B960494DF}">
-                  <a14:hiddenLine xmlns:a14="http://schemas.microsoft.com/office/drawing/2010/main" xmlns="" w="9525">
+                  <a14:hiddenLine xmlns="" xmlns:a14="http://schemas.microsoft.com/office/drawing/2010/main" w="9525">
                     <a:solidFill>
                       <a:srgbClr val="000000"/>
                     </a:solidFill>
@@ -10062,7 +10062,7 @@
               </a:ln>
               <a:extLst>
                 <a:ext uri="{91240B29-F687-4f45-9708-019B960494DF}">
-                  <a14:hiddenLine xmlns:a14="http://schemas.microsoft.com/office/drawing/2010/main" xmlns="" w="9525">
+                  <a14:hiddenLine xmlns="" xmlns:a14="http://schemas.microsoft.com/office/drawing/2010/main" w="9525">
                     <a:solidFill>
                       <a:srgbClr val="000000"/>
                     </a:solidFill>
@@ -10124,7 +10124,7 @@
               </a:ln>
               <a:extLst>
                 <a:ext uri="{91240B29-F687-4f45-9708-019B960494DF}">
-                  <a14:hiddenLine xmlns:a14="http://schemas.microsoft.com/office/drawing/2010/main" xmlns="" w="9525">
+                  <a14:hiddenLine xmlns="" xmlns:a14="http://schemas.microsoft.com/office/drawing/2010/main" w="9525">
                     <a:solidFill>
                       <a:srgbClr val="000000"/>
                     </a:solidFill>
@@ -10214,7 +10214,7 @@
               </a:ln>
               <a:extLst>
                 <a:ext uri="{91240B29-F687-4f45-9708-019B960494DF}">
-                  <a14:hiddenLine xmlns:a14="http://schemas.microsoft.com/office/drawing/2010/main" xmlns="" w="9525">
+                  <a14:hiddenLine xmlns="" xmlns:a14="http://schemas.microsoft.com/office/drawing/2010/main" w="9525">
                     <a:solidFill>
                       <a:srgbClr val="000000"/>
                     </a:solidFill>
@@ -10248,7 +10248,7 @@
               </a:ln>
               <a:extLst>
                 <a:ext uri="{91240B29-F687-4f45-9708-019B960494DF}">
-                  <a14:hiddenLine xmlns:a14="http://schemas.microsoft.com/office/drawing/2010/main" xmlns="" w="9525">
+                  <a14:hiddenLine xmlns="" xmlns:a14="http://schemas.microsoft.com/office/drawing/2010/main" w="9525">
                     <a:solidFill>
                       <a:srgbClr val="000000"/>
                     </a:solidFill>
@@ -10313,7 +10313,7 @@
               </a:ln>
               <a:extLst>
                 <a:ext uri="{91240B29-F687-4f45-9708-019B960494DF}">
-                  <a14:hiddenLine xmlns:a14="http://schemas.microsoft.com/office/drawing/2010/main" xmlns="" w="9525">
+                  <a14:hiddenLine xmlns="" xmlns:a14="http://schemas.microsoft.com/office/drawing/2010/main" w="9525">
                     <a:solidFill>
                       <a:srgbClr val="000000"/>
                     </a:solidFill>
@@ -10403,7 +10403,7 @@
               </a:ln>
               <a:extLst>
                 <a:ext uri="{91240B29-F687-4f45-9708-019B960494DF}">
-                  <a14:hiddenLine xmlns:a14="http://schemas.microsoft.com/office/drawing/2010/main" xmlns="" w="9525">
+                  <a14:hiddenLine xmlns="" xmlns:a14="http://schemas.microsoft.com/office/drawing/2010/main" w="9525">
                     <a:solidFill>
                       <a:srgbClr val="000000"/>
                     </a:solidFill>
@@ -10465,7 +10465,7 @@
               </a:ln>
               <a:extLst>
                 <a:ext uri="{91240B29-F687-4f45-9708-019B960494DF}">
-                  <a14:hiddenLine xmlns:a14="http://schemas.microsoft.com/office/drawing/2010/main" xmlns="" w="9525">
+                  <a14:hiddenLine xmlns="" xmlns:a14="http://schemas.microsoft.com/office/drawing/2010/main" w="9525">
                     <a:solidFill>
                       <a:srgbClr val="000000"/>
                     </a:solidFill>
@@ -10555,7 +10555,7 @@
               </a:ln>
               <a:extLst>
                 <a:ext uri="{91240B29-F687-4f45-9708-019B960494DF}">
-                  <a14:hiddenLine xmlns:a14="http://schemas.microsoft.com/office/drawing/2010/main" xmlns="" w="9525">
+                  <a14:hiddenLine xmlns="" xmlns:a14="http://schemas.microsoft.com/office/drawing/2010/main" w="9525">
                     <a:solidFill>
                       <a:srgbClr val="000000"/>
                     </a:solidFill>
@@ -10620,7 +10620,7 @@
               </a:ln>
               <a:extLst>
                 <a:ext uri="{91240B29-F687-4f45-9708-019B960494DF}">
-                  <a14:hiddenLine xmlns:a14="http://schemas.microsoft.com/office/drawing/2010/main" xmlns="" w="9525">
+                  <a14:hiddenLine xmlns="" xmlns:a14="http://schemas.microsoft.com/office/drawing/2010/main" w="9525">
                     <a:solidFill>
                       <a:srgbClr val="000000"/>
                     </a:solidFill>
@@ -10682,7 +10682,7 @@
               </a:ln>
               <a:extLst>
                 <a:ext uri="{91240B29-F687-4f45-9708-019B960494DF}">
-                  <a14:hiddenLine xmlns:a14="http://schemas.microsoft.com/office/drawing/2010/main" xmlns="" w="9525">
+                  <a14:hiddenLine xmlns="" xmlns:a14="http://schemas.microsoft.com/office/drawing/2010/main" w="9525">
                     <a:solidFill>
                       <a:srgbClr val="000000"/>
                     </a:solidFill>
@@ -10772,7 +10772,7 @@
               </a:ln>
               <a:extLst>
                 <a:ext uri="{91240B29-F687-4f45-9708-019B960494DF}">
-                  <a14:hiddenLine xmlns:a14="http://schemas.microsoft.com/office/drawing/2010/main" xmlns="" w="9525">
+                  <a14:hiddenLine xmlns="" xmlns:a14="http://schemas.microsoft.com/office/drawing/2010/main" w="9525">
                     <a:solidFill>
                       <a:srgbClr val="000000"/>
                     </a:solidFill>
@@ -10862,7 +10862,7 @@
               </a:ln>
               <a:extLst>
                 <a:ext uri="{91240B29-F687-4f45-9708-019B960494DF}">
-                  <a14:hiddenLine xmlns:a14="http://schemas.microsoft.com/office/drawing/2010/main" xmlns="" w="9525">
+                  <a14:hiddenLine xmlns="" xmlns:a14="http://schemas.microsoft.com/office/drawing/2010/main" w="9525">
                     <a:solidFill>
                       <a:srgbClr val="000000"/>
                     </a:solidFill>
@@ -10927,7 +10927,7 @@
               </a:ln>
               <a:extLst>
                 <a:ext uri="{91240B29-F687-4f45-9708-019B960494DF}">
-                  <a14:hiddenLine xmlns:a14="http://schemas.microsoft.com/office/drawing/2010/main" xmlns="" w="9525">
+                  <a14:hiddenLine xmlns="" xmlns:a14="http://schemas.microsoft.com/office/drawing/2010/main" w="9525">
                     <a:solidFill>
                       <a:srgbClr val="000000"/>
                     </a:solidFill>
@@ -11047,7 +11047,7 @@
               </a:ln>
               <a:extLst>
                 <a:ext uri="{91240B29-F687-4f45-9708-019B960494DF}">
-                  <a14:hiddenLine xmlns:a14="http://schemas.microsoft.com/office/drawing/2010/main" xmlns="" w="9525">
+                  <a14:hiddenLine xmlns="" xmlns:a14="http://schemas.microsoft.com/office/drawing/2010/main" w="9525">
                     <a:solidFill>
                       <a:srgbClr val="000000"/>
                     </a:solidFill>
@@ -11128,7 +11128,7 @@
               </a:ln>
               <a:extLst>
                 <a:ext uri="{91240B29-F687-4f45-9708-019B960494DF}">
-                  <a14:hiddenLine xmlns:a14="http://schemas.microsoft.com/office/drawing/2010/main" xmlns="" w="9525">
+                  <a14:hiddenLine xmlns="" xmlns:a14="http://schemas.microsoft.com/office/drawing/2010/main" w="9525">
                     <a:solidFill>
                       <a:srgbClr val="000000"/>
                     </a:solidFill>
@@ -11243,7 +11243,7 @@
               </a:ln>
               <a:extLst>
                 <a:ext uri="{91240B29-F687-4f45-9708-019B960494DF}">
-                  <a14:hiddenLine xmlns:a14="http://schemas.microsoft.com/office/drawing/2010/main" xmlns="" w="9525">
+                  <a14:hiddenLine xmlns="" xmlns:a14="http://schemas.microsoft.com/office/drawing/2010/main" w="9525">
                     <a:solidFill>
                       <a:srgbClr val="000000"/>
                     </a:solidFill>
@@ -11333,7 +11333,7 @@
               </a:ln>
               <a:extLst>
                 <a:ext uri="{91240B29-F687-4f45-9708-019B960494DF}">
-                  <a14:hiddenLine xmlns:a14="http://schemas.microsoft.com/office/drawing/2010/main" xmlns="" w="9525">
+                  <a14:hiddenLine xmlns="" xmlns:a14="http://schemas.microsoft.com/office/drawing/2010/main" w="9525">
                     <a:solidFill>
                       <a:srgbClr val="000000"/>
                     </a:solidFill>
@@ -11398,7 +11398,7 @@
               </a:ln>
               <a:extLst>
                 <a:ext uri="{91240B29-F687-4f45-9708-019B960494DF}">
-                  <a14:hiddenLine xmlns:a14="http://schemas.microsoft.com/office/drawing/2010/main" xmlns="" w="9525">
+                  <a14:hiddenLine xmlns="" xmlns:a14="http://schemas.microsoft.com/office/drawing/2010/main" w="9525">
                     <a:solidFill>
                       <a:srgbClr val="000000"/>
                     </a:solidFill>
@@ -11488,7 +11488,7 @@
               </a:ln>
               <a:extLst>
                 <a:ext uri="{91240B29-F687-4f45-9708-019B960494DF}">
-                  <a14:hiddenLine xmlns:a14="http://schemas.microsoft.com/office/drawing/2010/main" xmlns="" w="9525">
+                  <a14:hiddenLine xmlns="" xmlns:a14="http://schemas.microsoft.com/office/drawing/2010/main" w="9525">
                     <a:solidFill>
                       <a:srgbClr val="000000"/>
                     </a:solidFill>
@@ -11556,7 +11556,7 @@
               </a:ln>
               <a:extLst>
                 <a:ext uri="{91240B29-F687-4f45-9708-019B960494DF}">
-                  <a14:hiddenLine xmlns:a14="http://schemas.microsoft.com/office/drawing/2010/main" xmlns="" w="9525">
+                  <a14:hiddenLine xmlns="" xmlns:a14="http://schemas.microsoft.com/office/drawing/2010/main" w="9525">
                     <a:solidFill>
                       <a:srgbClr val="000000"/>
                     </a:solidFill>
@@ -11646,7 +11646,7 @@
               </a:ln>
               <a:extLst>
                 <a:ext uri="{91240B29-F687-4f45-9708-019B960494DF}">
-                  <a14:hiddenLine xmlns:a14="http://schemas.microsoft.com/office/drawing/2010/main" xmlns="" w="9525">
+                  <a14:hiddenLine xmlns="" xmlns:a14="http://schemas.microsoft.com/office/drawing/2010/main" w="9525">
                     <a:solidFill>
                       <a:srgbClr val="000000"/>
                     </a:solidFill>
@@ -11714,7 +11714,7 @@
               </a:ln>
               <a:extLst>
                 <a:ext uri="{91240B29-F687-4f45-9708-019B960494DF}">
-                  <a14:hiddenLine xmlns:a14="http://schemas.microsoft.com/office/drawing/2010/main" xmlns="" w="9525">
+                  <a14:hiddenLine xmlns="" xmlns:a14="http://schemas.microsoft.com/office/drawing/2010/main" w="9525">
                     <a:solidFill>
                       <a:srgbClr val="000000"/>
                     </a:solidFill>
@@ -11804,7 +11804,7 @@
               </a:ln>
               <a:extLst>
                 <a:ext uri="{91240B29-F687-4f45-9708-019B960494DF}">
-                  <a14:hiddenLine xmlns:a14="http://schemas.microsoft.com/office/drawing/2010/main" xmlns="" w="9525">
+                  <a14:hiddenLine xmlns="" xmlns:a14="http://schemas.microsoft.com/office/drawing/2010/main" w="9525">
                     <a:solidFill>
                       <a:srgbClr val="000000"/>
                     </a:solidFill>
@@ -11838,7 +11838,7 @@
               </a:ln>
               <a:extLst>
                 <a:ext uri="{91240B29-F687-4f45-9708-019B960494DF}">
-                  <a14:hiddenLine xmlns:a14="http://schemas.microsoft.com/office/drawing/2010/main" xmlns="" w="9525">
+                  <a14:hiddenLine xmlns="" xmlns:a14="http://schemas.microsoft.com/office/drawing/2010/main" w="9525">
                     <a:solidFill>
                       <a:srgbClr val="000000"/>
                     </a:solidFill>
@@ -11979,7 +11979,7 @@
             <a:fld id="{48A87A34-81AB-432B-8DAE-1953F412C126}" type="datetimeFigureOut">
               <a:rPr lang="en-US" dirty="0"/>
               <a:pPr/>
-              <a:t>9/23/2021</a:t>
+              <a:t>10/20/2021</a:t>
             </a:fld>
             <a:endParaRPr lang="en-US" dirty="0"/>
           </a:p>
@@ -18106,11 +18106,7 @@
             </a:r>
             <a:r>
               <a:rPr lang="en-US" dirty="0" smtClean="0"/>
-              <a:t>Union </a:t>
-            </a:r>
-            <a:r>
-              <a:rPr lang="en-US" dirty="0" smtClean="0"/>
-              <a:t>File </a:t>
+              <a:t>Union File </a:t>
             </a:r>
             <a:r>
               <a:rPr lang="en-US" dirty="0"/>
